--- a/data/documents/IHK_Präsentation.pptx
+++ b/data/documents/IHK_Präsentation.pptx
@@ -5,10 +5,10 @@
     <p:sldMasterId id="2147483648" r:id="rId1"/>
   </p:sldMasterIdLst>
   <p:notesMasterIdLst>
-    <p:notesMasterId r:id="rId23"/>
+    <p:notesMasterId r:id="rId25"/>
   </p:notesMasterIdLst>
   <p:handoutMasterIdLst>
-    <p:handoutMasterId r:id="rId24"/>
+    <p:handoutMasterId r:id="rId26"/>
   </p:handoutMasterIdLst>
   <p:sldIdLst>
     <p:sldId id="258" r:id="rId2"/>
@@ -23,20 +23,22 @@
     <p:sldId id="300" r:id="rId11"/>
     <p:sldId id="311" r:id="rId12"/>
     <p:sldId id="312" r:id="rId13"/>
-    <p:sldId id="313" r:id="rId14"/>
-    <p:sldId id="314" r:id="rId15"/>
-    <p:sldId id="315" r:id="rId16"/>
+    <p:sldId id="315" r:id="rId14"/>
+    <p:sldId id="322" r:id="rId15"/>
+    <p:sldId id="313" r:id="rId16"/>
     <p:sldId id="302" r:id="rId17"/>
     <p:sldId id="316" r:id="rId18"/>
     <p:sldId id="317" r:id="rId19"/>
     <p:sldId id="318" r:id="rId20"/>
     <p:sldId id="303" r:id="rId21"/>
-    <p:sldId id="268" r:id="rId22"/>
+    <p:sldId id="320" r:id="rId22"/>
+    <p:sldId id="321" r:id="rId23"/>
+    <p:sldId id="268" r:id="rId24"/>
   </p:sldIdLst>
   <p:sldSz cx="12192000" cy="6858000"/>
   <p:notesSz cx="6797675" cy="9928225"/>
   <p:custDataLst>
-    <p:tags r:id="rId25"/>
+    <p:tags r:id="rId27"/>
   </p:custDataLst>
   <p:defaultTextStyle>
     <a:defPPr>
@@ -158,9 +160,9 @@
             <p14:sldId id="300"/>
             <p14:sldId id="311"/>
             <p14:sldId id="312"/>
+            <p14:sldId id="315"/>
+            <p14:sldId id="322"/>
             <p14:sldId id="313"/>
-            <p14:sldId id="314"/>
-            <p14:sldId id="315"/>
           </p14:sldIdLst>
         </p14:section>
         <p14:section name="Testing" id="{BA7C7545-60A4-46BC-BBC7-9A7D1DB3A2D6}">
@@ -174,6 +176,8 @@
         <p14:section name="Ergebnisinterpretation und Ausblick" id="{591DAD19-06CC-4EB1-8714-6ED8C47FFD88}">
           <p14:sldIdLst>
             <p14:sldId id="303"/>
+            <p14:sldId id="320"/>
+            <p14:sldId id="321"/>
           </p14:sldIdLst>
         </p14:section>
         <p14:section name="Abschluss" id="{E00D01BA-97E6-431E-9232-C1279E2CE575}">
@@ -3572,6 +3576,13 @@
         </dgm:presLayoutVars>
       </dgm:prSet>
       <dgm:spPr/>
+      <dgm:t>
+        <a:bodyPr/>
+        <a:lstStyle/>
+        <a:p>
+          <a:endParaRPr lang="de-DE"/>
+        </a:p>
+      </dgm:t>
     </dgm:pt>
     <dgm:pt modelId="{F51462A2-2FE6-4DCA-81A5-C877D12156B7}" type="pres">
       <dgm:prSet presAssocID="{23C89F76-BAFB-452C-84B0-9B6E85B76016}" presName="root" presStyleCnt="0">
@@ -3605,6 +3616,13 @@
         </dgm:presLayoutVars>
       </dgm:prSet>
       <dgm:spPr/>
+      <dgm:t>
+        <a:bodyPr/>
+        <a:lstStyle/>
+        <a:p>
+          <a:endParaRPr lang="de-DE"/>
+        </a:p>
+      </dgm:t>
     </dgm:pt>
     <dgm:pt modelId="{3F9FC882-1D5D-4FA9-B854-D480C9E41B1B}" type="pres">
       <dgm:prSet presAssocID="{23C89F76-BAFB-452C-84B0-9B6E85B76016}" presName="childShape" presStyleCnt="0">
@@ -3637,6 +3655,13 @@
         </dgm:presLayoutVars>
       </dgm:prSet>
       <dgm:spPr/>
+      <dgm:t>
+        <a:bodyPr/>
+        <a:lstStyle/>
+        <a:p>
+          <a:endParaRPr lang="de-DE"/>
+        </a:p>
+      </dgm:t>
     </dgm:pt>
     <dgm:pt modelId="{93E9475B-9456-452C-9A97-02BE22FED6F6}" type="pres">
       <dgm:prSet presAssocID="{38E1D456-93C1-485F-BD60-FCF012C71526}" presName="childComposite" presStyleCnt="0">
@@ -3660,6 +3685,13 @@
         </dgm:presLayoutVars>
       </dgm:prSet>
       <dgm:spPr/>
+      <dgm:t>
+        <a:bodyPr/>
+        <a:lstStyle/>
+        <a:p>
+          <a:endParaRPr lang="de-DE"/>
+        </a:p>
+      </dgm:t>
     </dgm:pt>
     <dgm:pt modelId="{7481FF26-E8CE-4D3A-B1DC-B9F1BFAB4D07}" type="pres">
       <dgm:prSet presAssocID="{DA9CEAA6-6007-4651-B986-F523C55DD60B}" presName="childComposite" presStyleCnt="0">
@@ -3683,6 +3715,13 @@
         </dgm:presLayoutVars>
       </dgm:prSet>
       <dgm:spPr/>
+      <dgm:t>
+        <a:bodyPr/>
+        <a:lstStyle/>
+        <a:p>
+          <a:endParaRPr lang="de-DE"/>
+        </a:p>
+      </dgm:t>
     </dgm:pt>
     <dgm:pt modelId="{41DE929B-8E0C-463F-9C42-1037A046559E}" type="pres">
       <dgm:prSet presAssocID="{F0531B3A-B6EB-43A2-AB2D-D6FE44B65634}" presName="childComposite" presStyleCnt="0">
@@ -3706,6 +3745,13 @@
         </dgm:presLayoutVars>
       </dgm:prSet>
       <dgm:spPr/>
+      <dgm:t>
+        <a:bodyPr/>
+        <a:lstStyle/>
+        <a:p>
+          <a:endParaRPr lang="de-DE"/>
+        </a:p>
+      </dgm:t>
     </dgm:pt>
     <dgm:pt modelId="{9CC46A8D-84F4-469B-8CDB-F1296602322D}" type="pres">
       <dgm:prSet presAssocID="{3C64B53D-E7E0-485A-B4C7-1321AD3D79DE}" presName="root" presStyleCnt="0">
@@ -3739,6 +3785,13 @@
         </dgm:presLayoutVars>
       </dgm:prSet>
       <dgm:spPr/>
+      <dgm:t>
+        <a:bodyPr/>
+        <a:lstStyle/>
+        <a:p>
+          <a:endParaRPr lang="de-DE"/>
+        </a:p>
+      </dgm:t>
     </dgm:pt>
     <dgm:pt modelId="{27F8ED0D-ED59-44CE-9800-8F29F4DA2414}" type="pres">
       <dgm:prSet presAssocID="{3C64B53D-E7E0-485A-B4C7-1321AD3D79DE}" presName="childShape" presStyleCnt="0">
@@ -3771,6 +3824,13 @@
         </dgm:presLayoutVars>
       </dgm:prSet>
       <dgm:spPr/>
+      <dgm:t>
+        <a:bodyPr/>
+        <a:lstStyle/>
+        <a:p>
+          <a:endParaRPr lang="de-DE"/>
+        </a:p>
+      </dgm:t>
     </dgm:pt>
     <dgm:pt modelId="{E4AC216A-08A2-48F1-8D9C-431E83C34174}" type="pres">
       <dgm:prSet presAssocID="{C99EE9B4-162A-42D7-B0C8-3DBA97E5AC14}" presName="childComposite" presStyleCnt="0">
@@ -3794,6 +3854,13 @@
         </dgm:presLayoutVars>
       </dgm:prSet>
       <dgm:spPr/>
+      <dgm:t>
+        <a:bodyPr/>
+        <a:lstStyle/>
+        <a:p>
+          <a:endParaRPr lang="de-DE"/>
+        </a:p>
+      </dgm:t>
     </dgm:pt>
     <dgm:pt modelId="{0108ABEC-49A6-42C1-835F-0EF2139A089E}" type="pres">
       <dgm:prSet presAssocID="{8E45AD21-25E4-42B7-9A6D-FA28DEDB3D2D}" presName="childComposite" presStyleCnt="0">
@@ -3817,28 +3884,35 @@
         </dgm:presLayoutVars>
       </dgm:prSet>
       <dgm:spPr/>
+      <dgm:t>
+        <a:bodyPr/>
+        <a:lstStyle/>
+        <a:p>
+          <a:endParaRPr lang="de-DE"/>
+        </a:p>
+      </dgm:t>
     </dgm:pt>
   </dgm:ptLst>
   <dgm:cxnLst>
+    <dgm:cxn modelId="{B618ACE6-BBDA-46B9-81E5-A534B5AB318E}" type="presOf" srcId="{F0531B3A-B6EB-43A2-AB2D-D6FE44B65634}" destId="{5C966524-0DE2-4746-AE20-2217D4A6551F}" srcOrd="0" destOrd="0" presId="urn:microsoft.com/office/officeart/2008/layout/SquareAccentList"/>
+    <dgm:cxn modelId="{0632DF92-E43E-4CE7-8337-CAA84245FA5F}" type="presOf" srcId="{C99EE9B4-162A-42D7-B0C8-3DBA97E5AC14}" destId="{AF01E8A1-C5E0-47EF-B7D7-636ED73C9D97}" srcOrd="0" destOrd="0" presId="urn:microsoft.com/office/officeart/2008/layout/SquareAccentList"/>
+    <dgm:cxn modelId="{D08585DA-3CD0-472F-A4DB-16B7B0B87837}" type="presOf" srcId="{23C89F76-BAFB-452C-84B0-9B6E85B76016}" destId="{22AE4F34-DFEB-44BF-98CC-C3810E6D705C}" srcOrd="0" destOrd="0" presId="urn:microsoft.com/office/officeart/2008/layout/SquareAccentList"/>
+    <dgm:cxn modelId="{B38A2CB3-30A5-419C-BE87-BA1260ECBB74}" type="presOf" srcId="{DA9CEAA6-6007-4651-B986-F523C55DD60B}" destId="{E7C251C0-3DAC-4C0E-9F41-72C8357F62DD}" srcOrd="0" destOrd="0" presId="urn:microsoft.com/office/officeart/2008/layout/SquareAccentList"/>
+    <dgm:cxn modelId="{69CB2FF7-209C-4FA5-B9ED-9B78928B8106}" type="presOf" srcId="{8E45AD21-25E4-42B7-9A6D-FA28DEDB3D2D}" destId="{A96C5E5C-B42C-49F1-972C-E8D33ECF3101}" srcOrd="0" destOrd="0" presId="urn:microsoft.com/office/officeart/2008/layout/SquareAccentList"/>
+    <dgm:cxn modelId="{5C6348A9-0553-4608-8BFE-3AF724EA90A4}" srcId="{3C64B53D-E7E0-485A-B4C7-1321AD3D79DE}" destId="{C99EE9B4-162A-42D7-B0C8-3DBA97E5AC14}" srcOrd="1" destOrd="0" parTransId="{D4601300-2603-4BAB-9CF3-49F2C55EAE9B}" sibTransId="{87B3029F-9860-4BC0-80C1-A607CFB3FBBF}"/>
+    <dgm:cxn modelId="{B1D7DC1E-D6BB-4A06-868C-28D03B42BE6A}" srcId="{23C89F76-BAFB-452C-84B0-9B6E85B76016}" destId="{F0531B3A-B6EB-43A2-AB2D-D6FE44B65634}" srcOrd="3" destOrd="0" parTransId="{41C482AE-2B7F-42CA-9B06-E31B93060D80}" sibTransId="{DEAE2769-EE08-4B3F-B922-F9E93818260B}"/>
+    <dgm:cxn modelId="{35134F1C-9742-48B4-857B-07D9831F1635}" srcId="{62BA4F54-0839-4EE5-9576-8A894E52A0A4}" destId="{3C64B53D-E7E0-485A-B4C7-1321AD3D79DE}" srcOrd="1" destOrd="0" parTransId="{901BC159-2495-48E1-9830-986FF9960BEE}" sibTransId="{A62CE6AB-C19E-43A6-9163-EB3C8AD3C0B7}"/>
+    <dgm:cxn modelId="{C0FF99DA-3A5C-4A94-A0CF-6EB3FEA39B2E}" srcId="{23C89F76-BAFB-452C-84B0-9B6E85B76016}" destId="{14AE4AD1-065B-484D-BAB2-4FE1B484A113}" srcOrd="0" destOrd="0" parTransId="{7C5F9D9B-950F-4B82-9AA1-EF5D07597923}" sibTransId="{49C50EE9-E584-4DB0-9500-94FF278C9861}"/>
+    <dgm:cxn modelId="{00F391A2-EDDF-4112-9C76-AC99DD0F580B}" type="presOf" srcId="{38E1D456-93C1-485F-BD60-FCF012C71526}" destId="{37432465-E142-4380-B6E2-3D3E3B715680}" srcOrd="0" destOrd="0" presId="urn:microsoft.com/office/officeart/2008/layout/SquareAccentList"/>
+    <dgm:cxn modelId="{6B561ABB-6FA9-4EBD-BE67-0BFBCEEEBC48}" srcId="{23C89F76-BAFB-452C-84B0-9B6E85B76016}" destId="{38E1D456-93C1-485F-BD60-FCF012C71526}" srcOrd="1" destOrd="0" parTransId="{2FC2A53F-0D92-4EC8-B4CF-E8338783ABE7}" sibTransId="{F3526D55-AB3A-4242-A55E-1BBF2B97A126}"/>
+    <dgm:cxn modelId="{ED75A977-468F-4ACD-B330-74551306F254}" type="presOf" srcId="{CAF074A7-DA32-4B00-A402-7C641D410716}" destId="{80E2213E-E6F3-4E5C-9F44-94E8CE2714E2}" srcOrd="0" destOrd="0" presId="urn:microsoft.com/office/officeart/2008/layout/SquareAccentList"/>
+    <dgm:cxn modelId="{AABA7D52-1E63-4D98-9C0A-4517DE99C920}" srcId="{3C64B53D-E7E0-485A-B4C7-1321AD3D79DE}" destId="{CAF074A7-DA32-4B00-A402-7C641D410716}" srcOrd="0" destOrd="0" parTransId="{F021DCD5-DB7C-47F3-8305-30277467DC50}" sibTransId="{063B3FA2-DB9B-415A-8E83-7D8605178F26}"/>
     <dgm:cxn modelId="{CBFBEE04-3CB5-4C2E-8234-8D10E3B2D6D5}" type="presOf" srcId="{62BA4F54-0839-4EE5-9576-8A894E52A0A4}" destId="{F902D9E3-78BB-4DAE-A306-6CCCFE2227AD}" srcOrd="0" destOrd="0" presId="urn:microsoft.com/office/officeart/2008/layout/SquareAccentList"/>
-    <dgm:cxn modelId="{35134F1C-9742-48B4-857B-07D9831F1635}" srcId="{62BA4F54-0839-4EE5-9576-8A894E52A0A4}" destId="{3C64B53D-E7E0-485A-B4C7-1321AD3D79DE}" srcOrd="1" destOrd="0" parTransId="{901BC159-2495-48E1-9830-986FF9960BEE}" sibTransId="{A62CE6AB-C19E-43A6-9163-EB3C8AD3C0B7}"/>
-    <dgm:cxn modelId="{B1D7DC1E-D6BB-4A06-868C-28D03B42BE6A}" srcId="{23C89F76-BAFB-452C-84B0-9B6E85B76016}" destId="{F0531B3A-B6EB-43A2-AB2D-D6FE44B65634}" srcOrd="3" destOrd="0" parTransId="{41C482AE-2B7F-42CA-9B06-E31B93060D80}" sibTransId="{DEAE2769-EE08-4B3F-B922-F9E93818260B}"/>
+    <dgm:cxn modelId="{B11BCFB7-2297-451C-A189-91073931AFE8}" type="presOf" srcId="{3C64B53D-E7E0-485A-B4C7-1321AD3D79DE}" destId="{89FAE040-6B7A-46A3-A72D-30BBE62C71BE}" srcOrd="0" destOrd="0" presId="urn:microsoft.com/office/officeart/2008/layout/SquareAccentList"/>
+    <dgm:cxn modelId="{FC316A6F-CC68-4F08-A0B4-FB60A77C6AF3}" srcId="{23C89F76-BAFB-452C-84B0-9B6E85B76016}" destId="{DA9CEAA6-6007-4651-B986-F523C55DD60B}" srcOrd="2" destOrd="0" parTransId="{1951E273-6503-4163-9458-3E834C011E9B}" sibTransId="{6202B8DD-5205-4521-AAD0-CBCEB07904AE}"/>
     <dgm:cxn modelId="{1622AA69-57E1-4E6C-8C58-1C52A9E1D819}" srcId="{3C64B53D-E7E0-485A-B4C7-1321AD3D79DE}" destId="{8E45AD21-25E4-42B7-9A6D-FA28DEDB3D2D}" srcOrd="2" destOrd="0" parTransId="{55BB841F-67CF-4179-8271-17657A6C97F8}" sibTransId="{A49B3F31-0291-4C24-963C-7C4B9A4A8565}"/>
-    <dgm:cxn modelId="{FC316A6F-CC68-4F08-A0B4-FB60A77C6AF3}" srcId="{23C89F76-BAFB-452C-84B0-9B6E85B76016}" destId="{DA9CEAA6-6007-4651-B986-F523C55DD60B}" srcOrd="2" destOrd="0" parTransId="{1951E273-6503-4163-9458-3E834C011E9B}" sibTransId="{6202B8DD-5205-4521-AAD0-CBCEB07904AE}"/>
-    <dgm:cxn modelId="{AABA7D52-1E63-4D98-9C0A-4517DE99C920}" srcId="{3C64B53D-E7E0-485A-B4C7-1321AD3D79DE}" destId="{CAF074A7-DA32-4B00-A402-7C641D410716}" srcOrd="0" destOrd="0" parTransId="{F021DCD5-DB7C-47F3-8305-30277467DC50}" sibTransId="{063B3FA2-DB9B-415A-8E83-7D8605178F26}"/>
     <dgm:cxn modelId="{59D88D76-C44E-4224-9D7A-041BF1F2B981}" type="presOf" srcId="{14AE4AD1-065B-484D-BAB2-4FE1B484A113}" destId="{B5077258-0C39-412D-AD25-B5CB3DF326B0}" srcOrd="0" destOrd="0" presId="urn:microsoft.com/office/officeart/2008/layout/SquareAccentList"/>
-    <dgm:cxn modelId="{ED75A977-468F-4ACD-B330-74551306F254}" type="presOf" srcId="{CAF074A7-DA32-4B00-A402-7C641D410716}" destId="{80E2213E-E6F3-4E5C-9F44-94E8CE2714E2}" srcOrd="0" destOrd="0" presId="urn:microsoft.com/office/officeart/2008/layout/SquareAccentList"/>
-    <dgm:cxn modelId="{0632DF92-E43E-4CE7-8337-CAA84245FA5F}" type="presOf" srcId="{C99EE9B4-162A-42D7-B0C8-3DBA97E5AC14}" destId="{AF01E8A1-C5E0-47EF-B7D7-636ED73C9D97}" srcOrd="0" destOrd="0" presId="urn:microsoft.com/office/officeart/2008/layout/SquareAccentList"/>
-    <dgm:cxn modelId="{00F391A2-EDDF-4112-9C76-AC99DD0F580B}" type="presOf" srcId="{38E1D456-93C1-485F-BD60-FCF012C71526}" destId="{37432465-E142-4380-B6E2-3D3E3B715680}" srcOrd="0" destOrd="0" presId="urn:microsoft.com/office/officeart/2008/layout/SquareAccentList"/>
-    <dgm:cxn modelId="{5C6348A9-0553-4608-8BFE-3AF724EA90A4}" srcId="{3C64B53D-E7E0-485A-B4C7-1321AD3D79DE}" destId="{C99EE9B4-162A-42D7-B0C8-3DBA97E5AC14}" srcOrd="1" destOrd="0" parTransId="{D4601300-2603-4BAB-9CF3-49F2C55EAE9B}" sibTransId="{87B3029F-9860-4BC0-80C1-A607CFB3FBBF}"/>
-    <dgm:cxn modelId="{B38A2CB3-30A5-419C-BE87-BA1260ECBB74}" type="presOf" srcId="{DA9CEAA6-6007-4651-B986-F523C55DD60B}" destId="{E7C251C0-3DAC-4C0E-9F41-72C8357F62DD}" srcOrd="0" destOrd="0" presId="urn:microsoft.com/office/officeart/2008/layout/SquareAccentList"/>
-    <dgm:cxn modelId="{B11BCFB7-2297-451C-A189-91073931AFE8}" type="presOf" srcId="{3C64B53D-E7E0-485A-B4C7-1321AD3D79DE}" destId="{89FAE040-6B7A-46A3-A72D-30BBE62C71BE}" srcOrd="0" destOrd="0" presId="urn:microsoft.com/office/officeart/2008/layout/SquareAccentList"/>
     <dgm:cxn modelId="{1D01F7B8-02E6-4520-B391-F58C9B917D51}" srcId="{62BA4F54-0839-4EE5-9576-8A894E52A0A4}" destId="{23C89F76-BAFB-452C-84B0-9B6E85B76016}" srcOrd="0" destOrd="0" parTransId="{DD463786-5963-4CFF-ACA7-9A77ED5DF3EB}" sibTransId="{8E6FE12B-4D0D-44F5-AB1E-6FA576D65C1F}"/>
-    <dgm:cxn modelId="{6B561ABB-6FA9-4EBD-BE67-0BFBCEEEBC48}" srcId="{23C89F76-BAFB-452C-84B0-9B6E85B76016}" destId="{38E1D456-93C1-485F-BD60-FCF012C71526}" srcOrd="1" destOrd="0" parTransId="{2FC2A53F-0D92-4EC8-B4CF-E8338783ABE7}" sibTransId="{F3526D55-AB3A-4242-A55E-1BBF2B97A126}"/>
-    <dgm:cxn modelId="{D08585DA-3CD0-472F-A4DB-16B7B0B87837}" type="presOf" srcId="{23C89F76-BAFB-452C-84B0-9B6E85B76016}" destId="{22AE4F34-DFEB-44BF-98CC-C3810E6D705C}" srcOrd="0" destOrd="0" presId="urn:microsoft.com/office/officeart/2008/layout/SquareAccentList"/>
-    <dgm:cxn modelId="{C0FF99DA-3A5C-4A94-A0CF-6EB3FEA39B2E}" srcId="{23C89F76-BAFB-452C-84B0-9B6E85B76016}" destId="{14AE4AD1-065B-484D-BAB2-4FE1B484A113}" srcOrd="0" destOrd="0" parTransId="{7C5F9D9B-950F-4B82-9AA1-EF5D07597923}" sibTransId="{49C50EE9-E584-4DB0-9500-94FF278C9861}"/>
-    <dgm:cxn modelId="{B618ACE6-BBDA-46B9-81E5-A534B5AB318E}" type="presOf" srcId="{F0531B3A-B6EB-43A2-AB2D-D6FE44B65634}" destId="{5C966524-0DE2-4746-AE20-2217D4A6551F}" srcOrd="0" destOrd="0" presId="urn:microsoft.com/office/officeart/2008/layout/SquareAccentList"/>
-    <dgm:cxn modelId="{69CB2FF7-209C-4FA5-B9ED-9B78928B8106}" type="presOf" srcId="{8E45AD21-25E4-42B7-9A6D-FA28DEDB3D2D}" destId="{A96C5E5C-B42C-49F1-972C-E8D33ECF3101}" srcOrd="0" destOrd="0" presId="urn:microsoft.com/office/officeart/2008/layout/SquareAccentList"/>
     <dgm:cxn modelId="{7D751188-96B8-4257-B855-B068E4788E5B}" type="presParOf" srcId="{F902D9E3-78BB-4DAE-A306-6CCCFE2227AD}" destId="{F51462A2-2FE6-4DCA-81A5-C877D12156B7}" srcOrd="0" destOrd="0" presId="urn:microsoft.com/office/officeart/2008/layout/SquareAccentList"/>
     <dgm:cxn modelId="{3276F117-227A-408F-8EBC-53F77F742788}" type="presParOf" srcId="{F51462A2-2FE6-4DCA-81A5-C877D12156B7}" destId="{F8D8D25A-5224-4A4E-842A-3009AC66E5D6}" srcOrd="0" destOrd="0" presId="urn:microsoft.com/office/officeart/2008/layout/SquareAccentList"/>
     <dgm:cxn modelId="{7EB9AE16-C78D-45C7-A351-FDDDEE49E39F}" type="presParOf" srcId="{F8D8D25A-5224-4A4E-842A-3009AC66E5D6}" destId="{007F8887-6D10-4EB5-A5DA-D87583C113AB}" srcOrd="0" destOrd="0" presId="urn:microsoft.com/office/officeart/2008/layout/SquareAccentList"/>
@@ -4125,6 +4199,13 @@
         </dgm:presLayoutVars>
       </dgm:prSet>
       <dgm:spPr/>
+      <dgm:t>
+        <a:bodyPr/>
+        <a:lstStyle/>
+        <a:p>
+          <a:endParaRPr lang="de-DE"/>
+        </a:p>
+      </dgm:t>
     </dgm:pt>
     <dgm:pt modelId="{F51462A2-2FE6-4DCA-81A5-C877D12156B7}" type="pres">
       <dgm:prSet presAssocID="{23C89F76-BAFB-452C-84B0-9B6E85B76016}" presName="root" presStyleCnt="0">
@@ -4158,6 +4239,13 @@
         </dgm:presLayoutVars>
       </dgm:prSet>
       <dgm:spPr/>
+      <dgm:t>
+        <a:bodyPr/>
+        <a:lstStyle/>
+        <a:p>
+          <a:endParaRPr lang="de-DE"/>
+        </a:p>
+      </dgm:t>
     </dgm:pt>
     <dgm:pt modelId="{3F9FC882-1D5D-4FA9-B854-D480C9E41B1B}" type="pres">
       <dgm:prSet presAssocID="{23C89F76-BAFB-452C-84B0-9B6E85B76016}" presName="childShape" presStyleCnt="0">
@@ -4190,6 +4278,13 @@
         </dgm:presLayoutVars>
       </dgm:prSet>
       <dgm:spPr/>
+      <dgm:t>
+        <a:bodyPr/>
+        <a:lstStyle/>
+        <a:p>
+          <a:endParaRPr lang="de-DE"/>
+        </a:p>
+      </dgm:t>
     </dgm:pt>
     <dgm:pt modelId="{93E9475B-9456-452C-9A97-02BE22FED6F6}" type="pres">
       <dgm:prSet presAssocID="{38E1D456-93C1-485F-BD60-FCF012C71526}" presName="childComposite" presStyleCnt="0">
@@ -4213,6 +4308,13 @@
         </dgm:presLayoutVars>
       </dgm:prSet>
       <dgm:spPr/>
+      <dgm:t>
+        <a:bodyPr/>
+        <a:lstStyle/>
+        <a:p>
+          <a:endParaRPr lang="de-DE"/>
+        </a:p>
+      </dgm:t>
     </dgm:pt>
     <dgm:pt modelId="{9CC46A8D-84F4-469B-8CDB-F1296602322D}" type="pres">
       <dgm:prSet presAssocID="{3C64B53D-E7E0-485A-B4C7-1321AD3D79DE}" presName="root" presStyleCnt="0">
@@ -4246,6 +4348,13 @@
         </dgm:presLayoutVars>
       </dgm:prSet>
       <dgm:spPr/>
+      <dgm:t>
+        <a:bodyPr/>
+        <a:lstStyle/>
+        <a:p>
+          <a:endParaRPr lang="de-DE"/>
+        </a:p>
+      </dgm:t>
     </dgm:pt>
     <dgm:pt modelId="{27F8ED0D-ED59-44CE-9800-8F29F4DA2414}" type="pres">
       <dgm:prSet presAssocID="{3C64B53D-E7E0-485A-B4C7-1321AD3D79DE}" presName="childShape" presStyleCnt="0">
@@ -4278,6 +4387,13 @@
         </dgm:presLayoutVars>
       </dgm:prSet>
       <dgm:spPr/>
+      <dgm:t>
+        <a:bodyPr/>
+        <a:lstStyle/>
+        <a:p>
+          <a:endParaRPr lang="de-DE"/>
+        </a:p>
+      </dgm:t>
     </dgm:pt>
     <dgm:pt modelId="{0108ABEC-49A6-42C1-835F-0EF2139A089E}" type="pres">
       <dgm:prSet presAssocID="{8E45AD21-25E4-42B7-9A6D-FA28DEDB3D2D}" presName="childComposite" presStyleCnt="0">
@@ -4301,22 +4417,29 @@
         </dgm:presLayoutVars>
       </dgm:prSet>
       <dgm:spPr/>
+      <dgm:t>
+        <a:bodyPr/>
+        <a:lstStyle/>
+        <a:p>
+          <a:endParaRPr lang="de-DE"/>
+        </a:p>
+      </dgm:t>
     </dgm:pt>
   </dgm:ptLst>
   <dgm:cxnLst>
+    <dgm:cxn modelId="{B11BCFB7-2297-451C-A189-91073931AFE8}" type="presOf" srcId="{3C64B53D-E7E0-485A-B4C7-1321AD3D79DE}" destId="{89FAE040-6B7A-46A3-A72D-30BBE62C71BE}" srcOrd="0" destOrd="0" presId="urn:microsoft.com/office/officeart/2008/layout/SquareAccentList"/>
+    <dgm:cxn modelId="{6B561ABB-6FA9-4EBD-BE67-0BFBCEEEBC48}" srcId="{23C89F76-BAFB-452C-84B0-9B6E85B76016}" destId="{38E1D456-93C1-485F-BD60-FCF012C71526}" srcOrd="1" destOrd="0" parTransId="{2FC2A53F-0D92-4EC8-B4CF-E8338783ABE7}" sibTransId="{F3526D55-AB3A-4242-A55E-1BBF2B97A126}"/>
+    <dgm:cxn modelId="{1D01F7B8-02E6-4520-B391-F58C9B917D51}" srcId="{62BA4F54-0839-4EE5-9576-8A894E52A0A4}" destId="{23C89F76-BAFB-452C-84B0-9B6E85B76016}" srcOrd="0" destOrd="0" parTransId="{DD463786-5963-4CFF-ACA7-9A77ED5DF3EB}" sibTransId="{8E6FE12B-4D0D-44F5-AB1E-6FA576D65C1F}"/>
+    <dgm:cxn modelId="{D08585DA-3CD0-472F-A4DB-16B7B0B87837}" type="presOf" srcId="{23C89F76-BAFB-452C-84B0-9B6E85B76016}" destId="{22AE4F34-DFEB-44BF-98CC-C3810E6D705C}" srcOrd="0" destOrd="0" presId="urn:microsoft.com/office/officeart/2008/layout/SquareAccentList"/>
     <dgm:cxn modelId="{CBFBEE04-3CB5-4C2E-8234-8D10E3B2D6D5}" type="presOf" srcId="{62BA4F54-0839-4EE5-9576-8A894E52A0A4}" destId="{F902D9E3-78BB-4DAE-A306-6CCCFE2227AD}" srcOrd="0" destOrd="0" presId="urn:microsoft.com/office/officeart/2008/layout/SquareAccentList"/>
+    <dgm:cxn modelId="{1622AA69-57E1-4E6C-8C58-1C52A9E1D819}" srcId="{3C64B53D-E7E0-485A-B4C7-1321AD3D79DE}" destId="{8E45AD21-25E4-42B7-9A6D-FA28DEDB3D2D}" srcOrd="1" destOrd="0" parTransId="{55BB841F-67CF-4179-8271-17657A6C97F8}" sibTransId="{A49B3F31-0291-4C24-963C-7C4B9A4A8565}"/>
+    <dgm:cxn modelId="{00F391A2-EDDF-4112-9C76-AC99DD0F580B}" type="presOf" srcId="{38E1D456-93C1-485F-BD60-FCF012C71526}" destId="{37432465-E142-4380-B6E2-3D3E3B715680}" srcOrd="0" destOrd="0" presId="urn:microsoft.com/office/officeart/2008/layout/SquareAccentList"/>
+    <dgm:cxn modelId="{ED75A977-468F-4ACD-B330-74551306F254}" type="presOf" srcId="{CAF074A7-DA32-4B00-A402-7C641D410716}" destId="{80E2213E-E6F3-4E5C-9F44-94E8CE2714E2}" srcOrd="0" destOrd="0" presId="urn:microsoft.com/office/officeart/2008/layout/SquareAccentList"/>
+    <dgm:cxn modelId="{59D88D76-C44E-4224-9D7A-041BF1F2B981}" type="presOf" srcId="{14AE4AD1-065B-484D-BAB2-4FE1B484A113}" destId="{B5077258-0C39-412D-AD25-B5CB3DF326B0}" srcOrd="0" destOrd="0" presId="urn:microsoft.com/office/officeart/2008/layout/SquareAccentList"/>
+    <dgm:cxn modelId="{AABA7D52-1E63-4D98-9C0A-4517DE99C920}" srcId="{3C64B53D-E7E0-485A-B4C7-1321AD3D79DE}" destId="{CAF074A7-DA32-4B00-A402-7C641D410716}" srcOrd="0" destOrd="0" parTransId="{F021DCD5-DB7C-47F3-8305-30277467DC50}" sibTransId="{063B3FA2-DB9B-415A-8E83-7D8605178F26}"/>
     <dgm:cxn modelId="{35134F1C-9742-48B4-857B-07D9831F1635}" srcId="{62BA4F54-0839-4EE5-9576-8A894E52A0A4}" destId="{3C64B53D-E7E0-485A-B4C7-1321AD3D79DE}" srcOrd="1" destOrd="0" parTransId="{901BC159-2495-48E1-9830-986FF9960BEE}" sibTransId="{A62CE6AB-C19E-43A6-9163-EB3C8AD3C0B7}"/>
-    <dgm:cxn modelId="{1622AA69-57E1-4E6C-8C58-1C52A9E1D819}" srcId="{3C64B53D-E7E0-485A-B4C7-1321AD3D79DE}" destId="{8E45AD21-25E4-42B7-9A6D-FA28DEDB3D2D}" srcOrd="1" destOrd="0" parTransId="{55BB841F-67CF-4179-8271-17657A6C97F8}" sibTransId="{A49B3F31-0291-4C24-963C-7C4B9A4A8565}"/>
-    <dgm:cxn modelId="{AABA7D52-1E63-4D98-9C0A-4517DE99C920}" srcId="{3C64B53D-E7E0-485A-B4C7-1321AD3D79DE}" destId="{CAF074A7-DA32-4B00-A402-7C641D410716}" srcOrd="0" destOrd="0" parTransId="{F021DCD5-DB7C-47F3-8305-30277467DC50}" sibTransId="{063B3FA2-DB9B-415A-8E83-7D8605178F26}"/>
-    <dgm:cxn modelId="{59D88D76-C44E-4224-9D7A-041BF1F2B981}" type="presOf" srcId="{14AE4AD1-065B-484D-BAB2-4FE1B484A113}" destId="{B5077258-0C39-412D-AD25-B5CB3DF326B0}" srcOrd="0" destOrd="0" presId="urn:microsoft.com/office/officeart/2008/layout/SquareAccentList"/>
-    <dgm:cxn modelId="{ED75A977-468F-4ACD-B330-74551306F254}" type="presOf" srcId="{CAF074A7-DA32-4B00-A402-7C641D410716}" destId="{80E2213E-E6F3-4E5C-9F44-94E8CE2714E2}" srcOrd="0" destOrd="0" presId="urn:microsoft.com/office/officeart/2008/layout/SquareAccentList"/>
-    <dgm:cxn modelId="{00F391A2-EDDF-4112-9C76-AC99DD0F580B}" type="presOf" srcId="{38E1D456-93C1-485F-BD60-FCF012C71526}" destId="{37432465-E142-4380-B6E2-3D3E3B715680}" srcOrd="0" destOrd="0" presId="urn:microsoft.com/office/officeart/2008/layout/SquareAccentList"/>
-    <dgm:cxn modelId="{B11BCFB7-2297-451C-A189-91073931AFE8}" type="presOf" srcId="{3C64B53D-E7E0-485A-B4C7-1321AD3D79DE}" destId="{89FAE040-6B7A-46A3-A72D-30BBE62C71BE}" srcOrd="0" destOrd="0" presId="urn:microsoft.com/office/officeart/2008/layout/SquareAccentList"/>
-    <dgm:cxn modelId="{1D01F7B8-02E6-4520-B391-F58C9B917D51}" srcId="{62BA4F54-0839-4EE5-9576-8A894E52A0A4}" destId="{23C89F76-BAFB-452C-84B0-9B6E85B76016}" srcOrd="0" destOrd="0" parTransId="{DD463786-5963-4CFF-ACA7-9A77ED5DF3EB}" sibTransId="{8E6FE12B-4D0D-44F5-AB1E-6FA576D65C1F}"/>
-    <dgm:cxn modelId="{6B561ABB-6FA9-4EBD-BE67-0BFBCEEEBC48}" srcId="{23C89F76-BAFB-452C-84B0-9B6E85B76016}" destId="{38E1D456-93C1-485F-BD60-FCF012C71526}" srcOrd="1" destOrd="0" parTransId="{2FC2A53F-0D92-4EC8-B4CF-E8338783ABE7}" sibTransId="{F3526D55-AB3A-4242-A55E-1BBF2B97A126}"/>
-    <dgm:cxn modelId="{D08585DA-3CD0-472F-A4DB-16B7B0B87837}" type="presOf" srcId="{23C89F76-BAFB-452C-84B0-9B6E85B76016}" destId="{22AE4F34-DFEB-44BF-98CC-C3810E6D705C}" srcOrd="0" destOrd="0" presId="urn:microsoft.com/office/officeart/2008/layout/SquareAccentList"/>
+    <dgm:cxn modelId="{69CB2FF7-209C-4FA5-B9ED-9B78928B8106}" type="presOf" srcId="{8E45AD21-25E4-42B7-9A6D-FA28DEDB3D2D}" destId="{A96C5E5C-B42C-49F1-972C-E8D33ECF3101}" srcOrd="0" destOrd="0" presId="urn:microsoft.com/office/officeart/2008/layout/SquareAccentList"/>
     <dgm:cxn modelId="{C0FF99DA-3A5C-4A94-A0CF-6EB3FEA39B2E}" srcId="{23C89F76-BAFB-452C-84B0-9B6E85B76016}" destId="{14AE4AD1-065B-484D-BAB2-4FE1B484A113}" srcOrd="0" destOrd="0" parTransId="{7C5F9D9B-950F-4B82-9AA1-EF5D07597923}" sibTransId="{49C50EE9-E584-4DB0-9500-94FF278C9861}"/>
-    <dgm:cxn modelId="{69CB2FF7-209C-4FA5-B9ED-9B78928B8106}" type="presOf" srcId="{8E45AD21-25E4-42B7-9A6D-FA28DEDB3D2D}" destId="{A96C5E5C-B42C-49F1-972C-E8D33ECF3101}" srcOrd="0" destOrd="0" presId="urn:microsoft.com/office/officeart/2008/layout/SquareAccentList"/>
     <dgm:cxn modelId="{7D751188-96B8-4257-B855-B068E4788E5B}" type="presParOf" srcId="{F902D9E3-78BB-4DAE-A306-6CCCFE2227AD}" destId="{F51462A2-2FE6-4DCA-81A5-C877D12156B7}" srcOrd="0" destOrd="0" presId="urn:microsoft.com/office/officeart/2008/layout/SquareAccentList"/>
     <dgm:cxn modelId="{3276F117-227A-408F-8EBC-53F77F742788}" type="presParOf" srcId="{F51462A2-2FE6-4DCA-81A5-C877D12156B7}" destId="{F8D8D25A-5224-4A4E-842A-3009AC66E5D6}" srcOrd="0" destOrd="0" presId="urn:microsoft.com/office/officeart/2008/layout/SquareAccentList"/>
     <dgm:cxn modelId="{7EB9AE16-C78D-45C7-A351-FDDDEE49E39F}" type="presParOf" srcId="{F8D8D25A-5224-4A4E-842A-3009AC66E5D6}" destId="{007F8887-6D10-4EB5-A5DA-D87583C113AB}" srcOrd="0" destOrd="0" presId="urn:microsoft.com/office/officeart/2008/layout/SquareAccentList"/>
@@ -4558,6 +4681,13 @@
         </dgm:presLayoutVars>
       </dgm:prSet>
       <dgm:spPr/>
+      <dgm:t>
+        <a:bodyPr/>
+        <a:lstStyle/>
+        <a:p>
+          <a:endParaRPr lang="de-DE"/>
+        </a:p>
+      </dgm:t>
     </dgm:pt>
     <dgm:pt modelId="{D537681E-5245-43ED-A2E3-722719F6F5B4}" type="pres">
       <dgm:prSet presAssocID="{8B757F06-6712-4ACF-A300-9EC93E466BC3}" presName="parTxOnlySpace" presStyleCnt="0"/>
@@ -4572,6 +4702,13 @@
         </dgm:presLayoutVars>
       </dgm:prSet>
       <dgm:spPr/>
+      <dgm:t>
+        <a:bodyPr/>
+        <a:lstStyle/>
+        <a:p>
+          <a:endParaRPr lang="de-DE"/>
+        </a:p>
+      </dgm:t>
     </dgm:pt>
     <dgm:pt modelId="{F5C076B2-ED2F-4CD0-B28D-99F89EDAB47D}" type="pres">
       <dgm:prSet presAssocID="{4CF55DCA-DAC6-4CE0-A3BC-028B3B49A34E}" presName="parTxOnlySpace" presStyleCnt="0"/>
@@ -4586,6 +4723,13 @@
         </dgm:presLayoutVars>
       </dgm:prSet>
       <dgm:spPr/>
+      <dgm:t>
+        <a:bodyPr/>
+        <a:lstStyle/>
+        <a:p>
+          <a:endParaRPr lang="de-DE"/>
+        </a:p>
+      </dgm:t>
     </dgm:pt>
     <dgm:pt modelId="{6A0543B4-B845-41BC-BD69-FFF437B6C48A}" type="pres">
       <dgm:prSet presAssocID="{F8B8CCE0-E300-4DFA-8071-3B6A2CE61623}" presName="parTxOnlySpace" presStyleCnt="0"/>
@@ -4600,6 +4744,13 @@
         </dgm:presLayoutVars>
       </dgm:prSet>
       <dgm:spPr/>
+      <dgm:t>
+        <a:bodyPr/>
+        <a:lstStyle/>
+        <a:p>
+          <a:endParaRPr lang="de-DE"/>
+        </a:p>
+      </dgm:t>
     </dgm:pt>
     <dgm:pt modelId="{C157F366-881D-45F8-BA32-64654BCBECDD}" type="pres">
       <dgm:prSet presAssocID="{F6597141-3982-4709-BAE9-11147D07BDE1}" presName="parTxOnlySpace" presStyleCnt="0"/>
@@ -4614,20 +4765,27 @@
         </dgm:presLayoutVars>
       </dgm:prSet>
       <dgm:spPr/>
+      <dgm:t>
+        <a:bodyPr/>
+        <a:lstStyle/>
+        <a:p>
+          <a:endParaRPr lang="de-DE"/>
+        </a:p>
+      </dgm:t>
     </dgm:pt>
   </dgm:ptLst>
   <dgm:cxnLst>
+    <dgm:cxn modelId="{CEEC3BE3-C4BE-46FC-880B-120B81D22072}" type="presOf" srcId="{97174BDC-EF27-46DE-B800-C567F2B03E68}" destId="{4AD9AB2C-5862-46B3-96FB-9C01D22CBF79}" srcOrd="0" destOrd="0" presId="urn:microsoft.com/office/officeart/2005/8/layout/chevron1"/>
+    <dgm:cxn modelId="{43D4399E-13E9-48EB-A586-2DAE8C55BCDD}" srcId="{97174BDC-EF27-46DE-B800-C567F2B03E68}" destId="{D43DFAA4-611B-4CE4-9E63-809CF7EAAD2E}" srcOrd="0" destOrd="0" parTransId="{AD0614B1-52A1-4ED4-AC26-4A0163D576F6}" sibTransId="{8B757F06-6712-4ACF-A300-9EC93E466BC3}"/>
+    <dgm:cxn modelId="{1F52B982-9623-45B5-A468-A5FC77E5BB4C}" srcId="{97174BDC-EF27-46DE-B800-C567F2B03E68}" destId="{B79AE044-8280-4584-9031-C131D16B743C}" srcOrd="4" destOrd="0" parTransId="{594FE68E-5842-44D4-AECC-EC066DE1989D}" sibTransId="{9DBEA0A3-662C-4E93-B61E-CC63AA3EB876}"/>
     <dgm:cxn modelId="{F94CC21B-3C88-4EC2-95D2-9A1DE7F6ED09}" srcId="{97174BDC-EF27-46DE-B800-C567F2B03E68}" destId="{9A41F7A5-F479-42C4-A6FC-6272D7772DB8}" srcOrd="3" destOrd="0" parTransId="{80633AF2-A15C-43E8-BB76-FB14DF4E482A}" sibTransId="{F6597141-3982-4709-BAE9-11147D07BDE1}"/>
     <dgm:cxn modelId="{76D00331-B218-4EE5-823B-CBB2EC2FBCB6}" type="presOf" srcId="{F04701DA-3B91-470B-A555-4B26D2AE7C5B}" destId="{69053871-FF8A-4DFC-8E4C-01DDC6D0437A}" srcOrd="0" destOrd="0" presId="urn:microsoft.com/office/officeart/2005/8/layout/chevron1"/>
+    <dgm:cxn modelId="{D0A91592-ADF6-4068-8F6B-836DC90AC0D4}" type="presOf" srcId="{9A41F7A5-F479-42C4-A6FC-6272D7772DB8}" destId="{FC3AC65E-735E-4A7E-92EA-757D1CFCFBEF}" srcOrd="0" destOrd="0" presId="urn:microsoft.com/office/officeart/2005/8/layout/chevron1"/>
+    <dgm:cxn modelId="{6EF18AA8-6426-44A4-8979-A5DEA441AB78}" type="presOf" srcId="{D43DFAA4-611B-4CE4-9E63-809CF7EAAD2E}" destId="{AE0A9AE0-3CE0-40CF-B5FC-CF2569008F6F}" srcOrd="0" destOrd="0" presId="urn:microsoft.com/office/officeart/2005/8/layout/chevron1"/>
+    <dgm:cxn modelId="{7B2B2C95-62AE-4F60-BE1C-F8E362CC3F0C}" srcId="{97174BDC-EF27-46DE-B800-C567F2B03E68}" destId="{E639E93D-0917-4077-AE25-8ED00F563C15}" srcOrd="2" destOrd="0" parTransId="{FC879771-9A91-4AF8-965A-03B79B80CC89}" sibTransId="{F8B8CCE0-E300-4DFA-8071-3B6A2CE61623}"/>
+    <dgm:cxn modelId="{2668EFB5-6646-4980-88F9-EFA8E71D5ECE}" srcId="{97174BDC-EF27-46DE-B800-C567F2B03E68}" destId="{F04701DA-3B91-470B-A555-4B26D2AE7C5B}" srcOrd="1" destOrd="0" parTransId="{C7D613F5-A955-4BEF-A064-9B575F6E0704}" sibTransId="{4CF55DCA-DAC6-4CE0-A3BC-028B3B49A34E}"/>
     <dgm:cxn modelId="{5715D554-D548-4C81-A2E2-33757AEA052E}" type="presOf" srcId="{B79AE044-8280-4584-9031-C131D16B743C}" destId="{B1A6F42E-DBEE-40B1-8672-249F8C89556E}" srcOrd="0" destOrd="0" presId="urn:microsoft.com/office/officeart/2005/8/layout/chevron1"/>
-    <dgm:cxn modelId="{1F52B982-9623-45B5-A468-A5FC77E5BB4C}" srcId="{97174BDC-EF27-46DE-B800-C567F2B03E68}" destId="{B79AE044-8280-4584-9031-C131D16B743C}" srcOrd="4" destOrd="0" parTransId="{594FE68E-5842-44D4-AECC-EC066DE1989D}" sibTransId="{9DBEA0A3-662C-4E93-B61E-CC63AA3EB876}"/>
-    <dgm:cxn modelId="{D0A91592-ADF6-4068-8F6B-836DC90AC0D4}" type="presOf" srcId="{9A41F7A5-F479-42C4-A6FC-6272D7772DB8}" destId="{FC3AC65E-735E-4A7E-92EA-757D1CFCFBEF}" srcOrd="0" destOrd="0" presId="urn:microsoft.com/office/officeart/2005/8/layout/chevron1"/>
-    <dgm:cxn modelId="{7B2B2C95-62AE-4F60-BE1C-F8E362CC3F0C}" srcId="{97174BDC-EF27-46DE-B800-C567F2B03E68}" destId="{E639E93D-0917-4077-AE25-8ED00F563C15}" srcOrd="2" destOrd="0" parTransId="{FC879771-9A91-4AF8-965A-03B79B80CC89}" sibTransId="{F8B8CCE0-E300-4DFA-8071-3B6A2CE61623}"/>
-    <dgm:cxn modelId="{43D4399E-13E9-48EB-A586-2DAE8C55BCDD}" srcId="{97174BDC-EF27-46DE-B800-C567F2B03E68}" destId="{D43DFAA4-611B-4CE4-9E63-809CF7EAAD2E}" srcOrd="0" destOrd="0" parTransId="{AD0614B1-52A1-4ED4-AC26-4A0163D576F6}" sibTransId="{8B757F06-6712-4ACF-A300-9EC93E466BC3}"/>
-    <dgm:cxn modelId="{6EF18AA8-6426-44A4-8979-A5DEA441AB78}" type="presOf" srcId="{D43DFAA4-611B-4CE4-9E63-809CF7EAAD2E}" destId="{AE0A9AE0-3CE0-40CF-B5FC-CF2569008F6F}" srcOrd="0" destOrd="0" presId="urn:microsoft.com/office/officeart/2005/8/layout/chevron1"/>
-    <dgm:cxn modelId="{2668EFB5-6646-4980-88F9-EFA8E71D5ECE}" srcId="{97174BDC-EF27-46DE-B800-C567F2B03E68}" destId="{F04701DA-3B91-470B-A555-4B26D2AE7C5B}" srcOrd="1" destOrd="0" parTransId="{C7D613F5-A955-4BEF-A064-9B575F6E0704}" sibTransId="{4CF55DCA-DAC6-4CE0-A3BC-028B3B49A34E}"/>
     <dgm:cxn modelId="{F5BCF2B7-72E1-4949-8983-9979D05830BF}" type="presOf" srcId="{E639E93D-0917-4077-AE25-8ED00F563C15}" destId="{23477B8D-8061-4500-A954-FF68AFE901E6}" srcOrd="0" destOrd="0" presId="urn:microsoft.com/office/officeart/2005/8/layout/chevron1"/>
-    <dgm:cxn modelId="{CEEC3BE3-C4BE-46FC-880B-120B81D22072}" type="presOf" srcId="{97174BDC-EF27-46DE-B800-C567F2B03E68}" destId="{4AD9AB2C-5862-46B3-96FB-9C01D22CBF79}" srcOrd="0" destOrd="0" presId="urn:microsoft.com/office/officeart/2005/8/layout/chevron1"/>
     <dgm:cxn modelId="{7685F683-DCDE-4DAA-B4D0-D7CFC3D75015}" type="presParOf" srcId="{4AD9AB2C-5862-46B3-96FB-9C01D22CBF79}" destId="{AE0A9AE0-3CE0-40CF-B5FC-CF2569008F6F}" srcOrd="0" destOrd="0" presId="urn:microsoft.com/office/officeart/2005/8/layout/chevron1"/>
     <dgm:cxn modelId="{50AAB0CD-37B5-4696-BF76-B7FA9D988E10}" type="presParOf" srcId="{4AD9AB2C-5862-46B3-96FB-9C01D22CBF79}" destId="{D537681E-5245-43ED-A2E3-722719F6F5B4}" srcOrd="1" destOrd="0" presId="urn:microsoft.com/office/officeart/2005/8/layout/chevron1"/>
     <dgm:cxn modelId="{5C444BEC-A468-4423-82A0-64EA14E9A779}" type="presParOf" srcId="{4AD9AB2C-5862-46B3-96FB-9C01D22CBF79}" destId="{69053871-FF8A-4DFC-8E4C-01DDC6D0437A}" srcOrd="2" destOrd="0" presId="urn:microsoft.com/office/officeart/2005/8/layout/chevron1"/>
@@ -4710,19 +4868,26 @@
         </dgm:presLayoutVars>
       </dgm:prSet>
       <dgm:spPr/>
+      <dgm:t>
+        <a:bodyPr/>
+        <a:lstStyle/>
+        <a:p>
+          <a:endParaRPr lang="de-DE"/>
+        </a:p>
+      </dgm:t>
     </dgm:pt>
   </dgm:ptLst>
   <dgm:cxnLst>
+    <dgm:cxn modelId="{CEEC3BE3-C4BE-46FC-880B-120B81D22072}" type="presOf" srcId="{97174BDC-EF27-46DE-B800-C567F2B03E68}" destId="{4AD9AB2C-5862-46B3-96FB-9C01D22CBF79}" srcOrd="0" destOrd="0" presId="urn:microsoft.com/office/officeart/2005/8/layout/chevron1"/>
     <dgm:cxn modelId="{43D4399E-13E9-48EB-A586-2DAE8C55BCDD}" srcId="{97174BDC-EF27-46DE-B800-C567F2B03E68}" destId="{D43DFAA4-611B-4CE4-9E63-809CF7EAAD2E}" srcOrd="0" destOrd="0" parTransId="{AD0614B1-52A1-4ED4-AC26-4A0163D576F6}" sibTransId="{8B757F06-6712-4ACF-A300-9EC93E466BC3}"/>
     <dgm:cxn modelId="{6EF18AA8-6426-44A4-8979-A5DEA441AB78}" type="presOf" srcId="{D43DFAA4-611B-4CE4-9E63-809CF7EAAD2E}" destId="{AE0A9AE0-3CE0-40CF-B5FC-CF2569008F6F}" srcOrd="0" destOrd="0" presId="urn:microsoft.com/office/officeart/2005/8/layout/chevron1"/>
-    <dgm:cxn modelId="{CEEC3BE3-C4BE-46FC-880B-120B81D22072}" type="presOf" srcId="{97174BDC-EF27-46DE-B800-C567F2B03E68}" destId="{4AD9AB2C-5862-46B3-96FB-9C01D22CBF79}" srcOrd="0" destOrd="0" presId="urn:microsoft.com/office/officeart/2005/8/layout/chevron1"/>
     <dgm:cxn modelId="{7685F683-DCDE-4DAA-B4D0-D7CFC3D75015}" type="presParOf" srcId="{4AD9AB2C-5862-46B3-96FB-9C01D22CBF79}" destId="{AE0A9AE0-3CE0-40CF-B5FC-CF2569008F6F}" srcOrd="0" destOrd="0" presId="urn:microsoft.com/office/officeart/2005/8/layout/chevron1"/>
   </dgm:cxnLst>
   <dgm:bg/>
   <dgm:whole/>
   <dgm:extLst>
     <a:ext uri="http://schemas.microsoft.com/office/drawing/2008/diagram">
-      <dsp:dataModelExt xmlns:dsp="http://schemas.microsoft.com/office/drawing/2008/diagram" relId="rId8" minVer="http://schemas.openxmlformats.org/drawingml/2006/diagram"/>
+      <dsp:dataModelExt xmlns:dsp="http://schemas.microsoft.com/office/drawing/2008/diagram" relId="rId7" minVer="http://schemas.openxmlformats.org/drawingml/2006/diagram"/>
     </a:ext>
   </dgm:extLst>
 </dgm:dataModel>
@@ -4872,7 +5037,7 @@
         </a:bodyPr>
         <a:lstStyle/>
         <a:p>
-          <a:pPr marL="0" lvl="0" indent="0" algn="l" defTabSz="1422400">
+          <a:pPr lvl="0" algn="l" defTabSz="1422400">
             <a:lnSpc>
               <a:spcPct val="90000"/>
             </a:lnSpc>
@@ -4882,7 +5047,6 @@
             <a:spcAft>
               <a:spcPct val="35000"/>
             </a:spcAft>
-            <a:buNone/>
           </a:pPr>
           <a:r>
             <a:rPr lang="de-DE" sz="3200" kern="1200" dirty="0"/>
@@ -4981,7 +5145,7 @@
         </a:bodyPr>
         <a:lstStyle/>
         <a:p>
-          <a:pPr marL="0" lvl="0" indent="0" algn="l" defTabSz="800100">
+          <a:pPr lvl="0" algn="l" defTabSz="800100">
             <a:lnSpc>
               <a:spcPct val="90000"/>
             </a:lnSpc>
@@ -4991,7 +5155,6 @@
             <a:spcAft>
               <a:spcPct val="35000"/>
             </a:spcAft>
-            <a:buNone/>
           </a:pPr>
           <a:r>
             <a:rPr lang="de-DE" sz="1800" kern="1200" dirty="0"/>
@@ -5089,7 +5252,7 @@
         </a:bodyPr>
         <a:lstStyle/>
         <a:p>
-          <a:pPr marL="0" lvl="0" indent="0" algn="l" defTabSz="800100">
+          <a:pPr lvl="0" algn="l" defTabSz="800100">
             <a:lnSpc>
               <a:spcPct val="90000"/>
             </a:lnSpc>
@@ -5099,7 +5262,6 @@
             <a:spcAft>
               <a:spcPct val="35000"/>
             </a:spcAft>
-            <a:buNone/>
           </a:pPr>
           <a:r>
             <a:rPr lang="de-DE" sz="1800" kern="1200" dirty="0"/>
@@ -5197,7 +5359,7 @@
         </a:bodyPr>
         <a:lstStyle/>
         <a:p>
-          <a:pPr marL="0" lvl="0" indent="0" algn="l" defTabSz="800100">
+          <a:pPr lvl="0" algn="l" defTabSz="800100">
             <a:lnSpc>
               <a:spcPct val="90000"/>
             </a:lnSpc>
@@ -5207,7 +5369,6 @@
             <a:spcAft>
               <a:spcPct val="35000"/>
             </a:spcAft>
-            <a:buNone/>
           </a:pPr>
           <a:r>
             <a:rPr lang="de-DE" sz="1800" kern="1200" dirty="0"/>
@@ -5305,7 +5466,7 @@
         </a:bodyPr>
         <a:lstStyle/>
         <a:p>
-          <a:pPr marL="0" lvl="0" indent="0" algn="l" defTabSz="800100">
+          <a:pPr lvl="0" algn="l" defTabSz="800100">
             <a:lnSpc>
               <a:spcPct val="90000"/>
             </a:lnSpc>
@@ -5315,7 +5476,6 @@
             <a:spcAft>
               <a:spcPct val="35000"/>
             </a:spcAft>
-            <a:buNone/>
           </a:pPr>
           <a:r>
             <a:rPr lang="de-DE" sz="1800" kern="1200" dirty="0"/>
@@ -5464,7 +5624,7 @@
         </a:bodyPr>
         <a:lstStyle/>
         <a:p>
-          <a:pPr marL="0" lvl="0" indent="0" algn="l" defTabSz="1422400">
+          <a:pPr lvl="0" algn="l" defTabSz="1422400">
             <a:lnSpc>
               <a:spcPct val="90000"/>
             </a:lnSpc>
@@ -5474,7 +5634,6 @@
             <a:spcAft>
               <a:spcPct val="35000"/>
             </a:spcAft>
-            <a:buNone/>
           </a:pPr>
           <a:r>
             <a:rPr lang="de-DE" sz="3200" kern="1200" dirty="0"/>
@@ -5573,7 +5732,7 @@
         </a:bodyPr>
         <a:lstStyle/>
         <a:p>
-          <a:pPr marL="0" lvl="0" indent="0" algn="l" defTabSz="800100">
+          <a:pPr lvl="0" algn="l" defTabSz="800100">
             <a:lnSpc>
               <a:spcPct val="90000"/>
             </a:lnSpc>
@@ -5583,7 +5742,6 @@
             <a:spcAft>
               <a:spcPct val="35000"/>
             </a:spcAft>
-            <a:buNone/>
           </a:pPr>
           <a:r>
             <a:rPr lang="de-DE" sz="1800" kern="1200" dirty="0"/>
@@ -5681,7 +5839,7 @@
         </a:bodyPr>
         <a:lstStyle/>
         <a:p>
-          <a:pPr marL="0" lvl="0" indent="0" algn="l" defTabSz="800100">
+          <a:pPr lvl="0" algn="l" defTabSz="800100">
             <a:lnSpc>
               <a:spcPct val="90000"/>
             </a:lnSpc>
@@ -5691,7 +5849,6 @@
             <a:spcAft>
               <a:spcPct val="35000"/>
             </a:spcAft>
-            <a:buNone/>
           </a:pPr>
           <a:r>
             <a:rPr lang="de-DE" sz="1800" kern="1200" dirty="0"/>
@@ -5789,7 +5946,7 @@
         </a:bodyPr>
         <a:lstStyle/>
         <a:p>
-          <a:pPr marL="0" lvl="0" indent="0" algn="l" defTabSz="800100">
+          <a:pPr lvl="0" algn="l" defTabSz="800100">
             <a:lnSpc>
               <a:spcPct val="90000"/>
             </a:lnSpc>
@@ -5799,7 +5956,6 @@
             <a:spcAft>
               <a:spcPct val="35000"/>
             </a:spcAft>
-            <a:buNone/>
           </a:pPr>
           <a:r>
             <a:rPr lang="de-DE" sz="1800" kern="1200" dirty="0"/>
@@ -5960,7 +6116,7 @@
         </a:bodyPr>
         <a:lstStyle/>
         <a:p>
-          <a:pPr marL="0" lvl="0" indent="0" algn="l" defTabSz="1422400">
+          <a:pPr lvl="0" algn="l" defTabSz="1422400">
             <a:lnSpc>
               <a:spcPct val="90000"/>
             </a:lnSpc>
@@ -5970,7 +6126,6 @@
             <a:spcAft>
               <a:spcPct val="35000"/>
             </a:spcAft>
-            <a:buNone/>
           </a:pPr>
           <a:r>
             <a:rPr lang="de-DE" sz="3200" kern="1200" dirty="0"/>
@@ -6069,7 +6224,7 @@
         </a:bodyPr>
         <a:lstStyle/>
         <a:p>
-          <a:pPr marL="0" lvl="0" indent="0" algn="l" defTabSz="800100">
+          <a:pPr lvl="0" algn="l" defTabSz="800100">
             <a:lnSpc>
               <a:spcPct val="90000"/>
             </a:lnSpc>
@@ -6079,7 +6234,6 @@
             <a:spcAft>
               <a:spcPct val="35000"/>
             </a:spcAft>
-            <a:buNone/>
           </a:pPr>
           <a:r>
             <a:rPr lang="de-DE" sz="1800" kern="1200" dirty="0"/>
@@ -6177,7 +6331,7 @@
         </a:bodyPr>
         <a:lstStyle/>
         <a:p>
-          <a:pPr marL="0" lvl="0" indent="0" algn="l" defTabSz="800100">
+          <a:pPr lvl="0" algn="l" defTabSz="800100">
             <a:lnSpc>
               <a:spcPct val="90000"/>
             </a:lnSpc>
@@ -6187,7 +6341,6 @@
             <a:spcAft>
               <a:spcPct val="35000"/>
             </a:spcAft>
-            <a:buNone/>
           </a:pPr>
           <a:r>
             <a:rPr lang="de-DE" sz="1800" kern="1200" dirty="0"/>
@@ -6336,7 +6489,7 @@
         </a:bodyPr>
         <a:lstStyle/>
         <a:p>
-          <a:pPr marL="0" lvl="0" indent="0" algn="l" defTabSz="1422400">
+          <a:pPr lvl="0" algn="l" defTabSz="1422400">
             <a:lnSpc>
               <a:spcPct val="90000"/>
             </a:lnSpc>
@@ -6346,7 +6499,6 @@
             <a:spcAft>
               <a:spcPct val="35000"/>
             </a:spcAft>
-            <a:buNone/>
           </a:pPr>
           <a:r>
             <a:rPr lang="de-DE" sz="3200" kern="1200" dirty="0"/>
@@ -6445,7 +6597,7 @@
         </a:bodyPr>
         <a:lstStyle/>
         <a:p>
-          <a:pPr marL="0" lvl="0" indent="0" algn="l" defTabSz="800100">
+          <a:pPr lvl="0" algn="l" defTabSz="800100">
             <a:lnSpc>
               <a:spcPct val="90000"/>
             </a:lnSpc>
@@ -6455,7 +6607,6 @@
             <a:spcAft>
               <a:spcPct val="35000"/>
             </a:spcAft>
-            <a:buNone/>
           </a:pPr>
           <a:r>
             <a:rPr lang="de-DE" sz="1800" kern="1200" dirty="0"/>
@@ -6553,7 +6704,7 @@
         </a:bodyPr>
         <a:lstStyle/>
         <a:p>
-          <a:pPr marL="0" lvl="0" indent="0" algn="l" defTabSz="800100">
+          <a:pPr lvl="0" algn="l" defTabSz="800100">
             <a:lnSpc>
               <a:spcPct val="90000"/>
             </a:lnSpc>
@@ -6563,7 +6714,6 @@
             <a:spcAft>
               <a:spcPct val="35000"/>
             </a:spcAft>
-            <a:buNone/>
           </a:pPr>
           <a:r>
             <a:rPr lang="de-DE" sz="1800" kern="1200" dirty="0"/>
@@ -6643,7 +6793,7 @@
         </a:bodyPr>
         <a:lstStyle/>
         <a:p>
-          <a:pPr marL="0" lvl="0" indent="0" algn="ctr" defTabSz="889000">
+          <a:pPr lvl="0" algn="ctr" defTabSz="889000">
             <a:lnSpc>
               <a:spcPct val="90000"/>
             </a:lnSpc>
@@ -6653,7 +6803,6 @@
             <a:spcAft>
               <a:spcPct val="35000"/>
             </a:spcAft>
-            <a:buNone/>
           </a:pPr>
           <a:r>
             <a:rPr lang="de-DE" sz="2000" kern="1200" dirty="0"/>
@@ -6721,7 +6870,7 @@
         </a:bodyPr>
         <a:lstStyle/>
         <a:p>
-          <a:pPr marL="0" lvl="0" indent="0" algn="ctr" defTabSz="889000">
+          <a:pPr lvl="0" algn="ctr" defTabSz="889000">
             <a:lnSpc>
               <a:spcPct val="90000"/>
             </a:lnSpc>
@@ -6731,7 +6880,6 @@
             <a:spcAft>
               <a:spcPct val="35000"/>
             </a:spcAft>
-            <a:buNone/>
           </a:pPr>
           <a:r>
             <a:rPr lang="de-DE" sz="2000" kern="1200" dirty="0"/>
@@ -6799,7 +6947,7 @@
         </a:bodyPr>
         <a:lstStyle/>
         <a:p>
-          <a:pPr marL="0" lvl="0" indent="0" algn="ctr" defTabSz="889000">
+          <a:pPr lvl="0" algn="ctr" defTabSz="889000">
             <a:lnSpc>
               <a:spcPct val="90000"/>
             </a:lnSpc>
@@ -6809,7 +6957,6 @@
             <a:spcAft>
               <a:spcPct val="35000"/>
             </a:spcAft>
-            <a:buNone/>
           </a:pPr>
           <a:r>
             <a:rPr lang="de-DE" sz="2000" kern="1200" dirty="0"/>
@@ -6877,7 +7024,7 @@
         </a:bodyPr>
         <a:lstStyle/>
         <a:p>
-          <a:pPr marL="0" lvl="0" indent="0" algn="ctr" defTabSz="889000">
+          <a:pPr lvl="0" algn="ctr" defTabSz="889000">
             <a:lnSpc>
               <a:spcPct val="90000"/>
             </a:lnSpc>
@@ -6887,7 +7034,6 @@
             <a:spcAft>
               <a:spcPct val="35000"/>
             </a:spcAft>
-            <a:buNone/>
           </a:pPr>
           <a:r>
             <a:rPr lang="de-DE" sz="2000" kern="1200" dirty="0"/>
@@ -6955,7 +7101,7 @@
         </a:bodyPr>
         <a:lstStyle/>
         <a:p>
-          <a:pPr marL="0" lvl="0" indent="0" algn="ctr" defTabSz="889000">
+          <a:pPr lvl="0" algn="ctr" defTabSz="889000">
             <a:lnSpc>
               <a:spcPct val="90000"/>
             </a:lnSpc>
@@ -6965,7 +7111,6 @@
             <a:spcAft>
               <a:spcPct val="35000"/>
             </a:spcAft>
-            <a:buNone/>
           </a:pPr>
           <a:r>
             <a:rPr lang="de-DE" sz="2000" kern="1200" dirty="0"/>
@@ -7045,7 +7190,7 @@
         </a:bodyPr>
         <a:lstStyle/>
         <a:p>
-          <a:pPr marL="0" lvl="0" indent="0" algn="ctr" defTabSz="2889250">
+          <a:pPr lvl="0" algn="ctr" defTabSz="2889250">
             <a:lnSpc>
               <a:spcPct val="90000"/>
             </a:lnSpc>
@@ -7055,7 +7200,6 @@
             <a:spcAft>
               <a:spcPct val="35000"/>
             </a:spcAft>
-            <a:buNone/>
           </a:pPr>
           <a:r>
             <a:rPr lang="de-DE" sz="6500" kern="1200" dirty="0"/>
@@ -13210,6 +13354,10 @@
           <a:bodyPr/>
           <a:lstStyle/>
           <a:p>
+            <a:r>
+              <a:rPr lang="de-DE" dirty="0" smtClean="0"/>
+              <a:t>EINFACHES DIAGRAMM</a:t>
+            </a:r>
             <a:endParaRPr lang="de-DE" dirty="0"/>
           </a:p>
         </p:txBody>
@@ -13231,7 +13379,7 @@
           <a:p>
             <a:fld id="{EA9B4304-6324-4DC4-89E7-6289AD412E80}" type="slidenum">
               <a:rPr lang="de-DE" sz="1000" smtClean="0"/>
-              <a:t>14</a:t>
+              <a:t>15</a:t>
             </a:fld>
             <a:endParaRPr lang="de-DE" dirty="0"/>
           </a:p>
@@ -13315,90 +13463,6 @@
           <a:p>
             <a:fld id="{EA9B4304-6324-4DC4-89E7-6289AD412E80}" type="slidenum">
               <a:rPr lang="de-DE" sz="1000" smtClean="0"/>
-              <a:t>15</a:t>
-            </a:fld>
-            <a:endParaRPr lang="de-DE" dirty="0"/>
-          </a:p>
-        </p:txBody>
-      </p:sp>
-    </p:spTree>
-    <p:extLst>
-      <p:ext uri="{BB962C8B-B14F-4D97-AF65-F5344CB8AC3E}">
-        <p14:creationId xmlns:p14="http://schemas.microsoft.com/office/powerpoint/2010/main" val="3798067711"/>
-      </p:ext>
-    </p:extLst>
-  </p:cSld>
-  <p:clrMapOvr>
-    <a:masterClrMapping/>
-  </p:clrMapOvr>
-</p:notes>
-</file>
-
-<file path=ppt/notesSlides/notesSlide13.xml><?xml version="1.0" encoding="utf-8"?>
-<p:notes xmlns:a="http://schemas.openxmlformats.org/drawingml/2006/main" xmlns:r="http://schemas.openxmlformats.org/officeDocument/2006/relationships" xmlns:p="http://schemas.openxmlformats.org/presentationml/2006/main">
-  <p:cSld>
-    <p:spTree>
-      <p:nvGrpSpPr>
-        <p:cNvPr id="1" name=""/>
-        <p:cNvGrpSpPr/>
-        <p:nvPr/>
-      </p:nvGrpSpPr>
-      <p:grpSpPr>
-        <a:xfrm>
-          <a:off x="0" y="0"/>
-          <a:ext cx="0" cy="0"/>
-          <a:chOff x="0" y="0"/>
-          <a:chExt cx="0" cy="0"/>
-        </a:xfrm>
-      </p:grpSpPr>
-      <p:sp>
-        <p:nvSpPr>
-          <p:cNvPr id="2" name="Folienbildplatzhalter 1"/>
-          <p:cNvSpPr>
-            <a:spLocks noGrp="1" noRot="1" noChangeAspect="1"/>
-          </p:cNvSpPr>
-          <p:nvPr>
-            <p:ph type="sldImg"/>
-          </p:nvPr>
-        </p:nvSpPr>
-        <p:spPr/>
-      </p:sp>
-      <p:sp>
-        <p:nvSpPr>
-          <p:cNvPr id="3" name="Notizenplatzhalter 2"/>
-          <p:cNvSpPr>
-            <a:spLocks noGrp="1"/>
-          </p:cNvSpPr>
-          <p:nvPr>
-            <p:ph type="body" idx="1"/>
-          </p:nvPr>
-        </p:nvSpPr>
-        <p:spPr/>
-        <p:txBody>
-          <a:bodyPr/>
-          <a:lstStyle/>
-          <a:p>
-            <a:endParaRPr lang="de-DE" dirty="0"/>
-          </a:p>
-        </p:txBody>
-      </p:sp>
-      <p:sp>
-        <p:nvSpPr>
-          <p:cNvPr id="4" name="Foliennummernplatzhalter 3"/>
-          <p:cNvSpPr>
-            <a:spLocks noGrp="1"/>
-          </p:cNvSpPr>
-          <p:nvPr>
-            <p:ph type="sldNum" sz="quarter" idx="5"/>
-          </p:nvPr>
-        </p:nvSpPr>
-        <p:spPr/>
-        <p:txBody>
-          <a:bodyPr/>
-          <a:lstStyle/>
-          <a:p>
-            <a:fld id="{EA9B4304-6324-4DC4-89E7-6289AD412E80}" type="slidenum">
-              <a:rPr lang="de-DE" sz="1000" smtClean="0"/>
               <a:t>17</a:t>
             </a:fld>
             <a:endParaRPr lang="de-DE" dirty="0"/>
@@ -13418,7 +13482,7 @@
 </p:notes>
 </file>
 
-<file path=ppt/notesSlides/notesSlide14.xml><?xml version="1.0" encoding="utf-8"?>
+<file path=ppt/notesSlides/notesSlide13.xml><?xml version="1.0" encoding="utf-8"?>
 <p:notes xmlns:a="http://schemas.openxmlformats.org/drawingml/2006/main" xmlns:r="http://schemas.openxmlformats.org/officeDocument/2006/relationships" xmlns:p="http://schemas.openxmlformats.org/presentationml/2006/main">
   <p:cSld>
     <p:spTree>
@@ -13502,7 +13566,7 @@
 </p:notes>
 </file>
 
-<file path=ppt/notesSlides/notesSlide15.xml><?xml version="1.0" encoding="utf-8"?>
+<file path=ppt/notesSlides/notesSlide14.xml><?xml version="1.0" encoding="utf-8"?>
 <p:notes xmlns:a="http://schemas.openxmlformats.org/drawingml/2006/main" xmlns:r="http://schemas.openxmlformats.org/officeDocument/2006/relationships" xmlns:p="http://schemas.openxmlformats.org/presentationml/2006/main">
   <p:cSld>
     <p:spTree>
@@ -13586,6 +13650,90 @@
 </p:notes>
 </file>
 
+<file path=ppt/notesSlides/notesSlide15.xml><?xml version="1.0" encoding="utf-8"?>
+<p:notes xmlns:a="http://schemas.openxmlformats.org/drawingml/2006/main" xmlns:r="http://schemas.openxmlformats.org/officeDocument/2006/relationships" xmlns:p="http://schemas.openxmlformats.org/presentationml/2006/main">
+  <p:cSld>
+    <p:spTree>
+      <p:nvGrpSpPr>
+        <p:cNvPr id="1" name=""/>
+        <p:cNvGrpSpPr/>
+        <p:nvPr/>
+      </p:nvGrpSpPr>
+      <p:grpSpPr>
+        <a:xfrm>
+          <a:off x="0" y="0"/>
+          <a:ext cx="0" cy="0"/>
+          <a:chOff x="0" y="0"/>
+          <a:chExt cx="0" cy="0"/>
+        </a:xfrm>
+      </p:grpSpPr>
+      <p:sp>
+        <p:nvSpPr>
+          <p:cNvPr id="2" name="Folienbildplatzhalter 1"/>
+          <p:cNvSpPr>
+            <a:spLocks noGrp="1" noRot="1" noChangeAspect="1"/>
+          </p:cNvSpPr>
+          <p:nvPr>
+            <p:ph type="sldImg"/>
+          </p:nvPr>
+        </p:nvSpPr>
+        <p:spPr/>
+      </p:sp>
+      <p:sp>
+        <p:nvSpPr>
+          <p:cNvPr id="3" name="Notizenplatzhalter 2"/>
+          <p:cNvSpPr>
+            <a:spLocks noGrp="1"/>
+          </p:cNvSpPr>
+          <p:nvPr>
+            <p:ph type="body" idx="1"/>
+          </p:nvPr>
+        </p:nvSpPr>
+        <p:spPr/>
+        <p:txBody>
+          <a:bodyPr/>
+          <a:lstStyle/>
+          <a:p>
+            <a:endParaRPr lang="de-DE" dirty="0"/>
+          </a:p>
+        </p:txBody>
+      </p:sp>
+      <p:sp>
+        <p:nvSpPr>
+          <p:cNvPr id="4" name="Foliennummernplatzhalter 3"/>
+          <p:cNvSpPr>
+            <a:spLocks noGrp="1"/>
+          </p:cNvSpPr>
+          <p:nvPr>
+            <p:ph type="sldNum" sz="quarter" idx="5"/>
+          </p:nvPr>
+        </p:nvSpPr>
+        <p:spPr/>
+        <p:txBody>
+          <a:bodyPr/>
+          <a:lstStyle/>
+          <a:p>
+            <a:fld id="{EA9B4304-6324-4DC4-89E7-6289AD412E80}" type="slidenum">
+              <a:rPr lang="de-DE" sz="1000" smtClean="0"/>
+              <a:t>21</a:t>
+            </a:fld>
+            <a:endParaRPr lang="de-DE" dirty="0"/>
+          </a:p>
+        </p:txBody>
+      </p:sp>
+    </p:spTree>
+    <p:extLst>
+      <p:ext uri="{BB962C8B-B14F-4D97-AF65-F5344CB8AC3E}">
+        <p14:creationId xmlns:p14="http://schemas.microsoft.com/office/powerpoint/2010/main" val="2769030675"/>
+      </p:ext>
+    </p:extLst>
+  </p:cSld>
+  <p:clrMapOvr>
+    <a:masterClrMapping/>
+  </p:clrMapOvr>
+</p:notes>
+</file>
+
 <file path=ppt/notesSlides/notesSlide16.xml><?xml version="1.0" encoding="utf-8"?>
 <p:notes xmlns:a="http://schemas.openxmlformats.org/drawingml/2006/main" xmlns:r="http://schemas.openxmlformats.org/officeDocument/2006/relationships" xmlns:p="http://schemas.openxmlformats.org/presentationml/2006/main">
   <p:cSld>
@@ -13651,7 +13799,7 @@
           <a:p>
             <a:fld id="{EA9B4304-6324-4DC4-89E7-6289AD412E80}" type="slidenum">
               <a:rPr lang="de-DE" sz="1000" smtClean="0"/>
-              <a:t>21</a:t>
+              <a:t>23</a:t>
             </a:fld>
             <a:endParaRPr lang="de-DE" dirty="0"/>
           </a:p>
@@ -14050,6 +14198,14 @@
           <a:bodyPr/>
           <a:lstStyle/>
           <a:p>
+            <a:r>
+              <a:rPr lang="de-DE" dirty="0" smtClean="0"/>
+              <a:t>Stichpunkte – keine </a:t>
+            </a:r>
+            <a:r>
+              <a:rPr lang="de-DE" dirty="0" err="1" smtClean="0"/>
+              <a:t>grafik</a:t>
+            </a:r>
             <a:endParaRPr lang="de-DE" dirty="0"/>
           </a:p>
         </p:txBody>
@@ -14384,7 +14540,7 @@
           <a:graphicData uri="http://schemas.openxmlformats.org/presentationml/2006/ole">
             <mc:AlternateContent xmlns:mc="http://schemas.openxmlformats.org/markup-compatibility/2006">
               <mc:Choice xmlns:v="urn:schemas-microsoft-com:vml" Requires="v">
-                <p:oleObj spid="_x0000_s12403" name="think-cell Folie" r:id="rId5" imgW="344" imgH="345" progId="TCLayout.ActiveDocument.1">
+                <p:oleObj spid="_x0000_s12414" name="think-cell Folie" r:id="rId5" imgW="344" imgH="345" progId="TCLayout.ActiveDocument.1">
                   <p:embed/>
                 </p:oleObj>
               </mc:Choice>
@@ -15283,7 +15439,7 @@
           <a:graphicData uri="http://schemas.openxmlformats.org/presentationml/2006/ole">
             <mc:AlternateContent xmlns:mc="http://schemas.openxmlformats.org/markup-compatibility/2006">
               <mc:Choice xmlns:v="urn:schemas-microsoft-com:vml" Requires="v">
-                <p:oleObj spid="_x0000_s10354" name="think-cell Folie" r:id="rId4" imgW="344" imgH="345" progId="TCLayout.ActiveDocument.1">
+                <p:oleObj spid="_x0000_s10365" name="think-cell Folie" r:id="rId4" imgW="344" imgH="345" progId="TCLayout.ActiveDocument.1">
                   <p:embed/>
                 </p:oleObj>
               </mc:Choice>
@@ -15670,7 +15826,7 @@
           <a:p>
             <a:fld id="{E514B224-5848-41E4-83E8-3646E3C858CD}" type="datetime1">
               <a:rPr lang="de-DE" smtClean="0"/>
-              <a:t>15.07.2020</a:t>
+              <a:t>16.07.2020</a:t>
             </a:fld>
             <a:endParaRPr lang="en-GB"/>
           </a:p>
@@ -15900,7 +16056,7 @@
           <a:p>
             <a:fld id="{C4956EC5-7C62-4377-BC2B-AC7237B5C885}" type="datetime1">
               <a:rPr lang="de-DE" smtClean="0"/>
-              <a:t>15.07.2020</a:t>
+              <a:t>16.07.2020</a:t>
             </a:fld>
             <a:endParaRPr lang="en-GB"/>
           </a:p>
@@ -16239,7 +16395,7 @@
           <a:p>
             <a:fld id="{4C75EAC1-B2EA-4787-9039-A0C7FA5C39AA}" type="datetime1">
               <a:rPr lang="de-DE" smtClean="0"/>
-              <a:t>15.07.2020</a:t>
+              <a:t>16.07.2020</a:t>
             </a:fld>
             <a:endParaRPr lang="en-GB"/>
           </a:p>
@@ -16664,7 +16820,7 @@
           <a:p>
             <a:fld id="{A9BDF7B2-AE09-4CB1-ADA1-5437FBFCAD44}" type="datetime1">
               <a:rPr lang="de-DE" smtClean="0"/>
-              <a:t>15.07.2020</a:t>
+              <a:t>16.07.2020</a:t>
             </a:fld>
             <a:endParaRPr lang="en-GB"/>
           </a:p>
@@ -17000,7 +17156,7 @@
           <a:graphicData uri="http://schemas.openxmlformats.org/presentationml/2006/ole">
             <mc:AlternateContent xmlns:mc="http://schemas.openxmlformats.org/markup-compatibility/2006">
               <mc:Choice xmlns:v="urn:schemas-microsoft-com:vml" Requires="v">
-                <p:oleObj spid="_x0000_s8316" name="think-cell Folie" r:id="rId5" imgW="344" imgH="345" progId="TCLayout.ActiveDocument.1">
+                <p:oleObj spid="_x0000_s8327" name="think-cell Folie" r:id="rId5" imgW="344" imgH="345" progId="TCLayout.ActiveDocument.1">
                   <p:embed/>
                 </p:oleObj>
               </mc:Choice>
@@ -18166,7 +18322,7 @@
           <a:graphicData uri="http://schemas.openxmlformats.org/presentationml/2006/ole">
             <mc:AlternateContent xmlns:mc="http://schemas.openxmlformats.org/markup-compatibility/2006">
               <mc:Choice xmlns:v="urn:schemas-microsoft-com:vml" Requires="v">
-                <p:oleObj spid="_x0000_s6272" name="think-cell Folie" r:id="rId5" imgW="344" imgH="345" progId="TCLayout.ActiveDocument.1">
+                <p:oleObj spid="_x0000_s6283" name="think-cell Folie" r:id="rId5" imgW="344" imgH="345" progId="TCLayout.ActiveDocument.1">
                   <p:embed/>
                 </p:oleObj>
               </mc:Choice>
@@ -18994,7 +19150,7 @@
           <a:graphicData uri="http://schemas.openxmlformats.org/presentationml/2006/ole">
             <mc:AlternateContent xmlns:mc="http://schemas.openxmlformats.org/markup-compatibility/2006">
               <mc:Choice xmlns:v="urn:schemas-microsoft-com:vml" Requires="v">
-                <p:oleObj spid="_x0000_s13406" name="think-cell Folie" r:id="rId5" imgW="344" imgH="345" progId="TCLayout.ActiveDocument.1">
+                <p:oleObj spid="_x0000_s13417" name="think-cell Folie" r:id="rId5" imgW="344" imgH="345" progId="TCLayout.ActiveDocument.1">
                   <p:embed/>
                 </p:oleObj>
               </mc:Choice>
@@ -20219,7 +20375,7 @@
           <a:graphicData uri="http://schemas.openxmlformats.org/presentationml/2006/ole">
             <mc:AlternateContent xmlns:mc="http://schemas.openxmlformats.org/markup-compatibility/2006">
               <mc:Choice xmlns:v="urn:schemas-microsoft-com:vml" Requires="v">
-                <p:oleObj spid="_x0000_s9341" name="think-cell Folie" r:id="rId4" imgW="344" imgH="345" progId="TCLayout.ActiveDocument.1">
+                <p:oleObj spid="_x0000_s9352" name="think-cell Folie" r:id="rId4" imgW="344" imgH="345" progId="TCLayout.ActiveDocument.1">
                   <p:embed/>
                 </p:oleObj>
               </mc:Choice>
@@ -20893,7 +21049,7 @@
           <a:graphicData uri="http://schemas.openxmlformats.org/presentationml/2006/ole">
             <mc:AlternateContent xmlns:mc="http://schemas.openxmlformats.org/markup-compatibility/2006">
               <mc:Choice xmlns:v="urn:schemas-microsoft-com:vml" Requires="v">
-                <p:oleObj spid="_x0000_s7294" name="think-cell Folie" r:id="rId5" imgW="344" imgH="345" progId="TCLayout.ActiveDocument.1">
+                <p:oleObj spid="_x0000_s7305" name="think-cell Folie" r:id="rId5" imgW="344" imgH="345" progId="TCLayout.ActiveDocument.1">
                   <p:embed/>
                 </p:oleObj>
               </mc:Choice>
@@ -21020,7 +21176,7 @@
           <a:p>
             <a:fld id="{34ED33ED-86EF-43E0-BBFC-3F79D10AF08C}" type="datetime1">
               <a:rPr lang="de-DE" smtClean="0"/>
-              <a:t>15.07.2020</a:t>
+              <a:t>16.07.2020</a:t>
             </a:fld>
             <a:endParaRPr lang="en-GB"/>
           </a:p>
@@ -21297,7 +21453,7 @@
           <a:p>
             <a:fld id="{6FA40309-AA06-43DE-A277-059A46DC32ED}" type="datetime1">
               <a:rPr lang="de-DE" smtClean="0"/>
-              <a:t>15.07.2020</a:t>
+              <a:t>16.07.2020</a:t>
             </a:fld>
             <a:endParaRPr lang="en-GB"/>
           </a:p>
@@ -21604,7 +21760,7 @@
           <a:p>
             <a:fld id="{C2E208CA-E75F-4040-B41E-9BAD50EA4F3B}" type="datetime1">
               <a:rPr lang="de-DE" smtClean="0"/>
-              <a:t>15.07.2020</a:t>
+              <a:t>16.07.2020</a:t>
             </a:fld>
             <a:endParaRPr lang="en-GB"/>
           </a:p>
@@ -21866,7 +22022,7 @@
           <a:p>
             <a:fld id="{37091A67-CCD8-478F-8AFD-2777D0E4A009}" type="datetime1">
               <a:rPr lang="de-DE" smtClean="0"/>
-              <a:t>15.07.2020</a:t>
+              <a:t>16.07.2020</a:t>
             </a:fld>
             <a:endParaRPr lang="en-GB"/>
           </a:p>
@@ -22315,7 +22471,7 @@
           <a:p>
             <a:fld id="{E522EC6F-1043-42A9-B89A-8627A45F02AF}" type="datetime1">
               <a:rPr lang="de-DE" smtClean="0"/>
-              <a:t>15.07.2020</a:t>
+              <a:t>16.07.2020</a:t>
             </a:fld>
             <a:endParaRPr lang="de-DE" dirty="0"/>
           </a:p>
@@ -23094,6 +23250,10 @@
               <a:rPr lang="de-DE" dirty="0" err="1"/>
               <a:t>GroPro</a:t>
             </a:r>
+            <a:r>
+              <a:rPr lang="de-DE" dirty="0"/>
+              <a:t/>
+            </a:r>
             <a:br>
               <a:rPr lang="de-DE" dirty="0"/>
             </a:br>
@@ -23120,9 +23280,18 @@
           <a:lstStyle/>
           <a:p>
             <a:r>
+              <a:rPr lang="de-DE" dirty="0" smtClean="0"/>
+              <a:t>„Zufallszahlengeneratore</a:t>
+            </a:r>
+            <a:r>
               <a:rPr lang="de-DE" dirty="0"/>
-              <a:t>„Zufallsgeneratoren“</a:t>
+              <a:t>n</a:t>
             </a:r>
+            <a:r>
+              <a:rPr lang="de-DE" dirty="0" smtClean="0"/>
+              <a:t>“</a:t>
+            </a:r>
+            <a:endParaRPr lang="de-DE" dirty="0"/>
           </a:p>
         </p:txBody>
       </p:sp>
@@ -23143,12 +23312,21 @@
           <a:p>
             <a:fld id="{FB9AFF1A-74F3-4769-B3E7-7F748D88A726}" type="datetime1">
               <a:rPr lang="de-DE" smtClean="0"/>
-              <a:t>15.07.2020</a:t>
+              <a:t>16.07.2020</a:t>
             </a:fld>
             <a:r>
               <a:rPr lang="de-DE" dirty="0"/>
-              <a:t> | Köln | Bjarne Herrmann</a:t>
+              <a:t> | Köln | Bjarne </a:t>
             </a:r>
+            <a:r>
+              <a:rPr lang="de-DE" dirty="0" smtClean="0"/>
+              <a:t>Herrmann | Prüfungsnummer: </a:t>
+            </a:r>
+            <a:r>
+              <a:rPr lang="de-DE" dirty="0" smtClean="0"/>
+              <a:t>142/18748</a:t>
+            </a:r>
+            <a:endParaRPr lang="de-DE" dirty="0"/>
           </a:p>
         </p:txBody>
       </p:sp>
@@ -23174,6 +23352,13 @@
       </p:transition>
     </mc:Fallback>
   </mc:AlternateContent>
+  <p:timing>
+    <p:tnLst>
+      <p:par>
+        <p:cTn id="1" dur="indefinite" restart="never" nodeType="tmRoot"/>
+      </p:par>
+    </p:tnLst>
+  </p:timing>
 </p:sld>
 </file>
 
@@ -23268,6 +23453,13 @@
   <p:transition spd="slow">
     <p:push dir="u"/>
   </p:transition>
+  <p:timing>
+    <p:tnLst>
+      <p:par>
+        <p:cTn id="1" dur="indefinite" restart="never" nodeType="tmRoot"/>
+      </p:par>
+    </p:tnLst>
+  </p:timing>
 </p:sld>
 </file>
 
@@ -23311,7 +23503,7 @@
           <a:p>
             <a:fld id="{34ED33ED-86EF-43E0-BBFC-3F79D10AF08C}" type="datetime1">
               <a:rPr lang="de-DE" smtClean="0"/>
-              <a:t>15.07.2020</a:t>
+              <a:t>16.07.2020</a:t>
             </a:fld>
             <a:endParaRPr lang="en-GB" dirty="0"/>
           </a:p>
@@ -23880,7 +24072,7 @@
           <a:p>
             <a:fld id="{34ED33ED-86EF-43E0-BBFC-3F79D10AF08C}" type="datetime1">
               <a:rPr lang="de-DE" smtClean="0"/>
-              <a:t>15.07.2020</a:t>
+              <a:t>16.07.2020</a:t>
             </a:fld>
             <a:endParaRPr lang="en-GB" dirty="0"/>
           </a:p>
@@ -24023,51 +24215,6 @@
           </a:fontRef>
         </p:style>
       </p:cxnSp>
-      <p:pic>
-        <p:nvPicPr>
-          <p:cNvPr id="7" name="Grafik 6">
-            <a:extLst>
-              <a:ext uri="{FF2B5EF4-FFF2-40B4-BE49-F238E27FC236}">
-                <a16:creationId xmlns:a16="http://schemas.microsoft.com/office/drawing/2014/main" id="{C323C92A-6D3C-42D1-ABC2-579847AD1578}"/>
-              </a:ext>
-            </a:extLst>
-          </p:cNvPr>
-          <p:cNvPicPr/>
-          <p:nvPr/>
-        </p:nvPicPr>
-        <p:blipFill>
-          <a:blip r:embed="rId3">
-            <a:extLst>
-              <a:ext uri="{28A0092B-C50C-407E-A947-70E740481C1C}">
-                <a14:useLocalDpi xmlns:a14="http://schemas.microsoft.com/office/drawing/2010/main" val="0"/>
-              </a:ext>
-            </a:extLst>
-          </a:blip>
-          <a:srcRect/>
-          <a:stretch>
-            <a:fillRect/>
-          </a:stretch>
-        </p:blipFill>
-        <p:spPr bwMode="auto">
-          <a:xfrm>
-            <a:off x="5087888" y="1159370"/>
-            <a:ext cx="5201428" cy="4539257"/>
-          </a:xfrm>
-          <a:prstGeom prst="rect">
-            <a:avLst/>
-          </a:prstGeom>
-          <a:ln>
-            <a:noFill/>
-          </a:ln>
-          <a:effectLst>
-            <a:outerShdw blurRad="292100" dist="139700" dir="2700000" algn="tl" rotWithShape="0">
-              <a:srgbClr val="333333">
-                <a:alpha val="65000"/>
-              </a:srgbClr>
-            </a:outerShdw>
-          </a:effectLst>
-        </p:spPr>
-      </p:pic>
       <p:graphicFrame>
         <p:nvGraphicFramePr>
           <p:cNvPr id="11" name="Diagramm 10">
@@ -24092,10 +24239,40 @@
         </p:xfrm>
         <a:graphic>
           <a:graphicData uri="http://schemas.openxmlformats.org/drawingml/2006/diagram">
-            <dgm:relIds xmlns:dgm="http://schemas.openxmlformats.org/drawingml/2006/diagram" xmlns:r="http://schemas.openxmlformats.org/officeDocument/2006/relationships" r:dm="rId4" r:lo="rId5" r:qs="rId6" r:cs="rId7"/>
+            <dgm:relIds xmlns:dgm="http://schemas.openxmlformats.org/drawingml/2006/diagram" xmlns:r="http://schemas.openxmlformats.org/officeDocument/2006/relationships" r:dm="rId3" r:lo="rId4" r:qs="rId5" r:cs="rId6"/>
           </a:graphicData>
         </a:graphic>
       </p:graphicFrame>
+      <p:pic>
+        <p:nvPicPr>
+          <p:cNvPr id="8" name="Grafik 7"/>
+          <p:cNvPicPr>
+            <a:picLocks noChangeAspect="1"/>
+          </p:cNvPicPr>
+          <p:nvPr/>
+        </p:nvPicPr>
+        <p:blipFill>
+          <a:blip r:embed="rId8">
+            <a:extLst>
+              <a:ext uri="{28A0092B-C50C-407E-A947-70E740481C1C}">
+                <a14:useLocalDpi xmlns:a14="http://schemas.microsoft.com/office/drawing/2010/main" val="0"/>
+              </a:ext>
+            </a:extLst>
+          </a:blip>
+          <a:stretch>
+            <a:fillRect/>
+          </a:stretch>
+        </p:blipFill>
+        <p:spPr>
+          <a:xfrm>
+            <a:off x="5314214" y="1246656"/>
+            <a:ext cx="5753100" cy="4972050"/>
+          </a:xfrm>
+          <a:prstGeom prst="rect">
+            <a:avLst/>
+          </a:prstGeom>
+        </p:spPr>
+      </p:pic>
     </p:spTree>
     <p:extLst>
       <p:ext uri="{BB962C8B-B14F-4D97-AF65-F5344CB8AC3E}">
@@ -24121,6 +24298,9 @@
                     <p:cTn id="3" fill="hold">
                       <p:stCondLst>
                         <p:cond delay="indefinite"/>
+                        <p:cond evt="onBegin" delay="0">
+                          <p:tn val="2"/>
+                        </p:cond>
                       </p:stCondLst>
                       <p:childTnLst>
                         <p:par>
@@ -24130,7 +24310,7 @@
                             </p:stCondLst>
                             <p:childTnLst>
                               <p:par>
-                                <p:cTn id="5" presetID="10" presetClass="entr" presetSubtype="0" fill="hold" grpId="0" nodeType="clickEffect">
+                                <p:cTn id="5" presetID="10" presetClass="entr" presetSubtype="0" fill="hold" grpId="0" nodeType="withEffect">
                                   <p:stCondLst>
                                     <p:cond delay="0"/>
                                   </p:stCondLst>
@@ -24143,11 +24323,7 @@
                                           </p:stCondLst>
                                         </p:cTn>
                                         <p:tgtEl>
-                                          <p:spTgt spid="11">
-                                            <p:graphicEl>
-                                              <a:dgm id="{AE0A9AE0-3CE0-40CF-B5FC-CF2569008F6F}"/>
-                                            </p:graphicEl>
-                                          </p:spTgt>
+                                          <p:spTgt spid="11"/>
                                         </p:tgtEl>
                                         <p:attrNameLst>
                                           <p:attrName>style.visibility</p:attrName>
@@ -24161,32 +24337,46 @@
                                       <p:cBhvr>
                                         <p:cTn id="7" dur="500"/>
                                         <p:tgtEl>
-                                          <p:spTgt spid="11">
-                                            <p:graphicEl>
-                                              <a:dgm id="{AE0A9AE0-3CE0-40CF-B5FC-CF2569008F6F}"/>
-                                            </p:graphicEl>
-                                          </p:spTgt>
+                                          <p:spTgt spid="11"/>
                                         </p:tgtEl>
                                       </p:cBhvr>
                                     </p:animEffect>
                                   </p:childTnLst>
                                 </p:cTn>
                               </p:par>
+                            </p:childTnLst>
+                          </p:cTn>
+                        </p:par>
+                      </p:childTnLst>
+                    </p:cTn>
+                  </p:par>
+                  <p:par>
+                    <p:cTn id="8" fill="hold">
+                      <p:stCondLst>
+                        <p:cond delay="indefinite"/>
+                      </p:stCondLst>
+                      <p:childTnLst>
+                        <p:par>
+                          <p:cTn id="9" fill="hold">
+                            <p:stCondLst>
+                              <p:cond delay="0"/>
+                            </p:stCondLst>
+                            <p:childTnLst>
                               <p:par>
-                                <p:cTn id="8" presetID="10" presetClass="entr" presetSubtype="0" fill="hold" nodeType="withEffect">
+                                <p:cTn id="10" presetID="10" presetClass="entr" presetSubtype="0" fill="hold" nodeType="clickEffect">
                                   <p:stCondLst>
                                     <p:cond delay="0"/>
                                   </p:stCondLst>
                                   <p:childTnLst>
                                     <p:set>
                                       <p:cBhvr>
-                                        <p:cTn id="9" dur="1" fill="hold">
+                                        <p:cTn id="11" dur="1" fill="hold">
                                           <p:stCondLst>
                                             <p:cond delay="0"/>
                                           </p:stCondLst>
                                         </p:cTn>
                                         <p:tgtEl>
-                                          <p:spTgt spid="7"/>
+                                          <p:spTgt spid="8"/>
                                         </p:tgtEl>
                                         <p:attrNameLst>
                                           <p:attrName>style.visibility</p:attrName>
@@ -24198,9 +24388,9 @@
                                     </p:set>
                                     <p:animEffect transition="in" filter="fade">
                                       <p:cBhvr>
-                                        <p:cTn id="10" dur="500"/>
+                                        <p:cTn id="12" dur="500"/>
                                         <p:tgtEl>
-                                          <p:spTgt spid="7"/>
+                                          <p:spTgt spid="8"/>
                                         </p:tgtEl>
                                       </p:cBhvr>
                                     </p:animEffect>
@@ -24236,9 +24426,7 @@
     </p:tnLst>
     <p:bldLst>
       <p:bldGraphic spid="11" grpId="0">
-        <p:bldSub>
-          <a:bldDgm bld="one"/>
-        </p:bldSub>
+        <p:bldAsOne/>
       </p:bldGraphic>
     </p:bldLst>
   </p:timing>
@@ -24285,7 +24473,7 @@
           <a:p>
             <a:fld id="{34ED33ED-86EF-43E0-BBFC-3F79D10AF08C}" type="datetime1">
               <a:rPr lang="de-DE" smtClean="0"/>
-              <a:t>15.07.2020</a:t>
+              <a:t>16.07.2020</a:t>
             </a:fld>
             <a:endParaRPr lang="en-GB" dirty="0"/>
           </a:p>
@@ -24320,1010 +24508,6 @@
               <a:rPr lang="de-DE" smtClean="0"/>
               <a:pPr/>
               <a:t>13</a:t>
-            </a:fld>
-            <a:endParaRPr lang="de-DE" noProof="0" dirty="0"/>
-          </a:p>
-        </p:txBody>
-      </p:sp>
-      <p:sp>
-        <p:nvSpPr>
-          <p:cNvPr id="5" name="Titel 4">
-            <a:extLst>
-              <a:ext uri="{FF2B5EF4-FFF2-40B4-BE49-F238E27FC236}">
-                <a16:creationId xmlns:a16="http://schemas.microsoft.com/office/drawing/2014/main" id="{19FB13C9-6243-4630-8E2E-5B8FD1AE5129}"/>
-              </a:ext>
-            </a:extLst>
-          </p:cNvPr>
-          <p:cNvSpPr>
-            <a:spLocks noGrp="1"/>
-          </p:cNvSpPr>
-          <p:nvPr>
-            <p:ph type="title"/>
-          </p:nvPr>
-        </p:nvSpPr>
-        <p:spPr>
-          <a:xfrm>
-            <a:off x="440854" y="218363"/>
-            <a:ext cx="10080000" cy="584775"/>
-          </a:xfrm>
-        </p:spPr>
-        <p:txBody>
-          <a:bodyPr/>
-          <a:lstStyle/>
-          <a:p>
-            <a:r>
-              <a:rPr lang="de-DE" dirty="0"/>
-              <a:t>Programm / System</a:t>
-            </a:r>
-            <a:br>
-              <a:rPr lang="de-DE" dirty="0"/>
-            </a:br>
-            <a:r>
-              <a:rPr lang="de-DE" sz="1800" dirty="0"/>
-              <a:t>Datenfluss</a:t>
-            </a:r>
-            <a:endParaRPr lang="de-DE" dirty="0"/>
-          </a:p>
-        </p:txBody>
-      </p:sp>
-      <p:sp>
-        <p:nvSpPr>
-          <p:cNvPr id="6" name="Textplatzhalter 5">
-            <a:extLst>
-              <a:ext uri="{FF2B5EF4-FFF2-40B4-BE49-F238E27FC236}">
-                <a16:creationId xmlns:a16="http://schemas.microsoft.com/office/drawing/2014/main" id="{69DDCCF1-469C-42B3-9388-15999E6415F4}"/>
-              </a:ext>
-            </a:extLst>
-          </p:cNvPr>
-          <p:cNvSpPr>
-            <a:spLocks noGrp="1"/>
-          </p:cNvSpPr>
-          <p:nvPr>
-            <p:ph type="body" sz="quarter" idx="15"/>
-          </p:nvPr>
-        </p:nvSpPr>
-        <p:spPr/>
-        <p:txBody>
-          <a:bodyPr/>
-          <a:lstStyle/>
-          <a:p>
-            <a:endParaRPr lang="de-DE"/>
-          </a:p>
-        </p:txBody>
-      </p:sp>
-      <p:cxnSp>
-        <p:nvCxnSpPr>
-          <p:cNvPr id="10" name="Gerader Verbinder 9">
-            <a:extLst>
-              <a:ext uri="{FF2B5EF4-FFF2-40B4-BE49-F238E27FC236}">
-                <a16:creationId xmlns:a16="http://schemas.microsoft.com/office/drawing/2014/main" id="{828D2394-2B60-4AF8-997C-C6DB873279AF}"/>
-              </a:ext>
-            </a:extLst>
-          </p:cNvPr>
-          <p:cNvCxnSpPr/>
-          <p:nvPr/>
-        </p:nvCxnSpPr>
-        <p:spPr>
-          <a:xfrm>
-            <a:off x="2783632" y="6858000"/>
-            <a:ext cx="8755196" cy="0"/>
-          </a:xfrm>
-          <a:prstGeom prst="line">
-            <a:avLst/>
-          </a:prstGeom>
-          <a:ln w="9525"/>
-        </p:spPr>
-        <p:style>
-          <a:lnRef idx="1">
-            <a:schemeClr val="accent1"/>
-          </a:lnRef>
-          <a:fillRef idx="0">
-            <a:schemeClr val="accent1"/>
-          </a:fillRef>
-          <a:effectRef idx="0">
-            <a:schemeClr val="accent1"/>
-          </a:effectRef>
-          <a:fontRef idx="minor">
-            <a:schemeClr val="tx1"/>
-          </a:fontRef>
-        </p:style>
-      </p:cxnSp>
-      <p:pic>
-        <p:nvPicPr>
-          <p:cNvPr id="12" name="Grafik 11">
-            <a:extLst>
-              <a:ext uri="{FF2B5EF4-FFF2-40B4-BE49-F238E27FC236}">
-                <a16:creationId xmlns:a16="http://schemas.microsoft.com/office/drawing/2014/main" id="{5411B075-355D-4594-8151-C8CD3FDF434F}"/>
-              </a:ext>
-            </a:extLst>
-          </p:cNvPr>
-          <p:cNvPicPr/>
-          <p:nvPr/>
-        </p:nvPicPr>
-        <p:blipFill rotWithShape="1">
-          <a:blip r:embed="rId3">
-            <a:extLst>
-              <a:ext uri="{28A0092B-C50C-407E-A947-70E740481C1C}">
-                <a14:useLocalDpi xmlns:a14="http://schemas.microsoft.com/office/drawing/2010/main" val="0"/>
-              </a:ext>
-            </a:extLst>
-          </a:blip>
-          <a:srcRect b="21218"/>
-          <a:stretch/>
-        </p:blipFill>
-        <p:spPr bwMode="auto">
-          <a:xfrm>
-            <a:off x="3575720" y="1343107"/>
-            <a:ext cx="6336704" cy="7239099"/>
-          </a:xfrm>
-          <a:prstGeom prst="rect">
-            <a:avLst/>
-          </a:prstGeom>
-          <a:noFill/>
-          <a:ln>
-            <a:noFill/>
-          </a:ln>
-          <a:extLst>
-            <a:ext uri="{53640926-AAD7-44D8-BBD7-CCE9431645EC}">
-              <a14:shadowObscured xmlns:a14="http://schemas.microsoft.com/office/drawing/2010/main"/>
-            </a:ext>
-          </a:extLst>
-        </p:spPr>
-      </p:pic>
-      <p:sp>
-        <p:nvSpPr>
-          <p:cNvPr id="8" name="Rechteck 7">
-            <a:extLst>
-              <a:ext uri="{FF2B5EF4-FFF2-40B4-BE49-F238E27FC236}">
-                <a16:creationId xmlns:a16="http://schemas.microsoft.com/office/drawing/2014/main" id="{FA5EA153-64F2-478E-B607-03249B46BED9}"/>
-              </a:ext>
-            </a:extLst>
-          </p:cNvPr>
-          <p:cNvSpPr/>
-          <p:nvPr/>
-        </p:nvSpPr>
-        <p:spPr>
-          <a:xfrm>
-            <a:off x="2999656" y="0"/>
-            <a:ext cx="7128792" cy="1124744"/>
-          </a:xfrm>
-          <a:prstGeom prst="rect">
-            <a:avLst/>
-          </a:prstGeom>
-          <a:solidFill>
-            <a:schemeClr val="accent1"/>
-          </a:solidFill>
-          <a:ln>
-            <a:noFill/>
-          </a:ln>
-        </p:spPr>
-        <p:style>
-          <a:lnRef idx="2">
-            <a:schemeClr val="accent1">
-              <a:shade val="50000"/>
-            </a:schemeClr>
-          </a:lnRef>
-          <a:fillRef idx="1">
-            <a:schemeClr val="accent1"/>
-          </a:fillRef>
-          <a:effectRef idx="0">
-            <a:schemeClr val="accent1"/>
-          </a:effectRef>
-          <a:fontRef idx="minor">
-            <a:schemeClr val="lt1"/>
-          </a:fontRef>
-        </p:style>
-        <p:txBody>
-          <a:bodyPr rtlCol="0" anchor="t"/>
-          <a:lstStyle/>
-          <a:p>
-            <a:pPr algn="l">
-              <a:spcBef>
-                <a:spcPts val="600"/>
-              </a:spcBef>
-              <a:buClr>
-                <a:schemeClr val="accent1"/>
-              </a:buClr>
-            </a:pPr>
-            <a:endParaRPr lang="de-DE" sz="1600" dirty="0" err="1">
-              <a:solidFill>
-                <a:schemeClr val="tx1"/>
-              </a:solidFill>
-            </a:endParaRPr>
-          </a:p>
-        </p:txBody>
-      </p:sp>
-      <p:sp>
-        <p:nvSpPr>
-          <p:cNvPr id="15" name="Rechteck 14">
-            <a:extLst>
-              <a:ext uri="{FF2B5EF4-FFF2-40B4-BE49-F238E27FC236}">
-                <a16:creationId xmlns:a16="http://schemas.microsoft.com/office/drawing/2014/main" id="{139352A1-E4B6-4FE4-A1EB-7287CA049C22}"/>
-              </a:ext>
-            </a:extLst>
-          </p:cNvPr>
-          <p:cNvSpPr/>
-          <p:nvPr/>
-        </p:nvSpPr>
-        <p:spPr>
-          <a:xfrm>
-            <a:off x="3503712" y="5733256"/>
-            <a:ext cx="6984776" cy="1124744"/>
-          </a:xfrm>
-          <a:prstGeom prst="rect">
-            <a:avLst/>
-          </a:prstGeom>
-          <a:solidFill>
-            <a:schemeClr val="bg1"/>
-          </a:solidFill>
-          <a:ln>
-            <a:noFill/>
-          </a:ln>
-        </p:spPr>
-        <p:style>
-          <a:lnRef idx="2">
-            <a:schemeClr val="accent1">
-              <a:shade val="50000"/>
-            </a:schemeClr>
-          </a:lnRef>
-          <a:fillRef idx="1">
-            <a:schemeClr val="accent1"/>
-          </a:fillRef>
-          <a:effectRef idx="0">
-            <a:schemeClr val="accent1"/>
-          </a:effectRef>
-          <a:fontRef idx="minor">
-            <a:schemeClr val="lt1"/>
-          </a:fontRef>
-        </p:style>
-        <p:txBody>
-          <a:bodyPr rtlCol="0" anchor="t"/>
-          <a:lstStyle/>
-          <a:p>
-            <a:pPr algn="l">
-              <a:spcBef>
-                <a:spcPts val="600"/>
-              </a:spcBef>
-              <a:buClr>
-                <a:schemeClr val="accent1"/>
-              </a:buClr>
-            </a:pPr>
-            <a:endParaRPr lang="de-DE" sz="1600" dirty="0" err="1">
-              <a:solidFill>
-                <a:schemeClr val="tx1"/>
-              </a:solidFill>
-            </a:endParaRPr>
-          </a:p>
-        </p:txBody>
-      </p:sp>
-      <p:sp>
-        <p:nvSpPr>
-          <p:cNvPr id="17" name="Rechteck 16">
-            <a:extLst>
-              <a:ext uri="{FF2B5EF4-FFF2-40B4-BE49-F238E27FC236}">
-                <a16:creationId xmlns:a16="http://schemas.microsoft.com/office/drawing/2014/main" id="{AC59E3B2-570A-4DC0-B223-35A63D84EECC}"/>
-              </a:ext>
-            </a:extLst>
-          </p:cNvPr>
-          <p:cNvSpPr/>
-          <p:nvPr/>
-        </p:nvSpPr>
-        <p:spPr>
-          <a:xfrm>
-            <a:off x="3007296" y="1124745"/>
-            <a:ext cx="7128792" cy="188640"/>
-          </a:xfrm>
-          <a:prstGeom prst="rect">
-            <a:avLst/>
-          </a:prstGeom>
-          <a:solidFill>
-            <a:schemeClr val="bg1"/>
-          </a:solidFill>
-          <a:ln>
-            <a:solidFill>
-              <a:schemeClr val="bg1"/>
-            </a:solidFill>
-          </a:ln>
-        </p:spPr>
-        <p:style>
-          <a:lnRef idx="2">
-            <a:schemeClr val="accent1">
-              <a:shade val="50000"/>
-            </a:schemeClr>
-          </a:lnRef>
-          <a:fillRef idx="1">
-            <a:schemeClr val="accent1"/>
-          </a:fillRef>
-          <a:effectRef idx="0">
-            <a:schemeClr val="accent1"/>
-          </a:effectRef>
-          <a:fontRef idx="minor">
-            <a:schemeClr val="lt1"/>
-          </a:fontRef>
-        </p:style>
-        <p:txBody>
-          <a:bodyPr rtlCol="0" anchor="t"/>
-          <a:lstStyle/>
-          <a:p>
-            <a:pPr algn="l">
-              <a:spcBef>
-                <a:spcPts val="600"/>
-              </a:spcBef>
-              <a:buClr>
-                <a:schemeClr val="accent1"/>
-              </a:buClr>
-            </a:pPr>
-            <a:endParaRPr lang="de-DE" sz="1600" dirty="0" err="1">
-              <a:solidFill>
-                <a:schemeClr val="tx1"/>
-              </a:solidFill>
-            </a:endParaRPr>
-          </a:p>
-        </p:txBody>
-      </p:sp>
-    </p:spTree>
-    <p:extLst>
-      <p:ext uri="{BB962C8B-B14F-4D97-AF65-F5344CB8AC3E}">
-        <p14:creationId xmlns:p14="http://schemas.microsoft.com/office/powerpoint/2010/main" val="2308235920"/>
-      </p:ext>
-    </p:extLst>
-  </p:cSld>
-  <p:clrMapOvr>
-    <a:masterClrMapping/>
-  </p:clrMapOvr>
-  <p:transition spd="slow">
-    <p:push/>
-  </p:transition>
-  <p:timing>
-    <p:tnLst>
-      <p:par>
-        <p:cTn id="1" dur="indefinite" restart="never" nodeType="tmRoot">
-          <p:childTnLst>
-            <p:seq concurrent="1" nextAc="seek">
-              <p:cTn id="2" dur="indefinite" nodeType="mainSeq">
-                <p:childTnLst>
-                  <p:par>
-                    <p:cTn id="3" fill="hold">
-                      <p:stCondLst>
-                        <p:cond delay="indefinite"/>
-                      </p:stCondLst>
-                      <p:childTnLst>
-                        <p:par>
-                          <p:cTn id="4" fill="hold">
-                            <p:stCondLst>
-                              <p:cond delay="0"/>
-                            </p:stCondLst>
-                            <p:childTnLst>
-                              <p:par>
-                                <p:cTn id="5" presetID="64" presetClass="path" presetSubtype="0" accel="50000" decel="50000" fill="hold" nodeType="clickEffect">
-                                  <p:stCondLst>
-                                    <p:cond delay="0"/>
-                                  </p:stCondLst>
-                                  <p:childTnLst>
-                                    <p:animMotion origin="layout" path="M 5E-6 0.05556 L 5E-6 -0.53333 " pathEditMode="relative" rAng="0" ptsTypes="AA">
-                                      <p:cBhvr>
-                                        <p:cTn id="6" dur="2000" fill="hold"/>
-                                        <p:tgtEl>
-                                          <p:spTgt spid="12"/>
-                                        </p:tgtEl>
-                                        <p:attrNameLst>
-                                          <p:attrName>ppt_x</p:attrName>
-                                          <p:attrName>ppt_y</p:attrName>
-                                        </p:attrNameLst>
-                                      </p:cBhvr>
-                                      <p:rCtr x="0" y="-29444"/>
-                                    </p:animMotion>
-                                  </p:childTnLst>
-                                </p:cTn>
-                              </p:par>
-                            </p:childTnLst>
-                          </p:cTn>
-                        </p:par>
-                      </p:childTnLst>
-                    </p:cTn>
-                  </p:par>
-                </p:childTnLst>
-              </p:cTn>
-              <p:prevCondLst>
-                <p:cond evt="onPrev" delay="0">
-                  <p:tgtEl>
-                    <p:sldTgt/>
-                  </p:tgtEl>
-                </p:cond>
-              </p:prevCondLst>
-              <p:nextCondLst>
-                <p:cond evt="onNext" delay="0">
-                  <p:tgtEl>
-                    <p:sldTgt/>
-                  </p:tgtEl>
-                </p:cond>
-              </p:nextCondLst>
-            </p:seq>
-          </p:childTnLst>
-        </p:cTn>
-      </p:par>
-    </p:tnLst>
-  </p:timing>
-</p:sld>
-</file>
-
-<file path=ppt/slides/slide14.xml><?xml version="1.0" encoding="utf-8"?>
-<p:sld xmlns:a="http://schemas.openxmlformats.org/drawingml/2006/main" xmlns:r="http://schemas.openxmlformats.org/officeDocument/2006/relationships" xmlns:p="http://schemas.openxmlformats.org/presentationml/2006/main">
-  <p:cSld>
-    <p:spTree>
-      <p:nvGrpSpPr>
-        <p:cNvPr id="1" name=""/>
-        <p:cNvGrpSpPr/>
-        <p:nvPr/>
-      </p:nvGrpSpPr>
-      <p:grpSpPr>
-        <a:xfrm>
-          <a:off x="0" y="0"/>
-          <a:ext cx="0" cy="0"/>
-          <a:chOff x="0" y="0"/>
-          <a:chExt cx="0" cy="0"/>
-        </a:xfrm>
-      </p:grpSpPr>
-      <p:sp>
-        <p:nvSpPr>
-          <p:cNvPr id="2" name="Datumsplatzhalter 1">
-            <a:extLst>
-              <a:ext uri="{FF2B5EF4-FFF2-40B4-BE49-F238E27FC236}">
-                <a16:creationId xmlns:a16="http://schemas.microsoft.com/office/drawing/2014/main" id="{C13890A2-D96B-4ACC-8910-3CE6815AB2E7}"/>
-              </a:ext>
-            </a:extLst>
-          </p:cNvPr>
-          <p:cNvSpPr>
-            <a:spLocks noGrp="1"/>
-          </p:cNvSpPr>
-          <p:nvPr>
-            <p:ph type="dt" sz="half" idx="10"/>
-          </p:nvPr>
-        </p:nvSpPr>
-        <p:spPr/>
-        <p:txBody>
-          <a:bodyPr/>
-          <a:lstStyle/>
-          <a:p>
-            <a:fld id="{34ED33ED-86EF-43E0-BBFC-3F79D10AF08C}" type="datetime1">
-              <a:rPr lang="de-DE" smtClean="0"/>
-              <a:t>15.07.2020</a:t>
-            </a:fld>
-            <a:endParaRPr lang="en-GB" dirty="0"/>
-          </a:p>
-        </p:txBody>
-      </p:sp>
-      <p:sp>
-        <p:nvSpPr>
-          <p:cNvPr id="4" name="Foliennummernplatzhalter 3">
-            <a:extLst>
-              <a:ext uri="{FF2B5EF4-FFF2-40B4-BE49-F238E27FC236}">
-                <a16:creationId xmlns:a16="http://schemas.microsoft.com/office/drawing/2014/main" id="{C55B4464-5C32-4CAC-B095-F53846C749AE}"/>
-              </a:ext>
-            </a:extLst>
-          </p:cNvPr>
-          <p:cNvSpPr>
-            <a:spLocks noGrp="1"/>
-          </p:cNvSpPr>
-          <p:nvPr>
-            <p:ph type="sldNum" sz="quarter" idx="12"/>
-          </p:nvPr>
-        </p:nvSpPr>
-        <p:spPr/>
-        <p:txBody>
-          <a:bodyPr/>
-          <a:lstStyle/>
-          <a:p>
-            <a:r>
-              <a:rPr lang="de-DE"/>
-              <a:t>  </a:t>
-            </a:r>
-            <a:fld id="{2B4F42BA-C6E3-4D5B-99FA-36163155CEA7}" type="slidenum">
-              <a:rPr lang="de-DE" smtClean="0"/>
-              <a:pPr/>
-              <a:t>14</a:t>
-            </a:fld>
-            <a:endParaRPr lang="de-DE" noProof="0" dirty="0"/>
-          </a:p>
-        </p:txBody>
-      </p:sp>
-      <p:sp>
-        <p:nvSpPr>
-          <p:cNvPr id="5" name="Titel 4">
-            <a:extLst>
-              <a:ext uri="{FF2B5EF4-FFF2-40B4-BE49-F238E27FC236}">
-                <a16:creationId xmlns:a16="http://schemas.microsoft.com/office/drawing/2014/main" id="{19FB13C9-6243-4630-8E2E-5B8FD1AE5129}"/>
-              </a:ext>
-            </a:extLst>
-          </p:cNvPr>
-          <p:cNvSpPr>
-            <a:spLocks noGrp="1"/>
-          </p:cNvSpPr>
-          <p:nvPr>
-            <p:ph type="title"/>
-          </p:nvPr>
-        </p:nvSpPr>
-        <p:spPr>
-          <a:xfrm>
-            <a:off x="440854" y="218363"/>
-            <a:ext cx="10080000" cy="584775"/>
-          </a:xfrm>
-        </p:spPr>
-        <p:txBody>
-          <a:bodyPr/>
-          <a:lstStyle/>
-          <a:p>
-            <a:r>
-              <a:rPr lang="de-DE" dirty="0"/>
-              <a:t>Programm / System</a:t>
-            </a:r>
-            <a:br>
-              <a:rPr lang="de-DE" dirty="0"/>
-            </a:br>
-            <a:r>
-              <a:rPr lang="de-DE" sz="1800" dirty="0"/>
-              <a:t>Datenfluss</a:t>
-            </a:r>
-            <a:endParaRPr lang="de-DE" dirty="0"/>
-          </a:p>
-        </p:txBody>
-      </p:sp>
-      <p:sp>
-        <p:nvSpPr>
-          <p:cNvPr id="6" name="Textplatzhalter 5">
-            <a:extLst>
-              <a:ext uri="{FF2B5EF4-FFF2-40B4-BE49-F238E27FC236}">
-                <a16:creationId xmlns:a16="http://schemas.microsoft.com/office/drawing/2014/main" id="{69DDCCF1-469C-42B3-9388-15999E6415F4}"/>
-              </a:ext>
-            </a:extLst>
-          </p:cNvPr>
-          <p:cNvSpPr>
-            <a:spLocks noGrp="1"/>
-          </p:cNvSpPr>
-          <p:nvPr>
-            <p:ph type="body" sz="quarter" idx="15"/>
-          </p:nvPr>
-        </p:nvSpPr>
-        <p:spPr/>
-        <p:txBody>
-          <a:bodyPr/>
-          <a:lstStyle/>
-          <a:p>
-            <a:endParaRPr lang="de-DE"/>
-          </a:p>
-        </p:txBody>
-      </p:sp>
-      <p:cxnSp>
-        <p:nvCxnSpPr>
-          <p:cNvPr id="10" name="Gerader Verbinder 9">
-            <a:extLst>
-              <a:ext uri="{FF2B5EF4-FFF2-40B4-BE49-F238E27FC236}">
-                <a16:creationId xmlns:a16="http://schemas.microsoft.com/office/drawing/2014/main" id="{828D2394-2B60-4AF8-997C-C6DB873279AF}"/>
-              </a:ext>
-            </a:extLst>
-          </p:cNvPr>
-          <p:cNvCxnSpPr/>
-          <p:nvPr/>
-        </p:nvCxnSpPr>
-        <p:spPr>
-          <a:xfrm>
-            <a:off x="2783632" y="6858000"/>
-            <a:ext cx="8755196" cy="0"/>
-          </a:xfrm>
-          <a:prstGeom prst="line">
-            <a:avLst/>
-          </a:prstGeom>
-          <a:ln w="9525"/>
-        </p:spPr>
-        <p:style>
-          <a:lnRef idx="1">
-            <a:schemeClr val="accent1"/>
-          </a:lnRef>
-          <a:fillRef idx="0">
-            <a:schemeClr val="accent1"/>
-          </a:fillRef>
-          <a:effectRef idx="0">
-            <a:schemeClr val="accent1"/>
-          </a:effectRef>
-          <a:fontRef idx="minor">
-            <a:schemeClr val="tx1"/>
-          </a:fontRef>
-        </p:style>
-      </p:cxnSp>
-      <p:pic>
-        <p:nvPicPr>
-          <p:cNvPr id="12" name="Grafik 11">
-            <a:extLst>
-              <a:ext uri="{FF2B5EF4-FFF2-40B4-BE49-F238E27FC236}">
-                <a16:creationId xmlns:a16="http://schemas.microsoft.com/office/drawing/2014/main" id="{5411B075-355D-4594-8151-C8CD3FDF434F}"/>
-              </a:ext>
-            </a:extLst>
-          </p:cNvPr>
-          <p:cNvPicPr/>
-          <p:nvPr/>
-        </p:nvPicPr>
-        <p:blipFill rotWithShape="1">
-          <a:blip r:embed="rId3">
-            <a:extLst>
-              <a:ext uri="{28A0092B-C50C-407E-A947-70E740481C1C}">
-                <a14:useLocalDpi xmlns:a14="http://schemas.microsoft.com/office/drawing/2010/main" val="0"/>
-              </a:ext>
-            </a:extLst>
-          </a:blip>
-          <a:srcRect b="21218"/>
-          <a:stretch/>
-        </p:blipFill>
-        <p:spPr bwMode="auto">
-          <a:xfrm>
-            <a:off x="3575720" y="1343107"/>
-            <a:ext cx="6336704" cy="7239099"/>
-          </a:xfrm>
-          <a:prstGeom prst="rect">
-            <a:avLst/>
-          </a:prstGeom>
-          <a:noFill/>
-          <a:ln>
-            <a:noFill/>
-          </a:ln>
-          <a:extLst>
-            <a:ext uri="{53640926-AAD7-44D8-BBD7-CCE9431645EC}">
-              <a14:shadowObscured xmlns:a14="http://schemas.microsoft.com/office/drawing/2010/main"/>
-            </a:ext>
-          </a:extLst>
-        </p:spPr>
-      </p:pic>
-      <p:sp>
-        <p:nvSpPr>
-          <p:cNvPr id="8" name="Rechteck 7">
-            <a:extLst>
-              <a:ext uri="{FF2B5EF4-FFF2-40B4-BE49-F238E27FC236}">
-                <a16:creationId xmlns:a16="http://schemas.microsoft.com/office/drawing/2014/main" id="{FA5EA153-64F2-478E-B607-03249B46BED9}"/>
-              </a:ext>
-            </a:extLst>
-          </p:cNvPr>
-          <p:cNvSpPr/>
-          <p:nvPr/>
-        </p:nvSpPr>
-        <p:spPr>
-          <a:xfrm>
-            <a:off x="2999656" y="0"/>
-            <a:ext cx="7128792" cy="1124744"/>
-          </a:xfrm>
-          <a:prstGeom prst="rect">
-            <a:avLst/>
-          </a:prstGeom>
-          <a:solidFill>
-            <a:schemeClr val="accent1"/>
-          </a:solidFill>
-          <a:ln>
-            <a:noFill/>
-          </a:ln>
-        </p:spPr>
-        <p:style>
-          <a:lnRef idx="2">
-            <a:schemeClr val="accent1">
-              <a:shade val="50000"/>
-            </a:schemeClr>
-          </a:lnRef>
-          <a:fillRef idx="1">
-            <a:schemeClr val="accent1"/>
-          </a:fillRef>
-          <a:effectRef idx="0">
-            <a:schemeClr val="accent1"/>
-          </a:effectRef>
-          <a:fontRef idx="minor">
-            <a:schemeClr val="lt1"/>
-          </a:fontRef>
-        </p:style>
-        <p:txBody>
-          <a:bodyPr rtlCol="0" anchor="t"/>
-          <a:lstStyle/>
-          <a:p>
-            <a:pPr algn="l">
-              <a:spcBef>
-                <a:spcPts val="600"/>
-              </a:spcBef>
-              <a:buClr>
-                <a:schemeClr val="accent1"/>
-              </a:buClr>
-            </a:pPr>
-            <a:endParaRPr lang="de-DE" sz="1600" dirty="0" err="1">
-              <a:solidFill>
-                <a:schemeClr val="tx1"/>
-              </a:solidFill>
-            </a:endParaRPr>
-          </a:p>
-        </p:txBody>
-      </p:sp>
-      <p:sp>
-        <p:nvSpPr>
-          <p:cNvPr id="15" name="Rechteck 14">
-            <a:extLst>
-              <a:ext uri="{FF2B5EF4-FFF2-40B4-BE49-F238E27FC236}">
-                <a16:creationId xmlns:a16="http://schemas.microsoft.com/office/drawing/2014/main" id="{139352A1-E4B6-4FE4-A1EB-7287CA049C22}"/>
-              </a:ext>
-            </a:extLst>
-          </p:cNvPr>
-          <p:cNvSpPr/>
-          <p:nvPr/>
-        </p:nvSpPr>
-        <p:spPr>
-          <a:xfrm>
-            <a:off x="3503712" y="5733256"/>
-            <a:ext cx="6984776" cy="1124744"/>
-          </a:xfrm>
-          <a:prstGeom prst="rect">
-            <a:avLst/>
-          </a:prstGeom>
-          <a:solidFill>
-            <a:schemeClr val="bg1"/>
-          </a:solidFill>
-          <a:ln>
-            <a:noFill/>
-          </a:ln>
-        </p:spPr>
-        <p:style>
-          <a:lnRef idx="2">
-            <a:schemeClr val="accent1">
-              <a:shade val="50000"/>
-            </a:schemeClr>
-          </a:lnRef>
-          <a:fillRef idx="1">
-            <a:schemeClr val="accent1"/>
-          </a:fillRef>
-          <a:effectRef idx="0">
-            <a:schemeClr val="accent1"/>
-          </a:effectRef>
-          <a:fontRef idx="minor">
-            <a:schemeClr val="lt1"/>
-          </a:fontRef>
-        </p:style>
-        <p:txBody>
-          <a:bodyPr rtlCol="0" anchor="t"/>
-          <a:lstStyle/>
-          <a:p>
-            <a:pPr algn="l">
-              <a:spcBef>
-                <a:spcPts val="600"/>
-              </a:spcBef>
-              <a:buClr>
-                <a:schemeClr val="accent1"/>
-              </a:buClr>
-            </a:pPr>
-            <a:endParaRPr lang="de-DE" sz="1600" dirty="0" err="1">
-              <a:solidFill>
-                <a:schemeClr val="tx1"/>
-              </a:solidFill>
-            </a:endParaRPr>
-          </a:p>
-        </p:txBody>
-      </p:sp>
-      <p:sp>
-        <p:nvSpPr>
-          <p:cNvPr id="17" name="Rechteck 16">
-            <a:extLst>
-              <a:ext uri="{FF2B5EF4-FFF2-40B4-BE49-F238E27FC236}">
-                <a16:creationId xmlns:a16="http://schemas.microsoft.com/office/drawing/2014/main" id="{AC59E3B2-570A-4DC0-B223-35A63D84EECC}"/>
-              </a:ext>
-            </a:extLst>
-          </p:cNvPr>
-          <p:cNvSpPr/>
-          <p:nvPr/>
-        </p:nvSpPr>
-        <p:spPr>
-          <a:xfrm>
-            <a:off x="3007296" y="1124745"/>
-            <a:ext cx="7128792" cy="188640"/>
-          </a:xfrm>
-          <a:prstGeom prst="rect">
-            <a:avLst/>
-          </a:prstGeom>
-          <a:solidFill>
-            <a:schemeClr val="bg1"/>
-          </a:solidFill>
-          <a:ln>
-            <a:solidFill>
-              <a:schemeClr val="bg1"/>
-            </a:solidFill>
-          </a:ln>
-        </p:spPr>
-        <p:style>
-          <a:lnRef idx="2">
-            <a:schemeClr val="accent1">
-              <a:shade val="50000"/>
-            </a:schemeClr>
-          </a:lnRef>
-          <a:fillRef idx="1">
-            <a:schemeClr val="accent1"/>
-          </a:fillRef>
-          <a:effectRef idx="0">
-            <a:schemeClr val="accent1"/>
-          </a:effectRef>
-          <a:fontRef idx="minor">
-            <a:schemeClr val="lt1"/>
-          </a:fontRef>
-        </p:style>
-        <p:txBody>
-          <a:bodyPr rtlCol="0" anchor="t"/>
-          <a:lstStyle/>
-          <a:p>
-            <a:pPr algn="l">
-              <a:spcBef>
-                <a:spcPts val="600"/>
-              </a:spcBef>
-              <a:buClr>
-                <a:schemeClr val="accent1"/>
-              </a:buClr>
-            </a:pPr>
-            <a:endParaRPr lang="de-DE" sz="1600" dirty="0" err="1">
-              <a:solidFill>
-                <a:schemeClr val="tx1"/>
-              </a:solidFill>
-            </a:endParaRPr>
-          </a:p>
-        </p:txBody>
-      </p:sp>
-    </p:spTree>
-    <p:extLst>
-      <p:ext uri="{BB962C8B-B14F-4D97-AF65-F5344CB8AC3E}">
-        <p14:creationId xmlns:p14="http://schemas.microsoft.com/office/powerpoint/2010/main" val="3254091156"/>
-      </p:ext>
-    </p:extLst>
-  </p:cSld>
-  <p:clrMapOvr>
-    <a:masterClrMapping/>
-  </p:clrMapOvr>
-  <p:transition spd="slow">
-    <p:push/>
-  </p:transition>
-  <p:timing>
-    <p:tnLst>
-      <p:par>
-        <p:cTn id="1" dur="indefinite" restart="never" nodeType="tmRoot">
-          <p:childTnLst>
-            <p:seq concurrent="1" nextAc="seek">
-              <p:cTn id="2" dur="indefinite" nodeType="mainSeq">
-                <p:childTnLst>
-                  <p:par>
-                    <p:cTn id="3" fill="hold">
-                      <p:stCondLst>
-                        <p:cond delay="indefinite"/>
-                      </p:stCondLst>
-                      <p:childTnLst>
-                        <p:par>
-                          <p:cTn id="4" fill="hold">
-                            <p:stCondLst>
-                              <p:cond delay="0"/>
-                            </p:stCondLst>
-                            <p:childTnLst>
-                              <p:par>
-                                <p:cTn id="5" presetID="64" presetClass="path" presetSubtype="0" accel="50000" decel="50000" fill="hold" nodeType="clickEffect">
-                                  <p:stCondLst>
-                                    <p:cond delay="0"/>
-                                  </p:stCondLst>
-                                  <p:childTnLst>
-                                    <p:animMotion origin="layout" path="M 5E-6 0.05556 L 5E-6 -0.53333 " pathEditMode="relative" rAng="0" ptsTypes="AA">
-                                      <p:cBhvr>
-                                        <p:cTn id="6" dur="2000" fill="hold"/>
-                                        <p:tgtEl>
-                                          <p:spTgt spid="12"/>
-                                        </p:tgtEl>
-                                        <p:attrNameLst>
-                                          <p:attrName>ppt_x</p:attrName>
-                                          <p:attrName>ppt_y</p:attrName>
-                                        </p:attrNameLst>
-                                      </p:cBhvr>
-                                      <p:rCtr x="0" y="-29444"/>
-                                    </p:animMotion>
-                                  </p:childTnLst>
-                                </p:cTn>
-                              </p:par>
-                            </p:childTnLst>
-                          </p:cTn>
-                        </p:par>
-                      </p:childTnLst>
-                    </p:cTn>
-                  </p:par>
-                </p:childTnLst>
-              </p:cTn>
-              <p:prevCondLst>
-                <p:cond evt="onPrev" delay="0">
-                  <p:tgtEl>
-                    <p:sldTgt/>
-                  </p:tgtEl>
-                </p:cond>
-              </p:prevCondLst>
-              <p:nextCondLst>
-                <p:cond evt="onNext" delay="0">
-                  <p:tgtEl>
-                    <p:sldTgt/>
-                  </p:tgtEl>
-                </p:cond>
-              </p:nextCondLst>
-            </p:seq>
-          </p:childTnLst>
-        </p:cTn>
-      </p:par>
-    </p:tnLst>
-  </p:timing>
-</p:sld>
-</file>
-
-<file path=ppt/slides/slide15.xml><?xml version="1.0" encoding="utf-8"?>
-<p:sld xmlns:a="http://schemas.openxmlformats.org/drawingml/2006/main" xmlns:r="http://schemas.openxmlformats.org/officeDocument/2006/relationships" xmlns:p="http://schemas.openxmlformats.org/presentationml/2006/main">
-  <p:cSld>
-    <p:spTree>
-      <p:nvGrpSpPr>
-        <p:cNvPr id="1" name=""/>
-        <p:cNvGrpSpPr/>
-        <p:nvPr/>
-      </p:nvGrpSpPr>
-      <p:grpSpPr>
-        <a:xfrm>
-          <a:off x="0" y="0"/>
-          <a:ext cx="0" cy="0"/>
-          <a:chOff x="0" y="0"/>
-          <a:chExt cx="0" cy="0"/>
-        </a:xfrm>
-      </p:grpSpPr>
-      <p:sp>
-        <p:nvSpPr>
-          <p:cNvPr id="2" name="Datumsplatzhalter 1">
-            <a:extLst>
-              <a:ext uri="{FF2B5EF4-FFF2-40B4-BE49-F238E27FC236}">
-                <a16:creationId xmlns:a16="http://schemas.microsoft.com/office/drawing/2014/main" id="{C13890A2-D96B-4ACC-8910-3CE6815AB2E7}"/>
-              </a:ext>
-            </a:extLst>
-          </p:cNvPr>
-          <p:cNvSpPr>
-            <a:spLocks noGrp="1"/>
-          </p:cNvSpPr>
-          <p:nvPr>
-            <p:ph type="dt" sz="half" idx="10"/>
-          </p:nvPr>
-        </p:nvSpPr>
-        <p:spPr/>
-        <p:txBody>
-          <a:bodyPr/>
-          <a:lstStyle/>
-          <a:p>
-            <a:fld id="{34ED33ED-86EF-43E0-BBFC-3F79D10AF08C}" type="datetime1">
-              <a:rPr lang="de-DE" smtClean="0"/>
-              <a:t>15.07.2020</a:t>
-            </a:fld>
-            <a:endParaRPr lang="en-GB" dirty="0"/>
-          </a:p>
-        </p:txBody>
-      </p:sp>
-      <p:sp>
-        <p:nvSpPr>
-          <p:cNvPr id="4" name="Foliennummernplatzhalter 3">
-            <a:extLst>
-              <a:ext uri="{FF2B5EF4-FFF2-40B4-BE49-F238E27FC236}">
-                <a16:creationId xmlns:a16="http://schemas.microsoft.com/office/drawing/2014/main" id="{C55B4464-5C32-4CAC-B095-F53846C749AE}"/>
-              </a:ext>
-            </a:extLst>
-          </p:cNvPr>
-          <p:cNvSpPr>
-            <a:spLocks noGrp="1"/>
-          </p:cNvSpPr>
-          <p:nvPr>
-            <p:ph type="sldNum" sz="quarter" idx="12"/>
-          </p:nvPr>
-        </p:nvSpPr>
-        <p:spPr/>
-        <p:txBody>
-          <a:bodyPr/>
-          <a:lstStyle/>
-          <a:p>
-            <a:r>
-              <a:rPr lang="de-DE"/>
-              <a:t>  </a:t>
-            </a:r>
-            <a:fld id="{2B4F42BA-C6E3-4D5B-99FA-36163155CEA7}" type="slidenum">
-              <a:rPr lang="de-DE" smtClean="0"/>
-              <a:pPr/>
-              <a:t>15</a:t>
             </a:fld>
             <a:endParaRPr lang="de-DE" noProof="0" dirty="0"/>
           </a:p>
@@ -25434,7 +24618,7 @@
       </p:cxnSp>
       <p:pic>
         <p:nvPicPr>
-          <p:cNvPr id="20" name="Grafik 19" descr="Ein Bild, das Uhr, Monitor, Bildschirm, befestigt enthält.&#10;&#10;Automatisch generierte Beschreibung">
+          <p:cNvPr id="20" name="Grafik 19">
             <a:extLst>
               <a:ext uri="{FF2B5EF4-FFF2-40B4-BE49-F238E27FC236}">
                 <a16:creationId xmlns:a16="http://schemas.microsoft.com/office/drawing/2014/main" id="{7B1C6B2C-1FC0-43B3-87DA-3903C75FEA0E}"/>
@@ -25447,15 +24631,21 @@
           <p:nvPr/>
         </p:nvPicPr>
         <p:blipFill>
-          <a:blip r:embed="rId3"/>
+          <a:blip r:embed="rId3">
+            <a:extLst>
+              <a:ext uri="{28A0092B-C50C-407E-A947-70E740481C1C}">
+                <a14:useLocalDpi xmlns:a14="http://schemas.microsoft.com/office/drawing/2010/main" val="0"/>
+              </a:ext>
+            </a:extLst>
+          </a:blip>
           <a:stretch>
             <a:fillRect/>
           </a:stretch>
         </p:blipFill>
         <p:spPr>
           <a:xfrm>
-            <a:off x="2279577" y="2135015"/>
-            <a:ext cx="16777864" cy="3251169"/>
+            <a:off x="2279577" y="2139594"/>
+            <a:ext cx="16777864" cy="3242010"/>
           </a:xfrm>
           <a:prstGeom prst="rect">
             <a:avLst/>
@@ -25570,7 +24760,7 @@
               <a:t>Realisierung mittels </a:t>
             </a:r>
             <a:r>
-              <a:rPr lang="de-DE" sz="1400" dirty="0" err="1">
+              <a:rPr lang="de-DE" sz="1400" dirty="0" err="1" smtClean="0">
                 <a:solidFill>
                   <a:schemeClr val="tx1"/>
                 </a:solidFill>
@@ -25578,41 +24768,18 @@
               <a:t>TextFile</a:t>
             </a:r>
             <a:r>
-              <a:rPr lang="de-DE" sz="1400" dirty="0">
+              <a:rPr lang="de-DE" sz="1400" dirty="0" smtClean="0">
                 <a:solidFill>
                   <a:schemeClr val="tx1"/>
                 </a:solidFill>
               </a:rPr>
               <a:t>-Objekt</a:t>
             </a:r>
-          </a:p>
-          <a:p>
-            <a:pPr marL="742950" lvl="1" indent="-285750">
-              <a:spcBef>
-                <a:spcPts val="600"/>
-              </a:spcBef>
-              <a:buClr>
-                <a:schemeClr val="accent1"/>
-              </a:buClr>
-              <a:buFontTx/>
-              <a:buChar char="-"/>
-            </a:pPr>
-            <a:r>
-              <a:rPr lang="de-DE" sz="1400" dirty="0" err="1">
-                <a:solidFill>
-                  <a:schemeClr val="tx1"/>
-                </a:solidFill>
-              </a:rPr>
-              <a:t>Exceptionhandling</a:t>
-            </a:r>
-            <a:r>
-              <a:rPr lang="de-DE" sz="1400" dirty="0">
-                <a:solidFill>
-                  <a:schemeClr val="tx1"/>
-                </a:solidFill>
-              </a:rPr>
-              <a:t> bei techn. Fehlern</a:t>
-            </a:r>
+            <a:endParaRPr lang="de-DE" sz="1400" dirty="0">
+              <a:solidFill>
+                <a:schemeClr val="tx1"/>
+              </a:solidFill>
+            </a:endParaRPr>
           </a:p>
           <a:p>
             <a:pPr marL="742950" lvl="1" indent="-285750">
@@ -25668,12 +24835,37 @@
               <a:buChar char="-"/>
             </a:pPr>
             <a:r>
-              <a:rPr lang="de-DE" sz="1400" dirty="0" err="1">
+              <a:rPr lang="de-DE" sz="1400" dirty="0" err="1" smtClean="0">
                 <a:solidFill>
                   <a:schemeClr val="tx1"/>
                 </a:solidFill>
               </a:rPr>
               <a:t>Exceptionhandling</a:t>
+            </a:r>
+            <a:endParaRPr lang="de-DE" sz="1400" dirty="0">
+              <a:solidFill>
+                <a:schemeClr val="tx1"/>
+              </a:solidFill>
+            </a:endParaRPr>
+          </a:p>
+          <a:p>
+            <a:pPr marL="1200150" lvl="2" indent="-285750">
+              <a:spcBef>
+                <a:spcPts val="600"/>
+              </a:spcBef>
+              <a:buClr>
+                <a:schemeClr val="accent1"/>
+              </a:buClr>
+              <a:buFontTx/>
+              <a:buChar char="-"/>
+            </a:pPr>
+            <a:r>
+              <a:rPr lang="de-DE" sz="1400" dirty="0" smtClean="0">
+                <a:solidFill>
+                  <a:schemeClr val="tx1"/>
+                </a:solidFill>
+              </a:rPr>
+              <a:t>Semantik-</a:t>
             </a:r>
             <a:r>
               <a:rPr lang="de-DE" sz="1400" dirty="0">
@@ -25681,23 +24873,41 @@
                   <a:schemeClr val="tx1"/>
                 </a:solidFill>
               </a:rPr>
-              <a:t> bei </a:t>
+              <a:t>/</a:t>
             </a:r>
-            <a:br>
-              <a:rPr lang="de-DE" sz="1400" dirty="0">
+            <a:r>
+              <a:rPr lang="de-DE" sz="1400" dirty="0" smtClean="0">
                 <a:solidFill>
                   <a:schemeClr val="tx1"/>
                 </a:solidFill>
               </a:rPr>
-            </a:br>
+              <a:t>Syntaxfehler</a:t>
+            </a:r>
+          </a:p>
+          <a:p>
+            <a:pPr marL="1200150" lvl="2" indent="-285750">
+              <a:spcBef>
+                <a:spcPts val="600"/>
+              </a:spcBef>
+              <a:buClr>
+                <a:schemeClr val="accent1"/>
+              </a:buClr>
+              <a:buFontTx/>
+              <a:buChar char="-"/>
+            </a:pPr>
             <a:r>
-              <a:rPr lang="de-DE" sz="1400" dirty="0">
+              <a:rPr lang="de-DE" sz="1400" dirty="0" smtClean="0">
                 <a:solidFill>
                   <a:schemeClr val="tx1"/>
                 </a:solidFill>
               </a:rPr>
-              <a:t>Semantik-/Syntaxfehler</a:t>
+              <a:t>Technische Fehler</a:t>
             </a:r>
+            <a:endParaRPr lang="de-DE" sz="1400" dirty="0">
+              <a:solidFill>
+                <a:schemeClr val="tx1"/>
+              </a:solidFill>
+            </a:endParaRPr>
           </a:p>
           <a:p>
             <a:pPr marL="742950" lvl="1" indent="-285750">
@@ -26065,15 +25275,55 @@
                                   </p:childTnLst>
                                 </p:cTn>
                               </p:par>
+                            </p:childTnLst>
+                          </p:cTn>
+                        </p:par>
+                      </p:childTnLst>
+                    </p:cTn>
+                  </p:par>
+                  <p:par>
+                    <p:cTn id="17" fill="hold">
+                      <p:stCondLst>
+                        <p:cond delay="indefinite"/>
+                      </p:stCondLst>
+                      <p:childTnLst>
+                        <p:par>
+                          <p:cTn id="18" fill="hold">
+                            <p:stCondLst>
+                              <p:cond delay="0"/>
+                            </p:stCondLst>
+                            <p:childTnLst>
                               <p:par>
-                                <p:cTn id="17" presetID="10" presetClass="entr" presetSubtype="0" fill="hold" nodeType="withEffect">
+                                <p:cTn id="19" presetID="35" presetClass="path" presetSubtype="0" accel="50000" decel="50000" fill="hold" nodeType="clickEffect">
+                                  <p:stCondLst>
+                                    <p:cond delay="0"/>
+                                  </p:stCondLst>
+                                  <p:childTnLst>
+                                    <p:animMotion origin="layout" path="M 1.11022E-16 3.7037E-7 L -0.65117 3.7037E-7 " pathEditMode="relative" rAng="0" ptsTypes="AA">
+                                      <p:cBhvr>
+                                        <p:cTn id="20" dur="2000" fill="hold"/>
+                                        <p:tgtEl>
+                                          <p:spTgt spid="20"/>
+                                        </p:tgtEl>
+                                        <p:attrNameLst>
+                                          <p:attrName>ppt_x</p:attrName>
+                                          <p:attrName>ppt_y</p:attrName>
+                                        </p:attrNameLst>
+                                      </p:cBhvr>
+                                      <p:rCtr x="-32565" y="0"/>
+                                    </p:animMotion>
+                                  </p:childTnLst>
+                                </p:cTn>
+                              </p:par>
+                              <p:par>
+                                <p:cTn id="21" presetID="10" presetClass="entr" presetSubtype="0" fill="hold" nodeType="withEffect">
                                   <p:stCondLst>
                                     <p:cond delay="0"/>
                                   </p:stCondLst>
                                   <p:childTnLst>
                                     <p:set>
                                       <p:cBhvr>
-                                        <p:cTn id="18" dur="1" fill="hold">
+                                        <p:cTn id="22" dur="1" fill="hold">
                                           <p:stCondLst>
                                             <p:cond delay="0"/>
                                           </p:stCondLst>
@@ -26081,7 +25331,7 @@
                                         <p:tgtEl>
                                           <p:spTgt spid="22">
                                             <p:txEl>
-                                              <p:pRg st="3" end="3"/>
+                                              <p:pRg st="4" end="4"/>
                                             </p:txEl>
                                           </p:spTgt>
                                         </p:tgtEl>
@@ -26095,56 +25345,16 @@
                                     </p:set>
                                     <p:animEffect transition="in" filter="fade">
                                       <p:cBhvr>
-                                        <p:cTn id="19" dur="500"/>
+                                        <p:cTn id="23" dur="500"/>
                                         <p:tgtEl>
                                           <p:spTgt spid="22">
                                             <p:txEl>
-                                              <p:pRg st="3" end="3"/>
+                                              <p:pRg st="4" end="4"/>
                                             </p:txEl>
                                           </p:spTgt>
                                         </p:tgtEl>
                                       </p:cBhvr>
                                     </p:animEffect>
-                                  </p:childTnLst>
-                                </p:cTn>
-                              </p:par>
-                            </p:childTnLst>
-                          </p:cTn>
-                        </p:par>
-                      </p:childTnLst>
-                    </p:cTn>
-                  </p:par>
-                  <p:par>
-                    <p:cTn id="20" fill="hold">
-                      <p:stCondLst>
-                        <p:cond delay="indefinite"/>
-                      </p:stCondLst>
-                      <p:childTnLst>
-                        <p:par>
-                          <p:cTn id="21" fill="hold">
-                            <p:stCondLst>
-                              <p:cond delay="0"/>
-                            </p:stCondLst>
-                            <p:childTnLst>
-                              <p:par>
-                                <p:cTn id="22" presetID="35" presetClass="path" presetSubtype="0" accel="50000" decel="50000" fill="hold" nodeType="clickEffect">
-                                  <p:stCondLst>
-                                    <p:cond delay="0"/>
-                                  </p:stCondLst>
-                                  <p:childTnLst>
-                                    <p:animMotion origin="layout" path="M 1.11022E-16 3.7037E-7 L -0.65117 3.7037E-7 " pathEditMode="relative" rAng="0" ptsTypes="AA">
-                                      <p:cBhvr>
-                                        <p:cTn id="23" dur="2000" fill="hold"/>
-                                        <p:tgtEl>
-                                          <p:spTgt spid="20"/>
-                                        </p:tgtEl>
-                                        <p:attrNameLst>
-                                          <p:attrName>ppt_x</p:attrName>
-                                          <p:attrName>ppt_y</p:attrName>
-                                        </p:attrNameLst>
-                                      </p:cBhvr>
-                                      <p:rCtr x="-32565" y="0"/>
-                                    </p:animMotion>
                                   </p:childTnLst>
                                 </p:cTn>
                               </p:par>
@@ -26320,55 +25530,15 @@
                                   </p:childTnLst>
                                 </p:cTn>
                               </p:par>
-                            </p:childTnLst>
-                          </p:cTn>
-                        </p:par>
-                      </p:childTnLst>
-                    </p:cTn>
-                  </p:par>
-                  <p:par>
-                    <p:cTn id="36" fill="hold">
-                      <p:stCondLst>
-                        <p:cond delay="indefinite"/>
-                      </p:stCondLst>
-                      <p:childTnLst>
-                        <p:par>
-                          <p:cTn id="37" fill="hold">
-                            <p:stCondLst>
-                              <p:cond delay="0"/>
-                            </p:stCondLst>
-                            <p:childTnLst>
                               <p:par>
-                                <p:cTn id="38" presetID="35" presetClass="path" presetSubtype="0" accel="50000" decel="50000" fill="hold" nodeType="clickEffect">
-                                  <p:stCondLst>
-                                    <p:cond delay="0"/>
-                                  </p:stCondLst>
-                                  <p:childTnLst>
-                                    <p:animMotion origin="layout" path="M -0.65117 3.7037E-7 L -1.0056 3.7037E-7 " pathEditMode="relative" rAng="0" ptsTypes="AA">
-                                      <p:cBhvr>
-                                        <p:cTn id="39" dur="2000" fill="hold"/>
-                                        <p:tgtEl>
-                                          <p:spTgt spid="20"/>
-                                        </p:tgtEl>
-                                        <p:attrNameLst>
-                                          <p:attrName>ppt_x</p:attrName>
-                                          <p:attrName>ppt_y</p:attrName>
-                                        </p:attrNameLst>
-                                      </p:cBhvr>
-                                      <p:rCtr x="-17721" y="0"/>
-                                    </p:animMotion>
-                                  </p:childTnLst>
-                                </p:cTn>
-                              </p:par>
-                              <p:par>
-                                <p:cTn id="40" presetID="10" presetClass="entr" presetSubtype="0" fill="hold" nodeType="withEffect">
+                                <p:cTn id="36" presetID="10" presetClass="entr" presetSubtype="0" fill="hold" nodeType="withEffect">
                                   <p:stCondLst>
                                     <p:cond delay="0"/>
                                   </p:stCondLst>
                                   <p:childTnLst>
                                     <p:set>
                                       <p:cBhvr>
-                                        <p:cTn id="41" dur="1" fill="hold">
+                                        <p:cTn id="37" dur="1" fill="hold">
                                           <p:stCondLst>
                                             <p:cond delay="0"/>
                                           </p:stCondLst>
@@ -26390,7 +25560,7 @@
                                     </p:set>
                                     <p:animEffect transition="in" filter="fade">
                                       <p:cBhvr>
-                                        <p:cTn id="42" dur="500"/>
+                                        <p:cTn id="38" dur="500"/>
                                         <p:tgtEl>
                                           <p:spTgt spid="22">
                                             <p:txEl>
@@ -26400,6 +25570,46 @@
                                         </p:tgtEl>
                                       </p:cBhvr>
                                     </p:animEffect>
+                                  </p:childTnLst>
+                                </p:cTn>
+                              </p:par>
+                            </p:childTnLst>
+                          </p:cTn>
+                        </p:par>
+                      </p:childTnLst>
+                    </p:cTn>
+                  </p:par>
+                  <p:par>
+                    <p:cTn id="39" fill="hold">
+                      <p:stCondLst>
+                        <p:cond delay="indefinite"/>
+                      </p:stCondLst>
+                      <p:childTnLst>
+                        <p:par>
+                          <p:cTn id="40" fill="hold">
+                            <p:stCondLst>
+                              <p:cond delay="0"/>
+                            </p:stCondLst>
+                            <p:childTnLst>
+                              <p:par>
+                                <p:cTn id="41" presetID="35" presetClass="path" presetSubtype="0" accel="50000" decel="50000" fill="hold" nodeType="clickEffect">
+                                  <p:stCondLst>
+                                    <p:cond delay="0"/>
+                                  </p:stCondLst>
+                                  <p:childTnLst>
+                                    <p:animMotion origin="layout" path="M -0.65117 3.7037E-7 L -1.0056 3.7037E-7 " pathEditMode="relative" rAng="0" ptsTypes="AA">
+                                      <p:cBhvr>
+                                        <p:cTn id="42" dur="2000" fill="hold"/>
+                                        <p:tgtEl>
+                                          <p:spTgt spid="20"/>
+                                        </p:tgtEl>
+                                        <p:attrNameLst>
+                                          <p:attrName>ppt_x</p:attrName>
+                                          <p:attrName>ppt_y</p:attrName>
+                                        </p:attrNameLst>
+                                      </p:cBhvr>
+                                      <p:rCtr x="-17721" y="0"/>
+                                    </p:animMotion>
                                   </p:childTnLst>
                                 </p:cTn>
                               </p:par>
@@ -26486,6 +25696,1079 @@
                                         </p:tgtEl>
                                       </p:cBhvr>
                                     </p:animEffect>
+                                  </p:childTnLst>
+                                </p:cTn>
+                              </p:par>
+                              <p:par>
+                                <p:cTn id="49" presetID="10" presetClass="entr" presetSubtype="0" fill="hold" nodeType="withEffect">
+                                  <p:stCondLst>
+                                    <p:cond delay="0"/>
+                                  </p:stCondLst>
+                                  <p:childTnLst>
+                                    <p:set>
+                                      <p:cBhvr>
+                                        <p:cTn id="50" dur="1" fill="hold">
+                                          <p:stCondLst>
+                                            <p:cond delay="0"/>
+                                          </p:stCondLst>
+                                        </p:cTn>
+                                        <p:tgtEl>
+                                          <p:spTgt spid="22">
+                                            <p:txEl>
+                                              <p:pRg st="12" end="12"/>
+                                            </p:txEl>
+                                          </p:spTgt>
+                                        </p:tgtEl>
+                                        <p:attrNameLst>
+                                          <p:attrName>style.visibility</p:attrName>
+                                        </p:attrNameLst>
+                                      </p:cBhvr>
+                                      <p:to>
+                                        <p:strVal val="visible"/>
+                                      </p:to>
+                                    </p:set>
+                                    <p:animEffect transition="in" filter="fade">
+                                      <p:cBhvr>
+                                        <p:cTn id="51" dur="500"/>
+                                        <p:tgtEl>
+                                          <p:spTgt spid="22">
+                                            <p:txEl>
+                                              <p:pRg st="12" end="12"/>
+                                            </p:txEl>
+                                          </p:spTgt>
+                                        </p:tgtEl>
+                                      </p:cBhvr>
+                                    </p:animEffect>
+                                  </p:childTnLst>
+                                </p:cTn>
+                              </p:par>
+                            </p:childTnLst>
+                          </p:cTn>
+                        </p:par>
+                      </p:childTnLst>
+                    </p:cTn>
+                  </p:par>
+                </p:childTnLst>
+              </p:cTn>
+              <p:prevCondLst>
+                <p:cond evt="onPrev" delay="0">
+                  <p:tgtEl>
+                    <p:sldTgt/>
+                  </p:tgtEl>
+                </p:cond>
+              </p:prevCondLst>
+              <p:nextCondLst>
+                <p:cond evt="onNext" delay="0">
+                  <p:tgtEl>
+                    <p:sldTgt/>
+                  </p:tgtEl>
+                </p:cond>
+              </p:nextCondLst>
+            </p:seq>
+          </p:childTnLst>
+        </p:cTn>
+      </p:par>
+    </p:tnLst>
+  </p:timing>
+</p:sld>
+</file>
+
+<file path=ppt/slides/slide14.xml><?xml version="1.0" encoding="utf-8"?>
+<p:sld xmlns:a="http://schemas.openxmlformats.org/drawingml/2006/main" xmlns:r="http://schemas.openxmlformats.org/officeDocument/2006/relationships" xmlns:p="http://schemas.openxmlformats.org/presentationml/2006/main" show="0">
+  <p:cSld>
+    <p:spTree>
+      <p:nvGrpSpPr>
+        <p:cNvPr id="1" name=""/>
+        <p:cNvGrpSpPr/>
+        <p:nvPr/>
+      </p:nvGrpSpPr>
+      <p:grpSpPr>
+        <a:xfrm>
+          <a:off x="0" y="0"/>
+          <a:ext cx="0" cy="0"/>
+          <a:chOff x="0" y="0"/>
+          <a:chExt cx="0" cy="0"/>
+        </a:xfrm>
+      </p:grpSpPr>
+      <p:sp>
+        <p:nvSpPr>
+          <p:cNvPr id="2" name="Datumsplatzhalter 1"/>
+          <p:cNvSpPr>
+            <a:spLocks noGrp="1"/>
+          </p:cNvSpPr>
+          <p:nvPr>
+            <p:ph type="dt" sz="half" idx="10"/>
+          </p:nvPr>
+        </p:nvSpPr>
+        <p:spPr/>
+        <p:txBody>
+          <a:bodyPr/>
+          <a:lstStyle/>
+          <a:p>
+            <a:fld id="{34ED33ED-86EF-43E0-BBFC-3F79D10AF08C}" type="datetime1">
+              <a:rPr lang="de-DE" smtClean="0"/>
+              <a:t>16.07.2020</a:t>
+            </a:fld>
+            <a:endParaRPr lang="en-GB"/>
+          </a:p>
+        </p:txBody>
+      </p:sp>
+      <p:sp>
+        <p:nvSpPr>
+          <p:cNvPr id="4" name="Foliennummernplatzhalter 3"/>
+          <p:cNvSpPr>
+            <a:spLocks noGrp="1"/>
+          </p:cNvSpPr>
+          <p:nvPr>
+            <p:ph type="sldNum" sz="quarter" idx="12"/>
+          </p:nvPr>
+        </p:nvSpPr>
+        <p:spPr/>
+        <p:txBody>
+          <a:bodyPr/>
+          <a:lstStyle/>
+          <a:p>
+            <a:r>
+              <a:rPr lang="de-DE" smtClean="0"/>
+              <a:t>  </a:t>
+            </a:r>
+            <a:fld id="{2B4F42BA-C6E3-4D5B-99FA-36163155CEA7}" type="slidenum">
+              <a:rPr lang="de-DE" smtClean="0"/>
+              <a:pPr/>
+              <a:t>14</a:t>
+            </a:fld>
+            <a:endParaRPr lang="de-DE" noProof="0" dirty="0"/>
+          </a:p>
+        </p:txBody>
+      </p:sp>
+      <p:sp>
+        <p:nvSpPr>
+          <p:cNvPr id="5" name="Titel 4"/>
+          <p:cNvSpPr>
+            <a:spLocks noGrp="1"/>
+          </p:cNvSpPr>
+          <p:nvPr>
+            <p:ph type="title"/>
+          </p:nvPr>
+        </p:nvSpPr>
+        <p:spPr>
+          <a:xfrm>
+            <a:off x="371475" y="185631"/>
+            <a:ext cx="10080000" cy="584775"/>
+          </a:xfrm>
+        </p:spPr>
+        <p:txBody>
+          <a:bodyPr/>
+          <a:lstStyle/>
+          <a:p>
+            <a:r>
+              <a:rPr lang="de-DE" dirty="0"/>
+              <a:t>Programm / </a:t>
+            </a:r>
+            <a:r>
+              <a:rPr lang="de-DE" dirty="0" smtClean="0"/>
+              <a:t>System</a:t>
+            </a:r>
+            <a:br>
+              <a:rPr lang="de-DE" dirty="0" smtClean="0"/>
+            </a:br>
+            <a:r>
+              <a:rPr lang="de-DE" sz="1800" dirty="0" smtClean="0"/>
+              <a:t>Anpassung</a:t>
+            </a:r>
+            <a:endParaRPr lang="de-DE" dirty="0"/>
+          </a:p>
+        </p:txBody>
+      </p:sp>
+      <p:sp>
+        <p:nvSpPr>
+          <p:cNvPr id="6" name="Textplatzhalter 5"/>
+          <p:cNvSpPr>
+            <a:spLocks noGrp="1"/>
+          </p:cNvSpPr>
+          <p:nvPr>
+            <p:ph type="body" sz="quarter" idx="15"/>
+          </p:nvPr>
+        </p:nvSpPr>
+        <p:spPr/>
+        <p:txBody>
+          <a:bodyPr/>
+          <a:lstStyle/>
+          <a:p>
+            <a:endParaRPr lang="de-DE"/>
+          </a:p>
+        </p:txBody>
+      </p:sp>
+      <p:pic>
+        <p:nvPicPr>
+          <p:cNvPr id="8" name="Grafik 7"/>
+          <p:cNvPicPr/>
+          <p:nvPr/>
+        </p:nvPicPr>
+        <p:blipFill>
+          <a:blip r:embed="rId2"/>
+          <a:stretch>
+            <a:fillRect/>
+          </a:stretch>
+        </p:blipFill>
+        <p:spPr>
+          <a:xfrm>
+            <a:off x="6419395" y="1340768"/>
+            <a:ext cx="5399405" cy="4688205"/>
+          </a:xfrm>
+          <a:prstGeom prst="rect">
+            <a:avLst/>
+          </a:prstGeom>
+          <a:solidFill>
+            <a:srgbClr val="FFFFFF">
+              <a:shade val="85000"/>
+            </a:srgbClr>
+          </a:solidFill>
+          <a:ln w="88900" cap="sq">
+            <a:solidFill>
+              <a:srgbClr val="FFFFFF"/>
+            </a:solidFill>
+            <a:miter lim="800000"/>
+          </a:ln>
+          <a:effectLst>
+            <a:outerShdw blurRad="55000" dist="18000" dir="5400000" algn="tl" rotWithShape="0">
+              <a:srgbClr val="000000">
+                <a:alpha val="40000"/>
+              </a:srgbClr>
+            </a:outerShdw>
+          </a:effectLst>
+          <a:scene3d>
+            <a:camera prst="orthographicFront"/>
+            <a:lightRig rig="twoPt" dir="t">
+              <a:rot lat="0" lon="0" rev="7200000"/>
+            </a:lightRig>
+          </a:scene3d>
+          <a:sp3d>
+            <a:bevelT w="25400" h="19050"/>
+            <a:contourClr>
+              <a:srgbClr val="FFFFFF"/>
+            </a:contourClr>
+          </a:sp3d>
+        </p:spPr>
+      </p:pic>
+      <p:sp>
+        <p:nvSpPr>
+          <p:cNvPr id="9" name="Textplatzhalter 6">
+            <a:extLst>
+              <a:ext uri="{FF2B5EF4-FFF2-40B4-BE49-F238E27FC236}">
+                <a16:creationId xmlns:a16="http://schemas.microsoft.com/office/drawing/2014/main" id="{8398FA62-3EB0-40B6-869C-87619F543179}"/>
+              </a:ext>
+            </a:extLst>
+          </p:cNvPr>
+          <p:cNvSpPr>
+            <a:spLocks noGrp="1"/>
+          </p:cNvSpPr>
+          <p:nvPr>
+            <p:ph type="body" sz="quarter" idx="17"/>
+          </p:nvPr>
+        </p:nvSpPr>
+        <p:spPr>
+          <a:xfrm>
+            <a:off x="371476" y="1412876"/>
+            <a:ext cx="11448000" cy="1513235"/>
+          </a:xfrm>
+        </p:spPr>
+        <p:txBody>
+          <a:bodyPr/>
+          <a:lstStyle/>
+          <a:p>
+            <a:pPr marL="285750" indent="-285750">
+              <a:buFont typeface="Arial" panose="020B0604020202020204" pitchFamily="34" charset="0"/>
+              <a:buChar char="•"/>
+            </a:pPr>
+            <a:r>
+              <a:rPr lang="de-DE" dirty="0" smtClean="0"/>
+              <a:t>String-Mapping / Validierung</a:t>
+            </a:r>
+            <a:endParaRPr lang="de-DE" dirty="0"/>
+          </a:p>
+          <a:p>
+            <a:pPr marL="465750" lvl="2" indent="-285750"/>
+            <a:r>
+              <a:rPr lang="de-DE" dirty="0" smtClean="0"/>
+              <a:t>Fehleranfällig</a:t>
+            </a:r>
+          </a:p>
+          <a:p>
+            <a:pPr marL="465750" lvl="2" indent="-285750"/>
+            <a:r>
+              <a:rPr lang="de-DE" dirty="0" smtClean="0"/>
+              <a:t>Unübersichtlich</a:t>
+            </a:r>
+          </a:p>
+          <a:p>
+            <a:pPr marL="465750" lvl="2" indent="-285750"/>
+            <a:r>
+              <a:rPr lang="de-DE" dirty="0" err="1" smtClean="0"/>
+              <a:t>Enumerations</a:t>
+            </a:r>
+            <a:r>
+              <a:rPr lang="de-DE" dirty="0" smtClean="0"/>
+              <a:t> für Sammlung von String-Konstanten</a:t>
+            </a:r>
+            <a:endParaRPr lang="de-DE" dirty="0"/>
+          </a:p>
+          <a:p>
+            <a:pPr lvl="3" indent="0">
+              <a:buNone/>
+            </a:pPr>
+            <a:endParaRPr lang="de-DE" dirty="0"/>
+          </a:p>
+        </p:txBody>
+      </p:sp>
+    </p:spTree>
+    <p:extLst>
+      <p:ext uri="{BB962C8B-B14F-4D97-AF65-F5344CB8AC3E}">
+        <p14:creationId xmlns:p14="http://schemas.microsoft.com/office/powerpoint/2010/main" val="54094180"/>
+      </p:ext>
+    </p:extLst>
+  </p:cSld>
+  <p:clrMapOvr>
+    <a:masterClrMapping/>
+  </p:clrMapOvr>
+  <mc:AlternateContent xmlns:mc="http://schemas.openxmlformats.org/markup-compatibility/2006">
+    <mc:Choice xmlns:p14="http://schemas.microsoft.com/office/powerpoint/2010/main" Requires="p14">
+      <p:transition spd="slow" p14:dur="2000"/>
+    </mc:Choice>
+    <mc:Fallback>
+      <p:transition spd="slow"/>
+    </mc:Fallback>
+  </mc:AlternateContent>
+  <p:timing>
+    <p:tnLst>
+      <p:par>
+        <p:cTn id="1" dur="indefinite" restart="never" nodeType="tmRoot">
+          <p:childTnLst>
+            <p:seq concurrent="1" nextAc="seek">
+              <p:cTn id="2" dur="indefinite" nodeType="mainSeq">
+                <p:childTnLst>
+                  <p:par>
+                    <p:cTn id="3" fill="hold">
+                      <p:stCondLst>
+                        <p:cond delay="indefinite"/>
+                        <p:cond evt="onBegin" delay="0">
+                          <p:tn val="2"/>
+                        </p:cond>
+                      </p:stCondLst>
+                      <p:childTnLst>
+                        <p:par>
+                          <p:cTn id="4" fill="hold">
+                            <p:stCondLst>
+                              <p:cond delay="0"/>
+                            </p:stCondLst>
+                            <p:childTnLst>
+                              <p:par>
+                                <p:cTn id="5" presetID="10" presetClass="entr" presetSubtype="0" fill="hold" nodeType="withEffect">
+                                  <p:stCondLst>
+                                    <p:cond delay="0"/>
+                                  </p:stCondLst>
+                                  <p:childTnLst>
+                                    <p:set>
+                                      <p:cBhvr>
+                                        <p:cTn id="6" dur="1" fill="hold">
+                                          <p:stCondLst>
+                                            <p:cond delay="0"/>
+                                          </p:stCondLst>
+                                        </p:cTn>
+                                        <p:tgtEl>
+                                          <p:spTgt spid="8"/>
+                                        </p:tgtEl>
+                                        <p:attrNameLst>
+                                          <p:attrName>style.visibility</p:attrName>
+                                        </p:attrNameLst>
+                                      </p:cBhvr>
+                                      <p:to>
+                                        <p:strVal val="visible"/>
+                                      </p:to>
+                                    </p:set>
+                                    <p:animEffect transition="in" filter="fade">
+                                      <p:cBhvr>
+                                        <p:cTn id="7" dur="500"/>
+                                        <p:tgtEl>
+                                          <p:spTgt spid="8"/>
+                                        </p:tgtEl>
+                                      </p:cBhvr>
+                                    </p:animEffect>
+                                  </p:childTnLst>
+                                </p:cTn>
+                              </p:par>
+                              <p:par>
+                                <p:cTn id="8" presetID="10" presetClass="entr" presetSubtype="0" fill="hold" nodeType="withEffect">
+                                  <p:stCondLst>
+                                    <p:cond delay="0"/>
+                                  </p:stCondLst>
+                                  <p:childTnLst>
+                                    <p:set>
+                                      <p:cBhvr>
+                                        <p:cTn id="9" dur="1" fill="hold">
+                                          <p:stCondLst>
+                                            <p:cond delay="0"/>
+                                          </p:stCondLst>
+                                        </p:cTn>
+                                        <p:tgtEl>
+                                          <p:spTgt spid="9">
+                                            <p:txEl>
+                                              <p:pRg st="0" end="0"/>
+                                            </p:txEl>
+                                          </p:spTgt>
+                                        </p:tgtEl>
+                                        <p:attrNameLst>
+                                          <p:attrName>style.visibility</p:attrName>
+                                        </p:attrNameLst>
+                                      </p:cBhvr>
+                                      <p:to>
+                                        <p:strVal val="visible"/>
+                                      </p:to>
+                                    </p:set>
+                                    <p:animEffect transition="in" filter="fade">
+                                      <p:cBhvr>
+                                        <p:cTn id="10" dur="500"/>
+                                        <p:tgtEl>
+                                          <p:spTgt spid="9">
+                                            <p:txEl>
+                                              <p:pRg st="0" end="0"/>
+                                            </p:txEl>
+                                          </p:spTgt>
+                                        </p:tgtEl>
+                                      </p:cBhvr>
+                                    </p:animEffect>
+                                  </p:childTnLst>
+                                </p:cTn>
+                              </p:par>
+                              <p:par>
+                                <p:cTn id="11" presetID="10" presetClass="entr" presetSubtype="0" fill="hold" nodeType="withEffect">
+                                  <p:stCondLst>
+                                    <p:cond delay="0"/>
+                                  </p:stCondLst>
+                                  <p:childTnLst>
+                                    <p:set>
+                                      <p:cBhvr>
+                                        <p:cTn id="12" dur="1" fill="hold">
+                                          <p:stCondLst>
+                                            <p:cond delay="0"/>
+                                          </p:stCondLst>
+                                        </p:cTn>
+                                        <p:tgtEl>
+                                          <p:spTgt spid="9">
+                                            <p:txEl>
+                                              <p:pRg st="1" end="1"/>
+                                            </p:txEl>
+                                          </p:spTgt>
+                                        </p:tgtEl>
+                                        <p:attrNameLst>
+                                          <p:attrName>style.visibility</p:attrName>
+                                        </p:attrNameLst>
+                                      </p:cBhvr>
+                                      <p:to>
+                                        <p:strVal val="visible"/>
+                                      </p:to>
+                                    </p:set>
+                                    <p:animEffect transition="in" filter="fade">
+                                      <p:cBhvr>
+                                        <p:cTn id="13" dur="500"/>
+                                        <p:tgtEl>
+                                          <p:spTgt spid="9">
+                                            <p:txEl>
+                                              <p:pRg st="1" end="1"/>
+                                            </p:txEl>
+                                          </p:spTgt>
+                                        </p:tgtEl>
+                                      </p:cBhvr>
+                                    </p:animEffect>
+                                  </p:childTnLst>
+                                </p:cTn>
+                              </p:par>
+                              <p:par>
+                                <p:cTn id="14" presetID="10" presetClass="entr" presetSubtype="0" fill="hold" nodeType="withEffect">
+                                  <p:stCondLst>
+                                    <p:cond delay="0"/>
+                                  </p:stCondLst>
+                                  <p:childTnLst>
+                                    <p:set>
+                                      <p:cBhvr>
+                                        <p:cTn id="15" dur="1" fill="hold">
+                                          <p:stCondLst>
+                                            <p:cond delay="0"/>
+                                          </p:stCondLst>
+                                        </p:cTn>
+                                        <p:tgtEl>
+                                          <p:spTgt spid="9">
+                                            <p:txEl>
+                                              <p:pRg st="2" end="2"/>
+                                            </p:txEl>
+                                          </p:spTgt>
+                                        </p:tgtEl>
+                                        <p:attrNameLst>
+                                          <p:attrName>style.visibility</p:attrName>
+                                        </p:attrNameLst>
+                                      </p:cBhvr>
+                                      <p:to>
+                                        <p:strVal val="visible"/>
+                                      </p:to>
+                                    </p:set>
+                                    <p:animEffect transition="in" filter="fade">
+                                      <p:cBhvr>
+                                        <p:cTn id="16" dur="500"/>
+                                        <p:tgtEl>
+                                          <p:spTgt spid="9">
+                                            <p:txEl>
+                                              <p:pRg st="2" end="2"/>
+                                            </p:txEl>
+                                          </p:spTgt>
+                                        </p:tgtEl>
+                                      </p:cBhvr>
+                                    </p:animEffect>
+                                  </p:childTnLst>
+                                </p:cTn>
+                              </p:par>
+                              <p:par>
+                                <p:cTn id="17" presetID="10" presetClass="entr" presetSubtype="0" fill="hold" nodeType="withEffect">
+                                  <p:stCondLst>
+                                    <p:cond delay="0"/>
+                                  </p:stCondLst>
+                                  <p:childTnLst>
+                                    <p:set>
+                                      <p:cBhvr>
+                                        <p:cTn id="18" dur="1" fill="hold">
+                                          <p:stCondLst>
+                                            <p:cond delay="0"/>
+                                          </p:stCondLst>
+                                        </p:cTn>
+                                        <p:tgtEl>
+                                          <p:spTgt spid="9">
+                                            <p:txEl>
+                                              <p:pRg st="3" end="3"/>
+                                            </p:txEl>
+                                          </p:spTgt>
+                                        </p:tgtEl>
+                                        <p:attrNameLst>
+                                          <p:attrName>style.visibility</p:attrName>
+                                        </p:attrNameLst>
+                                      </p:cBhvr>
+                                      <p:to>
+                                        <p:strVal val="visible"/>
+                                      </p:to>
+                                    </p:set>
+                                    <p:animEffect transition="in" filter="fade">
+                                      <p:cBhvr>
+                                        <p:cTn id="19" dur="500"/>
+                                        <p:tgtEl>
+                                          <p:spTgt spid="9">
+                                            <p:txEl>
+                                              <p:pRg st="3" end="3"/>
+                                            </p:txEl>
+                                          </p:spTgt>
+                                        </p:tgtEl>
+                                      </p:cBhvr>
+                                    </p:animEffect>
+                                  </p:childTnLst>
+                                </p:cTn>
+                              </p:par>
+                            </p:childTnLst>
+                          </p:cTn>
+                        </p:par>
+                      </p:childTnLst>
+                    </p:cTn>
+                  </p:par>
+                </p:childTnLst>
+              </p:cTn>
+              <p:prevCondLst>
+                <p:cond evt="onPrev" delay="0">
+                  <p:tgtEl>
+                    <p:sldTgt/>
+                  </p:tgtEl>
+                </p:cond>
+              </p:prevCondLst>
+              <p:nextCondLst>
+                <p:cond evt="onNext" delay="0">
+                  <p:tgtEl>
+                    <p:sldTgt/>
+                  </p:tgtEl>
+                </p:cond>
+              </p:nextCondLst>
+            </p:seq>
+          </p:childTnLst>
+        </p:cTn>
+      </p:par>
+    </p:tnLst>
+  </p:timing>
+</p:sld>
+</file>
+
+<file path=ppt/slides/slide15.xml><?xml version="1.0" encoding="utf-8"?>
+<p:sld xmlns:a="http://schemas.openxmlformats.org/drawingml/2006/main" xmlns:r="http://schemas.openxmlformats.org/officeDocument/2006/relationships" xmlns:p="http://schemas.openxmlformats.org/presentationml/2006/main">
+  <p:cSld>
+    <p:spTree>
+      <p:nvGrpSpPr>
+        <p:cNvPr id="1" name=""/>
+        <p:cNvGrpSpPr/>
+        <p:nvPr/>
+      </p:nvGrpSpPr>
+      <p:grpSpPr>
+        <a:xfrm>
+          <a:off x="0" y="0"/>
+          <a:ext cx="0" cy="0"/>
+          <a:chOff x="0" y="0"/>
+          <a:chExt cx="0" cy="0"/>
+        </a:xfrm>
+      </p:grpSpPr>
+      <p:sp>
+        <p:nvSpPr>
+          <p:cNvPr id="2" name="Datumsplatzhalter 1">
+            <a:extLst>
+              <a:ext uri="{FF2B5EF4-FFF2-40B4-BE49-F238E27FC236}">
+                <a16:creationId xmlns:a16="http://schemas.microsoft.com/office/drawing/2014/main" id="{C13890A2-D96B-4ACC-8910-3CE6815AB2E7}"/>
+              </a:ext>
+            </a:extLst>
+          </p:cNvPr>
+          <p:cNvSpPr>
+            <a:spLocks noGrp="1"/>
+          </p:cNvSpPr>
+          <p:nvPr>
+            <p:ph type="dt" sz="half" idx="10"/>
+          </p:nvPr>
+        </p:nvSpPr>
+        <p:spPr/>
+        <p:txBody>
+          <a:bodyPr/>
+          <a:lstStyle/>
+          <a:p>
+            <a:fld id="{34ED33ED-86EF-43E0-BBFC-3F79D10AF08C}" type="datetime1">
+              <a:rPr lang="de-DE" smtClean="0"/>
+              <a:t>16.07.2020</a:t>
+            </a:fld>
+            <a:endParaRPr lang="en-GB" dirty="0"/>
+          </a:p>
+        </p:txBody>
+      </p:sp>
+      <p:sp>
+        <p:nvSpPr>
+          <p:cNvPr id="4" name="Foliennummernplatzhalter 3">
+            <a:extLst>
+              <a:ext uri="{FF2B5EF4-FFF2-40B4-BE49-F238E27FC236}">
+                <a16:creationId xmlns:a16="http://schemas.microsoft.com/office/drawing/2014/main" id="{C55B4464-5C32-4CAC-B095-F53846C749AE}"/>
+              </a:ext>
+            </a:extLst>
+          </p:cNvPr>
+          <p:cNvSpPr>
+            <a:spLocks noGrp="1"/>
+          </p:cNvSpPr>
+          <p:nvPr>
+            <p:ph type="sldNum" sz="quarter" idx="12"/>
+          </p:nvPr>
+        </p:nvSpPr>
+        <p:spPr/>
+        <p:txBody>
+          <a:bodyPr/>
+          <a:lstStyle/>
+          <a:p>
+            <a:r>
+              <a:rPr lang="de-DE"/>
+              <a:t>  </a:t>
+            </a:r>
+            <a:fld id="{2B4F42BA-C6E3-4D5B-99FA-36163155CEA7}" type="slidenum">
+              <a:rPr lang="de-DE" smtClean="0"/>
+              <a:pPr/>
+              <a:t>15</a:t>
+            </a:fld>
+            <a:endParaRPr lang="de-DE" noProof="0" dirty="0"/>
+          </a:p>
+        </p:txBody>
+      </p:sp>
+      <p:sp>
+        <p:nvSpPr>
+          <p:cNvPr id="5" name="Titel 4">
+            <a:extLst>
+              <a:ext uri="{FF2B5EF4-FFF2-40B4-BE49-F238E27FC236}">
+                <a16:creationId xmlns:a16="http://schemas.microsoft.com/office/drawing/2014/main" id="{19FB13C9-6243-4630-8E2E-5B8FD1AE5129}"/>
+              </a:ext>
+            </a:extLst>
+          </p:cNvPr>
+          <p:cNvSpPr>
+            <a:spLocks noGrp="1"/>
+          </p:cNvSpPr>
+          <p:nvPr>
+            <p:ph type="title"/>
+          </p:nvPr>
+        </p:nvSpPr>
+        <p:spPr>
+          <a:xfrm>
+            <a:off x="440854" y="218363"/>
+            <a:ext cx="10080000" cy="584775"/>
+          </a:xfrm>
+        </p:spPr>
+        <p:txBody>
+          <a:bodyPr/>
+          <a:lstStyle/>
+          <a:p>
+            <a:r>
+              <a:rPr lang="de-DE" dirty="0"/>
+              <a:t>Programm / System</a:t>
+            </a:r>
+            <a:br>
+              <a:rPr lang="de-DE" dirty="0"/>
+            </a:br>
+            <a:r>
+              <a:rPr lang="de-DE" sz="1800" dirty="0"/>
+              <a:t>Datenfluss</a:t>
+            </a:r>
+            <a:endParaRPr lang="de-DE" dirty="0"/>
+          </a:p>
+        </p:txBody>
+      </p:sp>
+      <p:sp>
+        <p:nvSpPr>
+          <p:cNvPr id="6" name="Textplatzhalter 5">
+            <a:extLst>
+              <a:ext uri="{FF2B5EF4-FFF2-40B4-BE49-F238E27FC236}">
+                <a16:creationId xmlns:a16="http://schemas.microsoft.com/office/drawing/2014/main" id="{69DDCCF1-469C-42B3-9388-15999E6415F4}"/>
+              </a:ext>
+            </a:extLst>
+          </p:cNvPr>
+          <p:cNvSpPr>
+            <a:spLocks noGrp="1"/>
+          </p:cNvSpPr>
+          <p:nvPr>
+            <p:ph type="body" sz="quarter" idx="15"/>
+          </p:nvPr>
+        </p:nvSpPr>
+        <p:spPr/>
+        <p:txBody>
+          <a:bodyPr/>
+          <a:lstStyle/>
+          <a:p>
+            <a:endParaRPr lang="de-DE"/>
+          </a:p>
+        </p:txBody>
+      </p:sp>
+      <p:cxnSp>
+        <p:nvCxnSpPr>
+          <p:cNvPr id="10" name="Gerader Verbinder 9">
+            <a:extLst>
+              <a:ext uri="{FF2B5EF4-FFF2-40B4-BE49-F238E27FC236}">
+                <a16:creationId xmlns:a16="http://schemas.microsoft.com/office/drawing/2014/main" id="{828D2394-2B60-4AF8-997C-C6DB873279AF}"/>
+              </a:ext>
+            </a:extLst>
+          </p:cNvPr>
+          <p:cNvCxnSpPr/>
+          <p:nvPr/>
+        </p:nvCxnSpPr>
+        <p:spPr>
+          <a:xfrm>
+            <a:off x="2783632" y="6858000"/>
+            <a:ext cx="8755196" cy="0"/>
+          </a:xfrm>
+          <a:prstGeom prst="line">
+            <a:avLst/>
+          </a:prstGeom>
+          <a:ln w="9525"/>
+        </p:spPr>
+        <p:style>
+          <a:lnRef idx="1">
+            <a:schemeClr val="accent1"/>
+          </a:lnRef>
+          <a:fillRef idx="0">
+            <a:schemeClr val="accent1"/>
+          </a:fillRef>
+          <a:effectRef idx="0">
+            <a:schemeClr val="accent1"/>
+          </a:effectRef>
+          <a:fontRef idx="minor">
+            <a:schemeClr val="tx1"/>
+          </a:fontRef>
+        </p:style>
+      </p:cxnSp>
+      <p:pic>
+        <p:nvPicPr>
+          <p:cNvPr id="12" name="Grafik 11">
+            <a:extLst>
+              <a:ext uri="{FF2B5EF4-FFF2-40B4-BE49-F238E27FC236}">
+                <a16:creationId xmlns:a16="http://schemas.microsoft.com/office/drawing/2014/main" id="{5411B075-355D-4594-8151-C8CD3FDF434F}"/>
+              </a:ext>
+            </a:extLst>
+          </p:cNvPr>
+          <p:cNvPicPr/>
+          <p:nvPr/>
+        </p:nvPicPr>
+        <p:blipFill>
+          <a:blip r:embed="rId3">
+            <a:extLst>
+              <a:ext uri="{28A0092B-C50C-407E-A947-70E740481C1C}">
+                <a14:useLocalDpi xmlns:a14="http://schemas.microsoft.com/office/drawing/2010/main" val="0"/>
+              </a:ext>
+            </a:extLst>
+          </a:blip>
+          <a:stretch>
+            <a:fillRect/>
+          </a:stretch>
+        </p:blipFill>
+        <p:spPr bwMode="auto">
+          <a:xfrm>
+            <a:off x="3503712" y="1415115"/>
+            <a:ext cx="5771639" cy="9862757"/>
+          </a:xfrm>
+          <a:prstGeom prst="rect">
+            <a:avLst/>
+          </a:prstGeom>
+          <a:noFill/>
+          <a:ln>
+            <a:noFill/>
+          </a:ln>
+          <a:extLst>
+            <a:ext uri="{53640926-AAD7-44D8-BBD7-CCE9431645EC}">
+              <a14:shadowObscured xmlns:a14="http://schemas.microsoft.com/office/drawing/2010/main"/>
+            </a:ext>
+          </a:extLst>
+        </p:spPr>
+      </p:pic>
+      <p:sp>
+        <p:nvSpPr>
+          <p:cNvPr id="8" name="Rechteck 7">
+            <a:extLst>
+              <a:ext uri="{FF2B5EF4-FFF2-40B4-BE49-F238E27FC236}">
+                <a16:creationId xmlns:a16="http://schemas.microsoft.com/office/drawing/2014/main" id="{FA5EA153-64F2-478E-B607-03249B46BED9}"/>
+              </a:ext>
+            </a:extLst>
+          </p:cNvPr>
+          <p:cNvSpPr/>
+          <p:nvPr/>
+        </p:nvSpPr>
+        <p:spPr>
+          <a:xfrm>
+            <a:off x="2999656" y="0"/>
+            <a:ext cx="7128792" cy="1124744"/>
+          </a:xfrm>
+          <a:prstGeom prst="rect">
+            <a:avLst/>
+          </a:prstGeom>
+          <a:solidFill>
+            <a:schemeClr val="accent1"/>
+          </a:solidFill>
+          <a:ln>
+            <a:noFill/>
+          </a:ln>
+        </p:spPr>
+        <p:style>
+          <a:lnRef idx="2">
+            <a:schemeClr val="accent1">
+              <a:shade val="50000"/>
+            </a:schemeClr>
+          </a:lnRef>
+          <a:fillRef idx="1">
+            <a:schemeClr val="accent1"/>
+          </a:fillRef>
+          <a:effectRef idx="0">
+            <a:schemeClr val="accent1"/>
+          </a:effectRef>
+          <a:fontRef idx="minor">
+            <a:schemeClr val="lt1"/>
+          </a:fontRef>
+        </p:style>
+        <p:txBody>
+          <a:bodyPr rtlCol="0" anchor="t"/>
+          <a:lstStyle/>
+          <a:p>
+            <a:pPr algn="l">
+              <a:spcBef>
+                <a:spcPts val="600"/>
+              </a:spcBef>
+              <a:buClr>
+                <a:schemeClr val="accent1"/>
+              </a:buClr>
+            </a:pPr>
+            <a:endParaRPr lang="de-DE" sz="1600" dirty="0" err="1">
+              <a:solidFill>
+                <a:schemeClr val="tx1"/>
+              </a:solidFill>
+            </a:endParaRPr>
+          </a:p>
+        </p:txBody>
+      </p:sp>
+      <p:sp>
+        <p:nvSpPr>
+          <p:cNvPr id="15" name="Rechteck 14">
+            <a:extLst>
+              <a:ext uri="{FF2B5EF4-FFF2-40B4-BE49-F238E27FC236}">
+                <a16:creationId xmlns:a16="http://schemas.microsoft.com/office/drawing/2014/main" id="{139352A1-E4B6-4FE4-A1EB-7287CA049C22}"/>
+              </a:ext>
+            </a:extLst>
+          </p:cNvPr>
+          <p:cNvSpPr/>
+          <p:nvPr/>
+        </p:nvSpPr>
+        <p:spPr>
+          <a:xfrm>
+            <a:off x="3503712" y="5733256"/>
+            <a:ext cx="6984776" cy="1124744"/>
+          </a:xfrm>
+          <a:prstGeom prst="rect">
+            <a:avLst/>
+          </a:prstGeom>
+          <a:solidFill>
+            <a:schemeClr val="bg1"/>
+          </a:solidFill>
+          <a:ln>
+            <a:noFill/>
+          </a:ln>
+        </p:spPr>
+        <p:style>
+          <a:lnRef idx="2">
+            <a:schemeClr val="accent1">
+              <a:shade val="50000"/>
+            </a:schemeClr>
+          </a:lnRef>
+          <a:fillRef idx="1">
+            <a:schemeClr val="accent1"/>
+          </a:fillRef>
+          <a:effectRef idx="0">
+            <a:schemeClr val="accent1"/>
+          </a:effectRef>
+          <a:fontRef idx="minor">
+            <a:schemeClr val="lt1"/>
+          </a:fontRef>
+        </p:style>
+        <p:txBody>
+          <a:bodyPr rtlCol="0" anchor="t"/>
+          <a:lstStyle/>
+          <a:p>
+            <a:pPr algn="l">
+              <a:spcBef>
+                <a:spcPts val="600"/>
+              </a:spcBef>
+              <a:buClr>
+                <a:schemeClr val="accent1"/>
+              </a:buClr>
+            </a:pPr>
+            <a:endParaRPr lang="de-DE" sz="1600" dirty="0" err="1">
+              <a:solidFill>
+                <a:schemeClr val="tx1"/>
+              </a:solidFill>
+            </a:endParaRPr>
+          </a:p>
+        </p:txBody>
+      </p:sp>
+      <p:sp>
+        <p:nvSpPr>
+          <p:cNvPr id="17" name="Rechteck 16">
+            <a:extLst>
+              <a:ext uri="{FF2B5EF4-FFF2-40B4-BE49-F238E27FC236}">
+                <a16:creationId xmlns:a16="http://schemas.microsoft.com/office/drawing/2014/main" id="{AC59E3B2-570A-4DC0-B223-35A63D84EECC}"/>
+              </a:ext>
+            </a:extLst>
+          </p:cNvPr>
+          <p:cNvSpPr/>
+          <p:nvPr/>
+        </p:nvSpPr>
+        <p:spPr>
+          <a:xfrm>
+            <a:off x="3007296" y="1124745"/>
+            <a:ext cx="7128792" cy="188640"/>
+          </a:xfrm>
+          <a:prstGeom prst="rect">
+            <a:avLst/>
+          </a:prstGeom>
+          <a:solidFill>
+            <a:schemeClr val="bg1"/>
+          </a:solidFill>
+          <a:ln>
+            <a:solidFill>
+              <a:schemeClr val="bg1"/>
+            </a:solidFill>
+          </a:ln>
+        </p:spPr>
+        <p:style>
+          <a:lnRef idx="2">
+            <a:schemeClr val="accent1">
+              <a:shade val="50000"/>
+            </a:schemeClr>
+          </a:lnRef>
+          <a:fillRef idx="1">
+            <a:schemeClr val="accent1"/>
+          </a:fillRef>
+          <a:effectRef idx="0">
+            <a:schemeClr val="accent1"/>
+          </a:effectRef>
+          <a:fontRef idx="minor">
+            <a:schemeClr val="lt1"/>
+          </a:fontRef>
+        </p:style>
+        <p:txBody>
+          <a:bodyPr rtlCol="0" anchor="t"/>
+          <a:lstStyle/>
+          <a:p>
+            <a:pPr algn="l">
+              <a:spcBef>
+                <a:spcPts val="600"/>
+              </a:spcBef>
+              <a:buClr>
+                <a:schemeClr val="accent1"/>
+              </a:buClr>
+            </a:pPr>
+            <a:endParaRPr lang="de-DE" sz="1600" dirty="0" err="1">
+              <a:solidFill>
+                <a:schemeClr val="tx1"/>
+              </a:solidFill>
+            </a:endParaRPr>
+          </a:p>
+        </p:txBody>
+      </p:sp>
+    </p:spTree>
+    <p:extLst>
+      <p:ext uri="{BB962C8B-B14F-4D97-AF65-F5344CB8AC3E}">
+        <p14:creationId xmlns:p14="http://schemas.microsoft.com/office/powerpoint/2010/main" val="2308235920"/>
+      </p:ext>
+    </p:extLst>
+  </p:cSld>
+  <p:clrMapOvr>
+    <a:masterClrMapping/>
+  </p:clrMapOvr>
+  <p:transition spd="slow">
+    <p:push/>
+  </p:transition>
+  <p:timing>
+    <p:tnLst>
+      <p:par>
+        <p:cTn id="1" dur="indefinite" restart="never" nodeType="tmRoot">
+          <p:childTnLst>
+            <p:seq concurrent="1" nextAc="seek">
+              <p:cTn id="2" dur="indefinite" nodeType="mainSeq">
+                <p:childTnLst>
+                  <p:par>
+                    <p:cTn id="3" fill="hold">
+                      <p:stCondLst>
+                        <p:cond delay="indefinite"/>
+                      </p:stCondLst>
+                      <p:childTnLst>
+                        <p:par>
+                          <p:cTn id="4" fill="hold">
+                            <p:stCondLst>
+                              <p:cond delay="0"/>
+                            </p:stCondLst>
+                            <p:childTnLst>
+                              <p:par>
+                                <p:cTn id="5" presetID="64" presetClass="path" presetSubtype="0" accel="50000" decel="50000" fill="hold" nodeType="clickEffect">
+                                  <p:stCondLst>
+                                    <p:cond delay="0"/>
+                                  </p:stCondLst>
+                                  <p:childTnLst>
+                                    <p:animMotion origin="layout" path="M 2.29167E-6 4.44444E-6 L 1.45833E-6 -0.53333 " pathEditMode="relative" rAng="0" ptsTypes="AA">
+                                      <p:cBhvr>
+                                        <p:cTn id="6" dur="2000" fill="hold"/>
+                                        <p:tgtEl>
+                                          <p:spTgt spid="12"/>
+                                        </p:tgtEl>
+                                        <p:attrNameLst>
+                                          <p:attrName>ppt_x</p:attrName>
+                                          <p:attrName>ppt_y</p:attrName>
+                                        </p:attrNameLst>
+                                      </p:cBhvr>
+                                      <p:rCtr x="26" y="-26944"/>
+                                    </p:animMotion>
                                   </p:childTnLst>
                                 </p:cTn>
                               </p:par>
@@ -26611,6 +26894,13 @@
   <p:transition spd="slow">
     <p:push dir="u"/>
   </p:transition>
+  <p:timing>
+    <p:tnLst>
+      <p:par>
+        <p:cTn id="1" dur="indefinite" restart="never" nodeType="tmRoot"/>
+      </p:par>
+    </p:tnLst>
+  </p:timing>
 </p:sld>
 </file>
 
@@ -26654,7 +26944,7 @@
           <a:p>
             <a:fld id="{34ED33ED-86EF-43E0-BBFC-3F79D10AF08C}" type="datetime1">
               <a:rPr lang="de-DE" smtClean="0"/>
-              <a:t>15.07.2020</a:t>
+              <a:t>16.07.2020</a:t>
             </a:fld>
             <a:endParaRPr lang="en-GB" dirty="0"/>
           </a:p>
@@ -27559,38 +27849,9 @@
           <a:p>
             <a:fld id="{34ED33ED-86EF-43E0-BBFC-3F79D10AF08C}" type="datetime1">
               <a:rPr lang="de-DE" smtClean="0"/>
-              <a:t>15.07.2020</a:t>
+              <a:t>16.07.2020</a:t>
             </a:fld>
             <a:endParaRPr lang="en-GB"/>
-          </a:p>
-        </p:txBody>
-      </p:sp>
-      <p:sp>
-        <p:nvSpPr>
-          <p:cNvPr id="3" name="Fußzeilenplatzhalter 2">
-            <a:extLst>
-              <a:ext uri="{FF2B5EF4-FFF2-40B4-BE49-F238E27FC236}">
-                <a16:creationId xmlns:a16="http://schemas.microsoft.com/office/drawing/2014/main" id="{6E4D3824-E59C-42CE-B68C-9347EE223F66}"/>
-              </a:ext>
-            </a:extLst>
-          </p:cNvPr>
-          <p:cNvSpPr>
-            <a:spLocks noGrp="1"/>
-          </p:cNvSpPr>
-          <p:nvPr>
-            <p:ph type="ftr" sz="quarter" idx="11"/>
-          </p:nvPr>
-        </p:nvSpPr>
-        <p:spPr/>
-        <p:txBody>
-          <a:bodyPr/>
-          <a:lstStyle/>
-          <a:p>
-            <a:r>
-              <a:rPr lang="de-DE" noProof="0"/>
-              <a:t>|  | Prüfungsnummer:</a:t>
-            </a:r>
-            <a:endParaRPr lang="de-DE" noProof="0" dirty="0"/>
           </a:p>
         </p:txBody>
       </p:sp>
@@ -27771,6 +28032,13 @@
   <p:clrMapOvr>
     <a:masterClrMapping/>
   </p:clrMapOvr>
+  <p:timing>
+    <p:tnLst>
+      <p:par>
+        <p:cTn id="1" dur="indefinite" restart="never" nodeType="tmRoot"/>
+      </p:par>
+    </p:tnLst>
+  </p:timing>
 </p:sld>
 </file>
 
@@ -27814,38 +28082,9 @@
           <a:p>
             <a:fld id="{34ED33ED-86EF-43E0-BBFC-3F79D10AF08C}" type="datetime1">
               <a:rPr lang="de-DE" smtClean="0"/>
-              <a:t>15.07.2020</a:t>
+              <a:t>16.07.2020</a:t>
             </a:fld>
             <a:endParaRPr lang="en-GB"/>
-          </a:p>
-        </p:txBody>
-      </p:sp>
-      <p:sp>
-        <p:nvSpPr>
-          <p:cNvPr id="3" name="Fußzeilenplatzhalter 2">
-            <a:extLst>
-              <a:ext uri="{FF2B5EF4-FFF2-40B4-BE49-F238E27FC236}">
-                <a16:creationId xmlns:a16="http://schemas.microsoft.com/office/drawing/2014/main" id="{6E4D3824-E59C-42CE-B68C-9347EE223F66}"/>
-              </a:ext>
-            </a:extLst>
-          </p:cNvPr>
-          <p:cNvSpPr>
-            <a:spLocks noGrp="1"/>
-          </p:cNvSpPr>
-          <p:nvPr>
-            <p:ph type="ftr" sz="quarter" idx="11"/>
-          </p:nvPr>
-        </p:nvSpPr>
-        <p:spPr/>
-        <p:txBody>
-          <a:bodyPr/>
-          <a:lstStyle/>
-          <a:p>
-            <a:r>
-              <a:rPr lang="de-DE" noProof="0"/>
-              <a:t>|  | Prüfungsnummer:</a:t>
-            </a:r>
-            <a:endParaRPr lang="de-DE" noProof="0" dirty="0"/>
           </a:p>
         </p:txBody>
       </p:sp>
@@ -28026,6 +28265,13 @@
   <p:clrMapOvr>
     <a:masterClrMapping/>
   </p:clrMapOvr>
+  <p:timing>
+    <p:tnLst>
+      <p:par>
+        <p:cTn id="1" dur="indefinite" restart="never" nodeType="tmRoot"/>
+      </p:par>
+    </p:tnLst>
+  </p:timing>
 </p:sld>
 </file>
 
@@ -28274,7 +28520,7 @@
           <a:graphicData uri="http://schemas.openxmlformats.org/presentationml/2006/ole">
             <mc:AlternateContent xmlns:mc="http://schemas.openxmlformats.org/markup-compatibility/2006">
               <mc:Choice xmlns:v="urn:schemas-microsoft-com:vml" Requires="v">
-                <p:oleObj spid="_x0000_s1153" name="think-cell Folie" r:id="rId7" imgW="344" imgH="345" progId="TCLayout.ActiveDocument.1">
+                <p:oleObj spid="_x0000_s1164" name="think-cell Folie" r:id="rId7" imgW="344" imgH="345" progId="TCLayout.ActiveDocument.1">
                   <p:embed/>
                 </p:oleObj>
               </mc:Choice>
@@ -28392,6 +28638,13 @@
   <p:transition spd="slow">
     <p:push dir="u"/>
   </p:transition>
+  <p:timing>
+    <p:tnLst>
+      <p:par>
+        <p:cTn id="1" dur="indefinite" restart="never" nodeType="tmRoot"/>
+      </p:par>
+    </p:tnLst>
+  </p:timing>
 </p:sld>
 </file>
 
@@ -28483,10 +28736,1388 @@
   <p:clrMapOvr>
     <a:masterClrMapping/>
   </p:clrMapOvr>
+  <p:timing>
+    <p:tnLst>
+      <p:par>
+        <p:cTn id="1" dur="indefinite" restart="never" nodeType="tmRoot"/>
+      </p:par>
+    </p:tnLst>
+  </p:timing>
 </p:sld>
 </file>
 
 <file path=ppt/slides/slide21.xml><?xml version="1.0" encoding="utf-8"?>
+<p:sld xmlns:a="http://schemas.openxmlformats.org/drawingml/2006/main" xmlns:r="http://schemas.openxmlformats.org/officeDocument/2006/relationships" xmlns:p="http://schemas.openxmlformats.org/presentationml/2006/main">
+  <p:cSld>
+    <p:spTree>
+      <p:nvGrpSpPr>
+        <p:cNvPr id="1" name=""/>
+        <p:cNvGrpSpPr/>
+        <p:nvPr/>
+      </p:nvGrpSpPr>
+      <p:grpSpPr>
+        <a:xfrm>
+          <a:off x="0" y="0"/>
+          <a:ext cx="0" cy="0"/>
+          <a:chOff x="0" y="0"/>
+          <a:chExt cx="0" cy="0"/>
+        </a:xfrm>
+      </p:grpSpPr>
+      <p:sp>
+        <p:nvSpPr>
+          <p:cNvPr id="2" name="Datumsplatzhalter 1">
+            <a:extLst>
+              <a:ext uri="{FF2B5EF4-FFF2-40B4-BE49-F238E27FC236}">
+                <a16:creationId xmlns:a16="http://schemas.microsoft.com/office/drawing/2014/main" id="{3FC1DBFF-5F28-44E4-8F9A-7E420CC9C46E}"/>
+              </a:ext>
+            </a:extLst>
+          </p:cNvPr>
+          <p:cNvSpPr>
+            <a:spLocks noGrp="1"/>
+          </p:cNvSpPr>
+          <p:nvPr>
+            <p:ph type="dt" sz="half" idx="10"/>
+          </p:nvPr>
+        </p:nvSpPr>
+        <p:spPr/>
+        <p:txBody>
+          <a:bodyPr/>
+          <a:lstStyle/>
+          <a:p>
+            <a:fld id="{34ED33ED-86EF-43E0-BBFC-3F79D10AF08C}" type="datetime1">
+              <a:rPr lang="de-DE" smtClean="0"/>
+              <a:t>16.07.2020</a:t>
+            </a:fld>
+            <a:endParaRPr lang="en-GB" dirty="0"/>
+          </a:p>
+        </p:txBody>
+      </p:sp>
+      <p:sp>
+        <p:nvSpPr>
+          <p:cNvPr id="4" name="Foliennummernplatzhalter 3">
+            <a:extLst>
+              <a:ext uri="{FF2B5EF4-FFF2-40B4-BE49-F238E27FC236}">
+                <a16:creationId xmlns:a16="http://schemas.microsoft.com/office/drawing/2014/main" id="{E6B0317D-3774-4AE7-8870-328202E0E524}"/>
+              </a:ext>
+            </a:extLst>
+          </p:cNvPr>
+          <p:cNvSpPr>
+            <a:spLocks noGrp="1"/>
+          </p:cNvSpPr>
+          <p:nvPr>
+            <p:ph type="sldNum" sz="quarter" idx="12"/>
+          </p:nvPr>
+        </p:nvSpPr>
+        <p:spPr/>
+        <p:txBody>
+          <a:bodyPr/>
+          <a:lstStyle/>
+          <a:p>
+            <a:r>
+              <a:rPr lang="de-DE"/>
+              <a:t>  </a:t>
+            </a:r>
+            <a:fld id="{2B4F42BA-C6E3-4D5B-99FA-36163155CEA7}" type="slidenum">
+              <a:rPr lang="de-DE" smtClean="0"/>
+              <a:pPr/>
+              <a:t>21</a:t>
+            </a:fld>
+            <a:endParaRPr lang="de-DE" noProof="0" dirty="0"/>
+          </a:p>
+        </p:txBody>
+      </p:sp>
+      <p:sp>
+        <p:nvSpPr>
+          <p:cNvPr id="5" name="Titel 4">
+            <a:extLst>
+              <a:ext uri="{FF2B5EF4-FFF2-40B4-BE49-F238E27FC236}">
+                <a16:creationId xmlns:a16="http://schemas.microsoft.com/office/drawing/2014/main" id="{A2A90DB4-0961-441E-8CED-D1BB66C3CF5B}"/>
+              </a:ext>
+            </a:extLst>
+          </p:cNvPr>
+          <p:cNvSpPr>
+            <a:spLocks noGrp="1"/>
+          </p:cNvSpPr>
+          <p:nvPr>
+            <p:ph type="title"/>
+          </p:nvPr>
+        </p:nvSpPr>
+        <p:spPr>
+          <a:xfrm>
+            <a:off x="371475" y="185631"/>
+            <a:ext cx="10080000" cy="584775"/>
+          </a:xfrm>
+        </p:spPr>
+        <p:txBody>
+          <a:bodyPr/>
+          <a:lstStyle/>
+          <a:p>
+            <a:r>
+              <a:rPr lang="de-DE" dirty="0" smtClean="0"/>
+              <a:t>Ergebnisinterpretation und Ausblick</a:t>
+            </a:r>
+            <a:br>
+              <a:rPr lang="de-DE" dirty="0" smtClean="0"/>
+            </a:br>
+            <a:r>
+              <a:rPr lang="de-DE" sz="1800" dirty="0" smtClean="0"/>
+              <a:t>Bewertung</a:t>
+            </a:r>
+            <a:endParaRPr lang="de-DE" dirty="0"/>
+          </a:p>
+        </p:txBody>
+      </p:sp>
+      <p:sp>
+        <p:nvSpPr>
+          <p:cNvPr id="6" name="Textplatzhalter 5">
+            <a:extLst>
+              <a:ext uri="{FF2B5EF4-FFF2-40B4-BE49-F238E27FC236}">
+                <a16:creationId xmlns:a16="http://schemas.microsoft.com/office/drawing/2014/main" id="{A8650036-2E09-4A24-B6F9-ED2762BE3360}"/>
+              </a:ext>
+            </a:extLst>
+          </p:cNvPr>
+          <p:cNvSpPr>
+            <a:spLocks noGrp="1"/>
+          </p:cNvSpPr>
+          <p:nvPr>
+            <p:ph type="body" sz="quarter" idx="15"/>
+          </p:nvPr>
+        </p:nvSpPr>
+        <p:spPr/>
+        <p:txBody>
+          <a:bodyPr/>
+          <a:lstStyle/>
+          <a:p>
+            <a:endParaRPr lang="de-DE"/>
+          </a:p>
+        </p:txBody>
+      </p:sp>
+      <p:sp>
+        <p:nvSpPr>
+          <p:cNvPr id="7" name="Textplatzhalter 6">
+            <a:extLst>
+              <a:ext uri="{FF2B5EF4-FFF2-40B4-BE49-F238E27FC236}">
+                <a16:creationId xmlns:a16="http://schemas.microsoft.com/office/drawing/2014/main" id="{8398FA62-3EB0-40B6-869C-87619F543179}"/>
+              </a:ext>
+            </a:extLst>
+          </p:cNvPr>
+          <p:cNvSpPr>
+            <a:spLocks noGrp="1"/>
+          </p:cNvSpPr>
+          <p:nvPr>
+            <p:ph type="body" sz="quarter" idx="17"/>
+          </p:nvPr>
+        </p:nvSpPr>
+        <p:spPr>
+          <a:xfrm>
+            <a:off x="371476" y="1412876"/>
+            <a:ext cx="11448000" cy="1785104"/>
+          </a:xfrm>
+        </p:spPr>
+        <p:txBody>
+          <a:bodyPr/>
+          <a:lstStyle/>
+          <a:p>
+            <a:pPr marL="285750" indent="-285750">
+              <a:buFont typeface="Arial" panose="020B0604020202020204" pitchFamily="34" charset="0"/>
+              <a:buChar char="•"/>
+            </a:pPr>
+            <a:r>
+              <a:rPr lang="de-DE" dirty="0" smtClean="0"/>
+              <a:t>Beispiel: LCG-ANSI-C</a:t>
+            </a:r>
+          </a:p>
+          <a:p>
+            <a:pPr marL="465750" lvl="2" indent="-285750"/>
+            <a:r>
+              <a:rPr lang="de-DE" dirty="0" smtClean="0"/>
+              <a:t>Testergebnisse sind „gut“ (?)</a:t>
+            </a:r>
+          </a:p>
+          <a:p>
+            <a:pPr marL="465750" lvl="2" indent="-285750"/>
+            <a:r>
+              <a:rPr lang="de-DE" dirty="0" smtClean="0"/>
+              <a:t>Bewertungsmöglichkeiten</a:t>
+            </a:r>
+            <a:endParaRPr lang="de-DE" dirty="0" smtClean="0"/>
+          </a:p>
+          <a:p>
+            <a:pPr marL="645750" lvl="3" indent="-285750"/>
+            <a:r>
+              <a:rPr lang="de-DE" dirty="0" smtClean="0"/>
+              <a:t>Bewertung von Roh mittels Konfidenzintervallen</a:t>
+            </a:r>
+          </a:p>
+          <a:p>
+            <a:pPr marL="645750" lvl="3" indent="-285750"/>
+            <a:r>
+              <a:rPr lang="de-DE" dirty="0" smtClean="0"/>
+              <a:t>Einteilung in Positiv-/Negativintervall – Prozentuale Bewertung</a:t>
+            </a:r>
+            <a:endParaRPr lang="de-DE" dirty="0"/>
+          </a:p>
+          <a:p>
+            <a:pPr marL="645750" lvl="3" indent="-285750"/>
+            <a:r>
+              <a:rPr lang="de-DE" dirty="0" smtClean="0"/>
+              <a:t>Gewichtung einzelner Verfahren für Gesamtbewertung</a:t>
+            </a:r>
+          </a:p>
+        </p:txBody>
+      </p:sp>
+      <p:pic>
+        <p:nvPicPr>
+          <p:cNvPr id="8" name="Grafik 7"/>
+          <p:cNvPicPr>
+            <a:picLocks noChangeAspect="1"/>
+          </p:cNvPicPr>
+          <p:nvPr/>
+        </p:nvPicPr>
+        <p:blipFill>
+          <a:blip r:embed="rId3"/>
+          <a:stretch>
+            <a:fillRect/>
+          </a:stretch>
+        </p:blipFill>
+        <p:spPr>
+          <a:xfrm>
+            <a:off x="6672064" y="1196752"/>
+            <a:ext cx="5438775" cy="4857750"/>
+          </a:xfrm>
+          <a:prstGeom prst="rect">
+            <a:avLst/>
+          </a:prstGeom>
+        </p:spPr>
+      </p:pic>
+    </p:spTree>
+    <p:extLst>
+      <p:ext uri="{BB962C8B-B14F-4D97-AF65-F5344CB8AC3E}">
+        <p14:creationId xmlns:p14="http://schemas.microsoft.com/office/powerpoint/2010/main" val="2234121530"/>
+      </p:ext>
+    </p:extLst>
+  </p:cSld>
+  <p:clrMapOvr>
+    <a:masterClrMapping/>
+  </p:clrMapOvr>
+  <p:transition spd="slow">
+    <p:push/>
+  </p:transition>
+  <p:timing>
+    <p:tnLst>
+      <p:par>
+        <p:cTn id="1" dur="indefinite" restart="never" nodeType="tmRoot">
+          <p:childTnLst>
+            <p:seq concurrent="1" nextAc="seek">
+              <p:cTn id="2" dur="indefinite" nodeType="mainSeq">
+                <p:childTnLst>
+                  <p:par>
+                    <p:cTn id="3" fill="hold">
+                      <p:stCondLst>
+                        <p:cond delay="indefinite"/>
+                        <p:cond evt="onBegin" delay="0">
+                          <p:tn val="2"/>
+                        </p:cond>
+                      </p:stCondLst>
+                      <p:childTnLst>
+                        <p:par>
+                          <p:cTn id="4" fill="hold">
+                            <p:stCondLst>
+                              <p:cond delay="0"/>
+                            </p:stCondLst>
+                            <p:childTnLst>
+                              <p:par>
+                                <p:cTn id="5" presetID="10" presetClass="entr" presetSubtype="0" fill="hold" nodeType="withEffect">
+                                  <p:stCondLst>
+                                    <p:cond delay="0"/>
+                                  </p:stCondLst>
+                                  <p:childTnLst>
+                                    <p:set>
+                                      <p:cBhvr>
+                                        <p:cTn id="6" dur="1" fill="hold">
+                                          <p:stCondLst>
+                                            <p:cond delay="0"/>
+                                          </p:stCondLst>
+                                        </p:cTn>
+                                        <p:tgtEl>
+                                          <p:spTgt spid="7">
+                                            <p:txEl>
+                                              <p:pRg st="0" end="0"/>
+                                            </p:txEl>
+                                          </p:spTgt>
+                                        </p:tgtEl>
+                                        <p:attrNameLst>
+                                          <p:attrName>style.visibility</p:attrName>
+                                        </p:attrNameLst>
+                                      </p:cBhvr>
+                                      <p:to>
+                                        <p:strVal val="visible"/>
+                                      </p:to>
+                                    </p:set>
+                                    <p:animEffect transition="in" filter="fade">
+                                      <p:cBhvr>
+                                        <p:cTn id="7" dur="500"/>
+                                        <p:tgtEl>
+                                          <p:spTgt spid="7">
+                                            <p:txEl>
+                                              <p:pRg st="0" end="0"/>
+                                            </p:txEl>
+                                          </p:spTgt>
+                                        </p:tgtEl>
+                                      </p:cBhvr>
+                                    </p:animEffect>
+                                  </p:childTnLst>
+                                </p:cTn>
+                              </p:par>
+                              <p:par>
+                                <p:cTn id="8" presetID="10" presetClass="entr" presetSubtype="0" fill="hold" nodeType="withEffect">
+                                  <p:stCondLst>
+                                    <p:cond delay="0"/>
+                                  </p:stCondLst>
+                                  <p:childTnLst>
+                                    <p:set>
+                                      <p:cBhvr>
+                                        <p:cTn id="9" dur="1" fill="hold">
+                                          <p:stCondLst>
+                                            <p:cond delay="0"/>
+                                          </p:stCondLst>
+                                        </p:cTn>
+                                        <p:tgtEl>
+                                          <p:spTgt spid="8"/>
+                                        </p:tgtEl>
+                                        <p:attrNameLst>
+                                          <p:attrName>style.visibility</p:attrName>
+                                        </p:attrNameLst>
+                                      </p:cBhvr>
+                                      <p:to>
+                                        <p:strVal val="visible"/>
+                                      </p:to>
+                                    </p:set>
+                                    <p:animEffect transition="in" filter="fade">
+                                      <p:cBhvr>
+                                        <p:cTn id="10" dur="500"/>
+                                        <p:tgtEl>
+                                          <p:spTgt spid="8"/>
+                                        </p:tgtEl>
+                                      </p:cBhvr>
+                                    </p:animEffect>
+                                  </p:childTnLst>
+                                </p:cTn>
+                              </p:par>
+                            </p:childTnLst>
+                          </p:cTn>
+                        </p:par>
+                      </p:childTnLst>
+                    </p:cTn>
+                  </p:par>
+                  <p:par>
+                    <p:cTn id="11" fill="hold">
+                      <p:stCondLst>
+                        <p:cond delay="indefinite"/>
+                      </p:stCondLst>
+                      <p:childTnLst>
+                        <p:par>
+                          <p:cTn id="12" fill="hold">
+                            <p:stCondLst>
+                              <p:cond delay="0"/>
+                            </p:stCondLst>
+                            <p:childTnLst>
+                              <p:par>
+                                <p:cTn id="13" presetID="10" presetClass="entr" presetSubtype="0" fill="hold" nodeType="clickEffect">
+                                  <p:stCondLst>
+                                    <p:cond delay="0"/>
+                                  </p:stCondLst>
+                                  <p:childTnLst>
+                                    <p:set>
+                                      <p:cBhvr>
+                                        <p:cTn id="14" dur="1" fill="hold">
+                                          <p:stCondLst>
+                                            <p:cond delay="0"/>
+                                          </p:stCondLst>
+                                        </p:cTn>
+                                        <p:tgtEl>
+                                          <p:spTgt spid="7">
+                                            <p:txEl>
+                                              <p:pRg st="1" end="1"/>
+                                            </p:txEl>
+                                          </p:spTgt>
+                                        </p:tgtEl>
+                                        <p:attrNameLst>
+                                          <p:attrName>style.visibility</p:attrName>
+                                        </p:attrNameLst>
+                                      </p:cBhvr>
+                                      <p:to>
+                                        <p:strVal val="visible"/>
+                                      </p:to>
+                                    </p:set>
+                                    <p:animEffect transition="in" filter="fade">
+                                      <p:cBhvr>
+                                        <p:cTn id="15" dur="500"/>
+                                        <p:tgtEl>
+                                          <p:spTgt spid="7">
+                                            <p:txEl>
+                                              <p:pRg st="1" end="1"/>
+                                            </p:txEl>
+                                          </p:spTgt>
+                                        </p:tgtEl>
+                                      </p:cBhvr>
+                                    </p:animEffect>
+                                  </p:childTnLst>
+                                </p:cTn>
+                              </p:par>
+                            </p:childTnLst>
+                          </p:cTn>
+                        </p:par>
+                      </p:childTnLst>
+                    </p:cTn>
+                  </p:par>
+                  <p:par>
+                    <p:cTn id="16" fill="hold">
+                      <p:stCondLst>
+                        <p:cond delay="indefinite"/>
+                      </p:stCondLst>
+                      <p:childTnLst>
+                        <p:par>
+                          <p:cTn id="17" fill="hold">
+                            <p:stCondLst>
+                              <p:cond delay="0"/>
+                            </p:stCondLst>
+                            <p:childTnLst>
+                              <p:par>
+                                <p:cTn id="18" presetID="10" presetClass="entr" presetSubtype="0" fill="hold" nodeType="clickEffect">
+                                  <p:stCondLst>
+                                    <p:cond delay="0"/>
+                                  </p:stCondLst>
+                                  <p:childTnLst>
+                                    <p:set>
+                                      <p:cBhvr>
+                                        <p:cTn id="19" dur="1" fill="hold">
+                                          <p:stCondLst>
+                                            <p:cond delay="0"/>
+                                          </p:stCondLst>
+                                        </p:cTn>
+                                        <p:tgtEl>
+                                          <p:spTgt spid="7">
+                                            <p:txEl>
+                                              <p:pRg st="2" end="2"/>
+                                            </p:txEl>
+                                          </p:spTgt>
+                                        </p:tgtEl>
+                                        <p:attrNameLst>
+                                          <p:attrName>style.visibility</p:attrName>
+                                        </p:attrNameLst>
+                                      </p:cBhvr>
+                                      <p:to>
+                                        <p:strVal val="visible"/>
+                                      </p:to>
+                                    </p:set>
+                                    <p:animEffect transition="in" filter="fade">
+                                      <p:cBhvr>
+                                        <p:cTn id="20" dur="500"/>
+                                        <p:tgtEl>
+                                          <p:spTgt spid="7">
+                                            <p:txEl>
+                                              <p:pRg st="2" end="2"/>
+                                            </p:txEl>
+                                          </p:spTgt>
+                                        </p:tgtEl>
+                                      </p:cBhvr>
+                                    </p:animEffect>
+                                  </p:childTnLst>
+                                </p:cTn>
+                              </p:par>
+                              <p:par>
+                                <p:cTn id="21" presetID="10" presetClass="entr" presetSubtype="0" fill="hold" nodeType="withEffect">
+                                  <p:stCondLst>
+                                    <p:cond delay="0"/>
+                                  </p:stCondLst>
+                                  <p:childTnLst>
+                                    <p:set>
+                                      <p:cBhvr>
+                                        <p:cTn id="22" dur="1" fill="hold">
+                                          <p:stCondLst>
+                                            <p:cond delay="0"/>
+                                          </p:stCondLst>
+                                        </p:cTn>
+                                        <p:tgtEl>
+                                          <p:spTgt spid="7">
+                                            <p:txEl>
+                                              <p:pRg st="3" end="3"/>
+                                            </p:txEl>
+                                          </p:spTgt>
+                                        </p:tgtEl>
+                                        <p:attrNameLst>
+                                          <p:attrName>style.visibility</p:attrName>
+                                        </p:attrNameLst>
+                                      </p:cBhvr>
+                                      <p:to>
+                                        <p:strVal val="visible"/>
+                                      </p:to>
+                                    </p:set>
+                                    <p:animEffect transition="in" filter="fade">
+                                      <p:cBhvr>
+                                        <p:cTn id="23" dur="500"/>
+                                        <p:tgtEl>
+                                          <p:spTgt spid="7">
+                                            <p:txEl>
+                                              <p:pRg st="3" end="3"/>
+                                            </p:txEl>
+                                          </p:spTgt>
+                                        </p:tgtEl>
+                                      </p:cBhvr>
+                                    </p:animEffect>
+                                  </p:childTnLst>
+                                </p:cTn>
+                              </p:par>
+                              <p:par>
+                                <p:cTn id="24" presetID="10" presetClass="entr" presetSubtype="0" fill="hold" nodeType="withEffect">
+                                  <p:stCondLst>
+                                    <p:cond delay="0"/>
+                                  </p:stCondLst>
+                                  <p:childTnLst>
+                                    <p:set>
+                                      <p:cBhvr>
+                                        <p:cTn id="25" dur="1" fill="hold">
+                                          <p:stCondLst>
+                                            <p:cond delay="0"/>
+                                          </p:stCondLst>
+                                        </p:cTn>
+                                        <p:tgtEl>
+                                          <p:spTgt spid="7">
+                                            <p:txEl>
+                                              <p:pRg st="4" end="4"/>
+                                            </p:txEl>
+                                          </p:spTgt>
+                                        </p:tgtEl>
+                                        <p:attrNameLst>
+                                          <p:attrName>style.visibility</p:attrName>
+                                        </p:attrNameLst>
+                                      </p:cBhvr>
+                                      <p:to>
+                                        <p:strVal val="visible"/>
+                                      </p:to>
+                                    </p:set>
+                                    <p:animEffect transition="in" filter="fade">
+                                      <p:cBhvr>
+                                        <p:cTn id="26" dur="500"/>
+                                        <p:tgtEl>
+                                          <p:spTgt spid="7">
+                                            <p:txEl>
+                                              <p:pRg st="4" end="4"/>
+                                            </p:txEl>
+                                          </p:spTgt>
+                                        </p:tgtEl>
+                                      </p:cBhvr>
+                                    </p:animEffect>
+                                  </p:childTnLst>
+                                </p:cTn>
+                              </p:par>
+                              <p:par>
+                                <p:cTn id="27" presetID="10" presetClass="entr" presetSubtype="0" fill="hold" nodeType="withEffect">
+                                  <p:stCondLst>
+                                    <p:cond delay="0"/>
+                                  </p:stCondLst>
+                                  <p:childTnLst>
+                                    <p:set>
+                                      <p:cBhvr>
+                                        <p:cTn id="28" dur="1" fill="hold">
+                                          <p:stCondLst>
+                                            <p:cond delay="0"/>
+                                          </p:stCondLst>
+                                        </p:cTn>
+                                        <p:tgtEl>
+                                          <p:spTgt spid="7">
+                                            <p:txEl>
+                                              <p:pRg st="5" end="5"/>
+                                            </p:txEl>
+                                          </p:spTgt>
+                                        </p:tgtEl>
+                                        <p:attrNameLst>
+                                          <p:attrName>style.visibility</p:attrName>
+                                        </p:attrNameLst>
+                                      </p:cBhvr>
+                                      <p:to>
+                                        <p:strVal val="visible"/>
+                                      </p:to>
+                                    </p:set>
+                                    <p:animEffect transition="in" filter="fade">
+                                      <p:cBhvr>
+                                        <p:cTn id="29" dur="500"/>
+                                        <p:tgtEl>
+                                          <p:spTgt spid="7">
+                                            <p:txEl>
+                                              <p:pRg st="5" end="5"/>
+                                            </p:txEl>
+                                          </p:spTgt>
+                                        </p:tgtEl>
+                                      </p:cBhvr>
+                                    </p:animEffect>
+                                  </p:childTnLst>
+                                </p:cTn>
+                              </p:par>
+                            </p:childTnLst>
+                          </p:cTn>
+                        </p:par>
+                      </p:childTnLst>
+                    </p:cTn>
+                  </p:par>
+                </p:childTnLst>
+              </p:cTn>
+              <p:prevCondLst>
+                <p:cond evt="onPrev" delay="0">
+                  <p:tgtEl>
+                    <p:sldTgt/>
+                  </p:tgtEl>
+                </p:cond>
+              </p:prevCondLst>
+              <p:nextCondLst>
+                <p:cond evt="onNext" delay="0">
+                  <p:tgtEl>
+                    <p:sldTgt/>
+                  </p:tgtEl>
+                </p:cond>
+              </p:nextCondLst>
+            </p:seq>
+          </p:childTnLst>
+        </p:cTn>
+      </p:par>
+    </p:tnLst>
+  </p:timing>
+</p:sld>
+</file>
+
+<file path=ppt/slides/slide22.xml><?xml version="1.0" encoding="utf-8"?>
+<p:sld xmlns:a="http://schemas.openxmlformats.org/drawingml/2006/main" xmlns:r="http://schemas.openxmlformats.org/officeDocument/2006/relationships" xmlns:p="http://schemas.openxmlformats.org/presentationml/2006/main">
+  <p:cSld>
+    <p:spTree>
+      <p:nvGrpSpPr>
+        <p:cNvPr id="1" name=""/>
+        <p:cNvGrpSpPr/>
+        <p:nvPr/>
+      </p:nvGrpSpPr>
+      <p:grpSpPr>
+        <a:xfrm>
+          <a:off x="0" y="0"/>
+          <a:ext cx="0" cy="0"/>
+          <a:chOff x="0" y="0"/>
+          <a:chExt cx="0" cy="0"/>
+        </a:xfrm>
+      </p:grpSpPr>
+      <p:sp>
+        <p:nvSpPr>
+          <p:cNvPr id="2" name="Datumsplatzhalter 1"/>
+          <p:cNvSpPr>
+            <a:spLocks noGrp="1"/>
+          </p:cNvSpPr>
+          <p:nvPr>
+            <p:ph type="dt" sz="half" idx="10"/>
+          </p:nvPr>
+        </p:nvSpPr>
+        <p:spPr/>
+        <p:txBody>
+          <a:bodyPr/>
+          <a:lstStyle/>
+          <a:p>
+            <a:fld id="{34ED33ED-86EF-43E0-BBFC-3F79D10AF08C}" type="datetime1">
+              <a:rPr lang="de-DE" smtClean="0"/>
+              <a:t>16.07.2020</a:t>
+            </a:fld>
+            <a:endParaRPr lang="en-GB"/>
+          </a:p>
+        </p:txBody>
+      </p:sp>
+      <p:sp>
+        <p:nvSpPr>
+          <p:cNvPr id="4" name="Foliennummernplatzhalter 3"/>
+          <p:cNvSpPr>
+            <a:spLocks noGrp="1"/>
+          </p:cNvSpPr>
+          <p:nvPr>
+            <p:ph type="sldNum" sz="quarter" idx="12"/>
+          </p:nvPr>
+        </p:nvSpPr>
+        <p:spPr/>
+        <p:txBody>
+          <a:bodyPr/>
+          <a:lstStyle/>
+          <a:p>
+            <a:r>
+              <a:rPr lang="de-DE" smtClean="0"/>
+              <a:t>  </a:t>
+            </a:r>
+            <a:fld id="{2B4F42BA-C6E3-4D5B-99FA-36163155CEA7}" type="slidenum">
+              <a:rPr lang="de-DE" smtClean="0"/>
+              <a:pPr/>
+              <a:t>22</a:t>
+            </a:fld>
+            <a:endParaRPr lang="de-DE" noProof="0" dirty="0"/>
+          </a:p>
+        </p:txBody>
+      </p:sp>
+      <p:sp>
+        <p:nvSpPr>
+          <p:cNvPr id="5" name="Titel 4"/>
+          <p:cNvSpPr>
+            <a:spLocks noGrp="1"/>
+          </p:cNvSpPr>
+          <p:nvPr>
+            <p:ph type="title"/>
+          </p:nvPr>
+        </p:nvSpPr>
+        <p:spPr>
+          <a:xfrm>
+            <a:off x="371475" y="185631"/>
+            <a:ext cx="10080000" cy="584775"/>
+          </a:xfrm>
+        </p:spPr>
+        <p:txBody>
+          <a:bodyPr/>
+          <a:lstStyle/>
+          <a:p>
+            <a:r>
+              <a:rPr lang="de-DE" dirty="0"/>
+              <a:t>Ergebnisinterpretation und Ausblick</a:t>
+            </a:r>
+            <a:br>
+              <a:rPr lang="de-DE" dirty="0"/>
+            </a:br>
+            <a:r>
+              <a:rPr lang="de-DE" sz="1800" dirty="0" smtClean="0"/>
+              <a:t>Programmerweiterungen</a:t>
+            </a:r>
+            <a:endParaRPr lang="de-DE" dirty="0"/>
+          </a:p>
+        </p:txBody>
+      </p:sp>
+      <p:sp>
+        <p:nvSpPr>
+          <p:cNvPr id="6" name="Textplatzhalter 5"/>
+          <p:cNvSpPr>
+            <a:spLocks noGrp="1"/>
+          </p:cNvSpPr>
+          <p:nvPr>
+            <p:ph type="body" sz="quarter" idx="15"/>
+          </p:nvPr>
+        </p:nvSpPr>
+        <p:spPr/>
+        <p:txBody>
+          <a:bodyPr/>
+          <a:lstStyle/>
+          <a:p>
+            <a:endParaRPr lang="de-DE"/>
+          </a:p>
+        </p:txBody>
+      </p:sp>
+      <p:sp>
+        <p:nvSpPr>
+          <p:cNvPr id="7" name="Textplatzhalter 6"/>
+          <p:cNvSpPr>
+            <a:spLocks noGrp="1"/>
+          </p:cNvSpPr>
+          <p:nvPr>
+            <p:ph type="body" sz="quarter" idx="17"/>
+          </p:nvPr>
+        </p:nvSpPr>
+        <p:spPr>
+          <a:xfrm>
+            <a:off x="371476" y="1412876"/>
+            <a:ext cx="11448000" cy="2728952"/>
+          </a:xfrm>
+        </p:spPr>
+        <p:txBody>
+          <a:bodyPr/>
+          <a:lstStyle/>
+          <a:p>
+            <a:pPr marL="465750" lvl="2" indent="-285750"/>
+            <a:r>
+              <a:rPr lang="de-DE" dirty="0" smtClean="0"/>
+              <a:t>Generell Erweiterbar</a:t>
+            </a:r>
+          </a:p>
+          <a:p>
+            <a:pPr marL="465750" lvl="2" indent="-285750"/>
+            <a:r>
+              <a:rPr lang="de-DE" dirty="0" smtClean="0"/>
+              <a:t>Factory</a:t>
+            </a:r>
+          </a:p>
+          <a:p>
+            <a:pPr marL="645750" lvl="3" indent="-285750"/>
+            <a:r>
+              <a:rPr lang="de-DE" dirty="0" smtClean="0"/>
+              <a:t>Durch Interfaces muss </a:t>
+            </a:r>
+            <a:r>
+              <a:rPr lang="de-DE" dirty="0" err="1" smtClean="0"/>
+              <a:t>Presenter</a:t>
+            </a:r>
+            <a:r>
+              <a:rPr lang="de-DE" dirty="0"/>
+              <a:t> </a:t>
+            </a:r>
+            <a:r>
+              <a:rPr lang="de-DE" dirty="0" smtClean="0"/>
+              <a:t>für jedes Szenario unterscheiden</a:t>
+            </a:r>
+          </a:p>
+          <a:p>
+            <a:pPr marL="645750" lvl="3" indent="-285750"/>
+            <a:r>
+              <a:rPr lang="de-DE" dirty="0" smtClean="0"/>
+              <a:t>Ab gewissen Kopmlexitätsniveau</a:t>
+            </a:r>
+            <a:r>
+              <a:rPr lang="de-DE" dirty="0"/>
+              <a:t> </a:t>
+            </a:r>
+            <a:r>
+              <a:rPr lang="de-DE" dirty="0" smtClean="0"/>
+              <a:t>kann Factory aushelfen</a:t>
+            </a:r>
+          </a:p>
+          <a:p>
+            <a:pPr marL="465750" lvl="2" indent="-285750"/>
+            <a:r>
+              <a:rPr lang="de-DE" dirty="0" smtClean="0"/>
+              <a:t>Vererbung</a:t>
+            </a:r>
+          </a:p>
+          <a:p>
+            <a:pPr marL="645750" lvl="3" indent="-285750"/>
+            <a:r>
+              <a:rPr lang="de-DE" dirty="0" smtClean="0"/>
+              <a:t>Speichern von mehr Informationen in abstrakten Konstrukten</a:t>
+            </a:r>
+          </a:p>
+          <a:p>
+            <a:pPr marL="645750" lvl="3" indent="-285750"/>
+            <a:r>
+              <a:rPr lang="de-DE" dirty="0" smtClean="0"/>
+              <a:t>Generalisierung in spezifische Arten</a:t>
+            </a:r>
+          </a:p>
+          <a:p>
+            <a:pPr marL="465750" lvl="2" indent="-285750"/>
+            <a:r>
+              <a:rPr lang="de-DE" dirty="0" smtClean="0"/>
+              <a:t>Abkopplung des Zufall-Generators in eine JAR (Bibliothek)</a:t>
+            </a:r>
+          </a:p>
+          <a:p>
+            <a:pPr marL="645750" lvl="3" indent="-285750"/>
+            <a:r>
+              <a:rPr lang="de-DE" dirty="0" smtClean="0"/>
+              <a:t>Getrennte Nutzung für Testing und Anbindung</a:t>
+            </a:r>
+          </a:p>
+        </p:txBody>
+      </p:sp>
+    </p:spTree>
+    <p:extLst>
+      <p:ext uri="{BB962C8B-B14F-4D97-AF65-F5344CB8AC3E}">
+        <p14:creationId xmlns:p14="http://schemas.microsoft.com/office/powerpoint/2010/main" val="67495789"/>
+      </p:ext>
+    </p:extLst>
+  </p:cSld>
+  <p:clrMapOvr>
+    <a:masterClrMapping/>
+  </p:clrMapOvr>
+  <p:timing>
+    <p:tnLst>
+      <p:par>
+        <p:cTn id="1" dur="indefinite" restart="never" nodeType="tmRoot">
+          <p:childTnLst>
+            <p:seq concurrent="1" nextAc="seek">
+              <p:cTn id="2" dur="indefinite" nodeType="mainSeq">
+                <p:childTnLst>
+                  <p:par>
+                    <p:cTn id="3" fill="hold">
+                      <p:stCondLst>
+                        <p:cond delay="indefinite"/>
+                        <p:cond evt="onBegin" delay="0">
+                          <p:tn val="2"/>
+                        </p:cond>
+                      </p:stCondLst>
+                      <p:childTnLst>
+                        <p:par>
+                          <p:cTn id="4" fill="hold">
+                            <p:stCondLst>
+                              <p:cond delay="0"/>
+                            </p:stCondLst>
+                            <p:childTnLst>
+                              <p:par>
+                                <p:cTn id="5" presetID="10" presetClass="entr" presetSubtype="0" fill="hold" nodeType="withEffect">
+                                  <p:stCondLst>
+                                    <p:cond delay="0"/>
+                                  </p:stCondLst>
+                                  <p:childTnLst>
+                                    <p:set>
+                                      <p:cBhvr>
+                                        <p:cTn id="6" dur="1" fill="hold">
+                                          <p:stCondLst>
+                                            <p:cond delay="0"/>
+                                          </p:stCondLst>
+                                        </p:cTn>
+                                        <p:tgtEl>
+                                          <p:spTgt spid="7">
+                                            <p:txEl>
+                                              <p:pRg st="0" end="0"/>
+                                            </p:txEl>
+                                          </p:spTgt>
+                                        </p:tgtEl>
+                                        <p:attrNameLst>
+                                          <p:attrName>style.visibility</p:attrName>
+                                        </p:attrNameLst>
+                                      </p:cBhvr>
+                                      <p:to>
+                                        <p:strVal val="visible"/>
+                                      </p:to>
+                                    </p:set>
+                                    <p:animEffect transition="in" filter="fade">
+                                      <p:cBhvr>
+                                        <p:cTn id="7" dur="500"/>
+                                        <p:tgtEl>
+                                          <p:spTgt spid="7">
+                                            <p:txEl>
+                                              <p:pRg st="0" end="0"/>
+                                            </p:txEl>
+                                          </p:spTgt>
+                                        </p:tgtEl>
+                                      </p:cBhvr>
+                                    </p:animEffect>
+                                  </p:childTnLst>
+                                </p:cTn>
+                              </p:par>
+                            </p:childTnLst>
+                          </p:cTn>
+                        </p:par>
+                      </p:childTnLst>
+                    </p:cTn>
+                  </p:par>
+                  <p:par>
+                    <p:cTn id="8" fill="hold">
+                      <p:stCondLst>
+                        <p:cond delay="indefinite"/>
+                      </p:stCondLst>
+                      <p:childTnLst>
+                        <p:par>
+                          <p:cTn id="9" fill="hold">
+                            <p:stCondLst>
+                              <p:cond delay="0"/>
+                            </p:stCondLst>
+                            <p:childTnLst>
+                              <p:par>
+                                <p:cTn id="10" presetID="10" presetClass="entr" presetSubtype="0" fill="hold" nodeType="clickEffect">
+                                  <p:stCondLst>
+                                    <p:cond delay="0"/>
+                                  </p:stCondLst>
+                                  <p:childTnLst>
+                                    <p:set>
+                                      <p:cBhvr>
+                                        <p:cTn id="11" dur="1" fill="hold">
+                                          <p:stCondLst>
+                                            <p:cond delay="0"/>
+                                          </p:stCondLst>
+                                        </p:cTn>
+                                        <p:tgtEl>
+                                          <p:spTgt spid="7">
+                                            <p:txEl>
+                                              <p:pRg st="1" end="1"/>
+                                            </p:txEl>
+                                          </p:spTgt>
+                                        </p:tgtEl>
+                                        <p:attrNameLst>
+                                          <p:attrName>style.visibility</p:attrName>
+                                        </p:attrNameLst>
+                                      </p:cBhvr>
+                                      <p:to>
+                                        <p:strVal val="visible"/>
+                                      </p:to>
+                                    </p:set>
+                                    <p:animEffect transition="in" filter="fade">
+                                      <p:cBhvr>
+                                        <p:cTn id="12" dur="500"/>
+                                        <p:tgtEl>
+                                          <p:spTgt spid="7">
+                                            <p:txEl>
+                                              <p:pRg st="1" end="1"/>
+                                            </p:txEl>
+                                          </p:spTgt>
+                                        </p:tgtEl>
+                                      </p:cBhvr>
+                                    </p:animEffect>
+                                  </p:childTnLst>
+                                </p:cTn>
+                              </p:par>
+                              <p:par>
+                                <p:cTn id="13" presetID="10" presetClass="entr" presetSubtype="0" fill="hold" nodeType="withEffect">
+                                  <p:stCondLst>
+                                    <p:cond delay="0"/>
+                                  </p:stCondLst>
+                                  <p:childTnLst>
+                                    <p:set>
+                                      <p:cBhvr>
+                                        <p:cTn id="14" dur="1" fill="hold">
+                                          <p:stCondLst>
+                                            <p:cond delay="0"/>
+                                          </p:stCondLst>
+                                        </p:cTn>
+                                        <p:tgtEl>
+                                          <p:spTgt spid="7">
+                                            <p:txEl>
+                                              <p:pRg st="2" end="2"/>
+                                            </p:txEl>
+                                          </p:spTgt>
+                                        </p:tgtEl>
+                                        <p:attrNameLst>
+                                          <p:attrName>style.visibility</p:attrName>
+                                        </p:attrNameLst>
+                                      </p:cBhvr>
+                                      <p:to>
+                                        <p:strVal val="visible"/>
+                                      </p:to>
+                                    </p:set>
+                                    <p:animEffect transition="in" filter="fade">
+                                      <p:cBhvr>
+                                        <p:cTn id="15" dur="500"/>
+                                        <p:tgtEl>
+                                          <p:spTgt spid="7">
+                                            <p:txEl>
+                                              <p:pRg st="2" end="2"/>
+                                            </p:txEl>
+                                          </p:spTgt>
+                                        </p:tgtEl>
+                                      </p:cBhvr>
+                                    </p:animEffect>
+                                  </p:childTnLst>
+                                </p:cTn>
+                              </p:par>
+                              <p:par>
+                                <p:cTn id="16" presetID="10" presetClass="entr" presetSubtype="0" fill="hold" nodeType="withEffect">
+                                  <p:stCondLst>
+                                    <p:cond delay="0"/>
+                                  </p:stCondLst>
+                                  <p:childTnLst>
+                                    <p:set>
+                                      <p:cBhvr>
+                                        <p:cTn id="17" dur="1" fill="hold">
+                                          <p:stCondLst>
+                                            <p:cond delay="0"/>
+                                          </p:stCondLst>
+                                        </p:cTn>
+                                        <p:tgtEl>
+                                          <p:spTgt spid="7">
+                                            <p:txEl>
+                                              <p:pRg st="3" end="3"/>
+                                            </p:txEl>
+                                          </p:spTgt>
+                                        </p:tgtEl>
+                                        <p:attrNameLst>
+                                          <p:attrName>style.visibility</p:attrName>
+                                        </p:attrNameLst>
+                                      </p:cBhvr>
+                                      <p:to>
+                                        <p:strVal val="visible"/>
+                                      </p:to>
+                                    </p:set>
+                                    <p:animEffect transition="in" filter="fade">
+                                      <p:cBhvr>
+                                        <p:cTn id="18" dur="500"/>
+                                        <p:tgtEl>
+                                          <p:spTgt spid="7">
+                                            <p:txEl>
+                                              <p:pRg st="3" end="3"/>
+                                            </p:txEl>
+                                          </p:spTgt>
+                                        </p:tgtEl>
+                                      </p:cBhvr>
+                                    </p:animEffect>
+                                  </p:childTnLst>
+                                </p:cTn>
+                              </p:par>
+                            </p:childTnLst>
+                          </p:cTn>
+                        </p:par>
+                      </p:childTnLst>
+                    </p:cTn>
+                  </p:par>
+                  <p:par>
+                    <p:cTn id="19" fill="hold">
+                      <p:stCondLst>
+                        <p:cond delay="indefinite"/>
+                      </p:stCondLst>
+                      <p:childTnLst>
+                        <p:par>
+                          <p:cTn id="20" fill="hold">
+                            <p:stCondLst>
+                              <p:cond delay="0"/>
+                            </p:stCondLst>
+                            <p:childTnLst>
+                              <p:par>
+                                <p:cTn id="21" presetID="10" presetClass="entr" presetSubtype="0" fill="hold" nodeType="clickEffect">
+                                  <p:stCondLst>
+                                    <p:cond delay="0"/>
+                                  </p:stCondLst>
+                                  <p:childTnLst>
+                                    <p:set>
+                                      <p:cBhvr>
+                                        <p:cTn id="22" dur="1" fill="hold">
+                                          <p:stCondLst>
+                                            <p:cond delay="0"/>
+                                          </p:stCondLst>
+                                        </p:cTn>
+                                        <p:tgtEl>
+                                          <p:spTgt spid="7">
+                                            <p:txEl>
+                                              <p:pRg st="4" end="4"/>
+                                            </p:txEl>
+                                          </p:spTgt>
+                                        </p:tgtEl>
+                                        <p:attrNameLst>
+                                          <p:attrName>style.visibility</p:attrName>
+                                        </p:attrNameLst>
+                                      </p:cBhvr>
+                                      <p:to>
+                                        <p:strVal val="visible"/>
+                                      </p:to>
+                                    </p:set>
+                                    <p:animEffect transition="in" filter="fade">
+                                      <p:cBhvr>
+                                        <p:cTn id="23" dur="500"/>
+                                        <p:tgtEl>
+                                          <p:spTgt spid="7">
+                                            <p:txEl>
+                                              <p:pRg st="4" end="4"/>
+                                            </p:txEl>
+                                          </p:spTgt>
+                                        </p:tgtEl>
+                                      </p:cBhvr>
+                                    </p:animEffect>
+                                  </p:childTnLst>
+                                </p:cTn>
+                              </p:par>
+                              <p:par>
+                                <p:cTn id="24" presetID="10" presetClass="entr" presetSubtype="0" fill="hold" nodeType="withEffect">
+                                  <p:stCondLst>
+                                    <p:cond delay="0"/>
+                                  </p:stCondLst>
+                                  <p:childTnLst>
+                                    <p:set>
+                                      <p:cBhvr>
+                                        <p:cTn id="25" dur="1" fill="hold">
+                                          <p:stCondLst>
+                                            <p:cond delay="0"/>
+                                          </p:stCondLst>
+                                        </p:cTn>
+                                        <p:tgtEl>
+                                          <p:spTgt spid="7">
+                                            <p:txEl>
+                                              <p:pRg st="5" end="5"/>
+                                            </p:txEl>
+                                          </p:spTgt>
+                                        </p:tgtEl>
+                                        <p:attrNameLst>
+                                          <p:attrName>style.visibility</p:attrName>
+                                        </p:attrNameLst>
+                                      </p:cBhvr>
+                                      <p:to>
+                                        <p:strVal val="visible"/>
+                                      </p:to>
+                                    </p:set>
+                                    <p:animEffect transition="in" filter="fade">
+                                      <p:cBhvr>
+                                        <p:cTn id="26" dur="500"/>
+                                        <p:tgtEl>
+                                          <p:spTgt spid="7">
+                                            <p:txEl>
+                                              <p:pRg st="5" end="5"/>
+                                            </p:txEl>
+                                          </p:spTgt>
+                                        </p:tgtEl>
+                                      </p:cBhvr>
+                                    </p:animEffect>
+                                  </p:childTnLst>
+                                </p:cTn>
+                              </p:par>
+                              <p:par>
+                                <p:cTn id="27" presetID="10" presetClass="entr" presetSubtype="0" fill="hold" nodeType="withEffect">
+                                  <p:stCondLst>
+                                    <p:cond delay="0"/>
+                                  </p:stCondLst>
+                                  <p:childTnLst>
+                                    <p:set>
+                                      <p:cBhvr>
+                                        <p:cTn id="28" dur="1" fill="hold">
+                                          <p:stCondLst>
+                                            <p:cond delay="0"/>
+                                          </p:stCondLst>
+                                        </p:cTn>
+                                        <p:tgtEl>
+                                          <p:spTgt spid="7">
+                                            <p:txEl>
+                                              <p:pRg st="6" end="6"/>
+                                            </p:txEl>
+                                          </p:spTgt>
+                                        </p:tgtEl>
+                                        <p:attrNameLst>
+                                          <p:attrName>style.visibility</p:attrName>
+                                        </p:attrNameLst>
+                                      </p:cBhvr>
+                                      <p:to>
+                                        <p:strVal val="visible"/>
+                                      </p:to>
+                                    </p:set>
+                                    <p:animEffect transition="in" filter="fade">
+                                      <p:cBhvr>
+                                        <p:cTn id="29" dur="500"/>
+                                        <p:tgtEl>
+                                          <p:spTgt spid="7">
+                                            <p:txEl>
+                                              <p:pRg st="6" end="6"/>
+                                            </p:txEl>
+                                          </p:spTgt>
+                                        </p:tgtEl>
+                                      </p:cBhvr>
+                                    </p:animEffect>
+                                  </p:childTnLst>
+                                </p:cTn>
+                              </p:par>
+                            </p:childTnLst>
+                          </p:cTn>
+                        </p:par>
+                      </p:childTnLst>
+                    </p:cTn>
+                  </p:par>
+                  <p:par>
+                    <p:cTn id="30" fill="hold">
+                      <p:stCondLst>
+                        <p:cond delay="indefinite"/>
+                      </p:stCondLst>
+                      <p:childTnLst>
+                        <p:par>
+                          <p:cTn id="31" fill="hold">
+                            <p:stCondLst>
+                              <p:cond delay="0"/>
+                            </p:stCondLst>
+                            <p:childTnLst>
+                              <p:par>
+                                <p:cTn id="32" presetID="10" presetClass="entr" presetSubtype="0" fill="hold" nodeType="clickEffect">
+                                  <p:stCondLst>
+                                    <p:cond delay="0"/>
+                                  </p:stCondLst>
+                                  <p:childTnLst>
+                                    <p:set>
+                                      <p:cBhvr>
+                                        <p:cTn id="33" dur="1" fill="hold">
+                                          <p:stCondLst>
+                                            <p:cond delay="0"/>
+                                          </p:stCondLst>
+                                        </p:cTn>
+                                        <p:tgtEl>
+                                          <p:spTgt spid="7">
+                                            <p:txEl>
+                                              <p:pRg st="7" end="7"/>
+                                            </p:txEl>
+                                          </p:spTgt>
+                                        </p:tgtEl>
+                                        <p:attrNameLst>
+                                          <p:attrName>style.visibility</p:attrName>
+                                        </p:attrNameLst>
+                                      </p:cBhvr>
+                                      <p:to>
+                                        <p:strVal val="visible"/>
+                                      </p:to>
+                                    </p:set>
+                                    <p:animEffect transition="in" filter="fade">
+                                      <p:cBhvr>
+                                        <p:cTn id="34" dur="500"/>
+                                        <p:tgtEl>
+                                          <p:spTgt spid="7">
+                                            <p:txEl>
+                                              <p:pRg st="7" end="7"/>
+                                            </p:txEl>
+                                          </p:spTgt>
+                                        </p:tgtEl>
+                                      </p:cBhvr>
+                                    </p:animEffect>
+                                  </p:childTnLst>
+                                </p:cTn>
+                              </p:par>
+                              <p:par>
+                                <p:cTn id="35" presetID="10" presetClass="entr" presetSubtype="0" fill="hold" nodeType="withEffect">
+                                  <p:stCondLst>
+                                    <p:cond delay="0"/>
+                                  </p:stCondLst>
+                                  <p:childTnLst>
+                                    <p:set>
+                                      <p:cBhvr>
+                                        <p:cTn id="36" dur="1" fill="hold">
+                                          <p:stCondLst>
+                                            <p:cond delay="0"/>
+                                          </p:stCondLst>
+                                        </p:cTn>
+                                        <p:tgtEl>
+                                          <p:spTgt spid="7">
+                                            <p:txEl>
+                                              <p:pRg st="8" end="8"/>
+                                            </p:txEl>
+                                          </p:spTgt>
+                                        </p:tgtEl>
+                                        <p:attrNameLst>
+                                          <p:attrName>style.visibility</p:attrName>
+                                        </p:attrNameLst>
+                                      </p:cBhvr>
+                                      <p:to>
+                                        <p:strVal val="visible"/>
+                                      </p:to>
+                                    </p:set>
+                                    <p:animEffect transition="in" filter="fade">
+                                      <p:cBhvr>
+                                        <p:cTn id="37" dur="500"/>
+                                        <p:tgtEl>
+                                          <p:spTgt spid="7">
+                                            <p:txEl>
+                                              <p:pRg st="8" end="8"/>
+                                            </p:txEl>
+                                          </p:spTgt>
+                                        </p:tgtEl>
+                                      </p:cBhvr>
+                                    </p:animEffect>
+                                  </p:childTnLst>
+                                </p:cTn>
+                              </p:par>
+                            </p:childTnLst>
+                          </p:cTn>
+                        </p:par>
+                      </p:childTnLst>
+                    </p:cTn>
+                  </p:par>
+                </p:childTnLst>
+              </p:cTn>
+              <p:prevCondLst>
+                <p:cond evt="onPrev" delay="0">
+                  <p:tgtEl>
+                    <p:sldTgt/>
+                  </p:tgtEl>
+                </p:cond>
+              </p:prevCondLst>
+              <p:nextCondLst>
+                <p:cond evt="onNext" delay="0">
+                  <p:tgtEl>
+                    <p:sldTgt/>
+                  </p:tgtEl>
+                </p:cond>
+              </p:nextCondLst>
+            </p:seq>
+          </p:childTnLst>
+        </p:cTn>
+      </p:par>
+    </p:tnLst>
+  </p:timing>
+</p:sld>
+</file>
+
+<file path=ppt/slides/slide23.xml><?xml version="1.0" encoding="utf-8"?>
 <p:sld xmlns:a="http://schemas.openxmlformats.org/drawingml/2006/main" xmlns:r="http://schemas.openxmlformats.org/officeDocument/2006/relationships" xmlns:p="http://schemas.openxmlformats.org/presentationml/2006/main">
   <p:cSld>
     <p:spTree>
@@ -28552,6 +30183,13 @@
       </p:transition>
     </mc:Fallback>
   </mc:AlternateContent>
+  <p:timing>
+    <p:tnLst>
+      <p:par>
+        <p:cTn id="1" dur="indefinite" restart="never" nodeType="tmRoot"/>
+      </p:par>
+    </p:tnLst>
+  </p:timing>
 </p:sld>
 </file>
 
@@ -28597,7 +30235,7 @@
           <a:graphicData uri="http://schemas.openxmlformats.org/presentationml/2006/ole">
             <mc:AlternateContent xmlns:mc="http://schemas.openxmlformats.org/markup-compatibility/2006">
               <mc:Choice xmlns:v="urn:schemas-microsoft-com:vml" Requires="v">
-                <p:oleObj spid="_x0000_s14440" name="think-cell Folie" r:id="rId6" imgW="344" imgH="345" progId="TCLayout.ActiveDocument.1">
+                <p:oleObj spid="_x0000_s14452" name="think-cell Folie" r:id="rId6" imgW="344" imgH="345" progId="TCLayout.ActiveDocument.1">
                   <p:embed/>
                 </p:oleObj>
               </mc:Choice>
@@ -28647,14 +30285,14 @@
           <p:nvPr>
             <p:extLst>
               <p:ext uri="{D42A27DB-BD31-4B8C-83A1-F6EECF244321}">
-                <p14:modId xmlns:p14="http://schemas.microsoft.com/office/powerpoint/2010/main" val="980556298"/>
+                <p14:modId xmlns:p14="http://schemas.microsoft.com/office/powerpoint/2010/main" val="2943282527"/>
               </p:ext>
             </p:extLst>
           </p:nvPr>
         </p:nvGraphicFramePr>
         <p:xfrm>
           <a:off x="911424" y="2132856"/>
-          <a:ext cx="10883527" cy="3168000"/>
+          <a:ext cx="10883527" cy="3506672"/>
         </p:xfrm>
         <a:graphic>
           <a:graphicData uri="http://schemas.openxmlformats.org/drawingml/2006/table">
@@ -29559,6 +31197,56 @@
                         <a:tabLst/>
                         <a:defRPr/>
                       </a:pPr>
+                      <a:endParaRPr kumimoji="0" lang="de-DE" sz="1600" b="0" i="0" u="none" strike="noStrike" kern="1200" cap="none" spc="0" normalizeH="0" baseline="0" noProof="0" dirty="0" smtClean="0">
+                        <a:ln>
+                          <a:noFill/>
+                        </a:ln>
+                        <a:solidFill>
+                          <a:schemeClr val="bg1"/>
+                        </a:solidFill>
+                        <a:effectLst/>
+                        <a:uLnTx/>
+                        <a:uFillTx/>
+                        <a:latin typeface="+mn-lt"/>
+                        <a:ea typeface="+mn-ea"/>
+                        <a:cs typeface="+mn-cs"/>
+                      </a:endParaRPr>
+                    </a:p>
+                    <a:p>
+                      <a:pPr marL="0" marR="0" lvl="0" indent="0" algn="l" defTabSz="914400" rtl="0" eaLnBrk="1" fontAlgn="auto" latinLnBrk="0" hangingPunct="1">
+                        <a:lnSpc>
+                          <a:spcPct val="110000"/>
+                        </a:lnSpc>
+                        <a:spcBef>
+                          <a:spcPts val="0"/>
+                        </a:spcBef>
+                        <a:spcAft>
+                          <a:spcPts val="1000"/>
+                        </a:spcAft>
+                        <a:buClrTx/>
+                        <a:buSzTx/>
+                        <a:buFont typeface="Arial" panose="020B0604020202020204" pitchFamily="34" charset="0"/>
+                        <a:buNone/>
+                        <a:tabLst/>
+                        <a:defRPr/>
+                      </a:pPr>
+                      <a:r>
+                        <a:rPr kumimoji="0" lang="de-DE" sz="1600" b="0" i="0" u="none" strike="noStrike" kern="1200" cap="none" spc="0" normalizeH="0" baseline="0" noProof="0" dirty="0" smtClean="0">
+                          <a:ln>
+                            <a:noFill/>
+                          </a:ln>
+                          <a:solidFill>
+                            <a:schemeClr val="bg1"/>
+                          </a:solidFill>
+                          <a:effectLst/>
+                          <a:uLnTx/>
+                          <a:uFillTx/>
+                          <a:latin typeface="+mn-lt"/>
+                          <a:ea typeface="+mn-ea"/>
+                          <a:cs typeface="+mn-cs"/>
+                        </a:rPr>
+                        <a:t>Ergebnisinterpretation </a:t>
+                      </a:r>
                       <a:r>
                         <a:rPr kumimoji="0" lang="de-DE" sz="1600" b="0" i="0" u="none" strike="noStrike" kern="1200" cap="none" spc="0" normalizeH="0" baseline="0" noProof="0" dirty="0">
                           <a:ln>
@@ -29574,7 +31262,7 @@
                           <a:ea typeface="+mn-ea"/>
                           <a:cs typeface="+mn-cs"/>
                         </a:rPr>
-                        <a:t>Ergebnisinterpretation und Ausblick</a:t>
+                        <a:t>und Ausblick</a:t>
                       </a:r>
                     </a:p>
                     <a:p>
@@ -29803,6 +31491,13 @@
   <p:transition spd="slow">
     <p:push dir="u"/>
   </p:transition>
+  <p:timing>
+    <p:tnLst>
+      <p:par>
+        <p:cTn id="1" dur="indefinite" restart="never" nodeType="tmRoot"/>
+      </p:par>
+    </p:tnLst>
+  </p:timing>
 </p:sld>
 </file>
 
@@ -29897,6 +31592,13 @@
   <p:transition spd="slow">
     <p:push dir="u"/>
   </p:transition>
+  <p:timing>
+    <p:tnLst>
+      <p:par>
+        <p:cTn id="1" dur="indefinite" restart="never" nodeType="tmRoot"/>
+      </p:par>
+    </p:tnLst>
+  </p:timing>
 </p:sld>
 </file>
 
@@ -29940,7 +31642,7 @@
           <a:p>
             <a:fld id="{34ED33ED-86EF-43E0-BBFC-3F79D10AF08C}" type="datetime1">
               <a:rPr lang="de-DE" smtClean="0"/>
-              <a:t>15.07.2020</a:t>
+              <a:t>16.07.2020</a:t>
             </a:fld>
             <a:endParaRPr lang="en-GB" dirty="0"/>
           </a:p>
@@ -30684,7 +32386,7 @@
           <a:p>
             <a:fld id="{34ED33ED-86EF-43E0-BBFC-3F79D10AF08C}" type="datetime1">
               <a:rPr lang="de-DE" smtClean="0"/>
-              <a:t>15.07.2020</a:t>
+              <a:t>16.07.2020</a:t>
             </a:fld>
             <a:endParaRPr lang="en-GB" dirty="0"/>
           </a:p>
@@ -31319,7 +33021,7 @@
           <a:p>
             <a:fld id="{34ED33ED-86EF-43E0-BBFC-3F79D10AF08C}" type="datetime1">
               <a:rPr lang="de-DE" smtClean="0"/>
-              <a:t>15.07.2020</a:t>
+              <a:t>16.07.2020</a:t>
             </a:fld>
             <a:endParaRPr lang="en-GB"/>
           </a:p>
@@ -31466,6 +33168,13 @@
   <p:transition spd="slow">
     <p:push/>
   </p:transition>
+  <p:timing>
+    <p:tnLst>
+      <p:par>
+        <p:cTn id="1" dur="indefinite" restart="never" nodeType="tmRoot"/>
+      </p:par>
+    </p:tnLst>
+  </p:timing>
 </p:sld>
 </file>
 
@@ -31509,7 +33218,7 @@
           <a:p>
             <a:fld id="{34ED33ED-86EF-43E0-BBFC-3F79D10AF08C}" type="datetime1">
               <a:rPr lang="de-DE" smtClean="0"/>
-              <a:t>15.07.2020</a:t>
+              <a:t>16.07.2020</a:t>
             </a:fld>
             <a:endParaRPr lang="en-GB"/>
           </a:p>
@@ -31656,6 +33365,13 @@
   <p:transition spd="slow">
     <p:push/>
   </p:transition>
+  <p:timing>
+    <p:tnLst>
+      <p:par>
+        <p:cTn id="1" dur="indefinite" restart="never" nodeType="tmRoot"/>
+      </p:par>
+    </p:tnLst>
+  </p:timing>
 </p:sld>
 </file>
 
@@ -31699,7 +33415,7 @@
           <a:p>
             <a:fld id="{34ED33ED-86EF-43E0-BBFC-3F79D10AF08C}" type="datetime1">
               <a:rPr lang="de-DE" smtClean="0"/>
-              <a:t>15.07.2020</a:t>
+              <a:t>16.07.2020</a:t>
             </a:fld>
             <a:endParaRPr lang="en-GB" dirty="0"/>
           </a:p>
@@ -31986,6 +33702,13 @@
   <p:transition spd="slow">
     <p:push/>
   </p:transition>
+  <p:timing>
+    <p:tnLst>
+      <p:par>
+        <p:cTn id="1" dur="indefinite" restart="never" nodeType="tmRoot"/>
+      </p:par>
+    </p:tnLst>
+  </p:timing>
 </p:sld>
 </file>
 
